--- a/Disused code/Misc/Lectures/3 Customizing DLMtool/L3b Specifying MPs and other MSE outputs.pptx
+++ b/Disused code/Misc/Lectures/3 Customizing DLMtool/L3b Specifying MPs and other MSE outputs.pptx
@@ -5,19 +5,25 @@
     <p:sldMasterId id="2147483660" r:id="rId1"/>
   </p:sldMasterIdLst>
   <p:notesMasterIdLst>
-    <p:notesMasterId r:id="rId12"/>
+    <p:notesMasterId r:id="rId18"/>
   </p:notesMasterIdLst>
   <p:sldIdLst>
     <p:sldId id="257" r:id="rId2"/>
     <p:sldId id="258" r:id="rId3"/>
     <p:sldId id="296" r:id="rId4"/>
     <p:sldId id="303" r:id="rId5"/>
-    <p:sldId id="297" r:id="rId6"/>
-    <p:sldId id="298" r:id="rId7"/>
-    <p:sldId id="299" r:id="rId8"/>
-    <p:sldId id="300" r:id="rId9"/>
-    <p:sldId id="301" r:id="rId10"/>
-    <p:sldId id="302" r:id="rId11"/>
+    <p:sldId id="304" r:id="rId6"/>
+    <p:sldId id="305" r:id="rId7"/>
+    <p:sldId id="306" r:id="rId8"/>
+    <p:sldId id="307" r:id="rId9"/>
+    <p:sldId id="309" r:id="rId10"/>
+    <p:sldId id="308" r:id="rId11"/>
+    <p:sldId id="297" r:id="rId12"/>
+    <p:sldId id="298" r:id="rId13"/>
+    <p:sldId id="299" r:id="rId14"/>
+    <p:sldId id="300" r:id="rId15"/>
+    <p:sldId id="301" r:id="rId16"/>
+    <p:sldId id="302" r:id="rId17"/>
   </p:sldIdLst>
   <p:sldSz cx="9144000" cy="6858000" type="screen4x3"/>
   <p:notesSz cx="6858000" cy="9144000"/>
@@ -8668,11 +8674,7 @@
           <a:p>
             <a:r>
               <a:rPr lang="en-CA" dirty="0" smtClean="0"/>
-              <a:t>Getting </a:t>
-            </a:r>
-            <a:r>
-              <a:rPr lang="en-CA" dirty="0" smtClean="0"/>
-              <a:t>help with objects</a:t>
+              <a:t>Value of information analysis</a:t>
             </a:r>
             <a:endParaRPr lang="en-CA" dirty="0"/>
           </a:p>
@@ -8690,8 +8692,8 @@
         </p:nvSpPr>
         <p:spPr>
           <a:xfrm>
-            <a:off x="734219" y="2132856"/>
-            <a:ext cx="7675562" cy="3324027"/>
+            <a:off x="839788" y="1556792"/>
+            <a:ext cx="7675562" cy="4351338"/>
           </a:xfrm>
         </p:spPr>
         <p:txBody>
@@ -8699,271 +8701,87 @@
           <a:lstStyle/>
           <a:p>
             <a:pPr marL="0" indent="0">
-              <a:spcBef>
-                <a:spcPts val="2400"/>
-              </a:spcBef>
-              <a:spcAft>
-                <a:spcPts val="1800"/>
-              </a:spcAft>
               <a:buNone/>
             </a:pPr>
             <a:r>
-              <a:rPr lang="en-CA" dirty="0" smtClean="0">
-                <a:solidFill>
-                  <a:srgbClr val="0070C0"/>
-                </a:solidFill>
-              </a:rPr>
-              <a:t>Cheat sheets for objects</a:t>
-            </a:r>
-            <a:r>
-              <a:rPr lang="en-CA" dirty="0" smtClean="0">
-                <a:solidFill>
-                  <a:srgbClr val="0070C0"/>
-                </a:solidFill>
-              </a:rPr>
-              <a:t>:    </a:t>
-            </a:r>
-            <a:r>
-              <a:rPr lang="en-CA" dirty="0" smtClean="0">
-                <a:solidFill>
-                  <a:srgbClr val="27AFE5"/>
-                </a:solidFill>
-              </a:rPr>
-              <a:t>/</a:t>
-            </a:r>
-            <a:r>
-              <a:rPr lang="en-CA" dirty="0" smtClean="0">
-                <a:solidFill>
-                  <a:srgbClr val="27AFE5"/>
-                </a:solidFill>
-              </a:rPr>
-              <a:t>Help/Cheat sheets/</a:t>
+              <a:rPr lang="en-CA" dirty="0" smtClean="0"/>
+              <a:t>If we can calculate </a:t>
             </a:r>
           </a:p>
           <a:p>
             <a:pPr marL="0" indent="0">
-              <a:spcBef>
-                <a:spcPts val="2400"/>
-              </a:spcBef>
-              <a:spcAft>
-                <a:spcPts val="1800"/>
-              </a:spcAft>
               <a:buNone/>
             </a:pPr>
             <a:r>
-              <a:rPr lang="en-CA" dirty="0" smtClean="0">
-                <a:solidFill>
-                  <a:srgbClr val="0070C0"/>
-                </a:solidFill>
-              </a:rPr>
-              <a:t>User manual:                            </a:t>
-            </a:r>
-            <a:r>
-              <a:rPr lang="en-CA" dirty="0" smtClean="0">
-                <a:solidFill>
-                  <a:srgbClr val="27AFE5"/>
-                </a:solidFill>
-              </a:rPr>
-              <a:t>/Help/DLMtool 4 User Guide.pdf</a:t>
-            </a:r>
-            <a:endParaRPr lang="en-CA" dirty="0" smtClean="0">
-              <a:solidFill>
-                <a:srgbClr val="27AFE5"/>
-              </a:solidFill>
-            </a:endParaRPr>
+              <a:rPr lang="en-CA" dirty="0" smtClean="0"/>
+              <a:t>-  performance for every simulation</a:t>
+            </a:r>
           </a:p>
           <a:p>
             <a:pPr marL="0" indent="0">
-              <a:spcBef>
-                <a:spcPts val="2400"/>
-              </a:spcBef>
               <a:buNone/>
             </a:pPr>
             <a:r>
-              <a:rPr lang="en-CA" dirty="0" smtClean="0">
-                <a:solidFill>
-                  <a:srgbClr val="0070C0"/>
-                </a:solidFill>
-              </a:rPr>
-              <a:t>R package help: </a:t>
-            </a:r>
-            <a:r>
-              <a:rPr lang="en-CA" dirty="0" smtClean="0">
-                <a:solidFill>
-                  <a:srgbClr val="27AFE5"/>
-                </a:solidFill>
-              </a:rPr>
-              <a:t>		</a:t>
-            </a:r>
-            <a:r>
-              <a:rPr lang="en-CA" dirty="0" smtClean="0">
-                <a:solidFill>
-                  <a:srgbClr val="27AFE5"/>
-                </a:solidFill>
-              </a:rPr>
-              <a:t>	</a:t>
-            </a:r>
-            <a:r>
-              <a:rPr lang="en-CA" dirty="0" err="1" smtClean="0">
-                <a:solidFill>
-                  <a:srgbClr val="00B050"/>
-                </a:solidFill>
-              </a:rPr>
-              <a:t>class?Stock</a:t>
-            </a:r>
-            <a:endParaRPr lang="en-CA" dirty="0" smtClean="0">
-              <a:solidFill>
-                <a:srgbClr val="00B050"/>
-              </a:solidFill>
-            </a:endParaRPr>
+              <a:rPr lang="en-CA" dirty="0" smtClean="0"/>
+              <a:t>and we can track </a:t>
+            </a:r>
+          </a:p>
+          <a:p>
+            <a:pPr>
+              <a:buFontTx/>
+              <a:buChar char="-"/>
+            </a:pPr>
+            <a:r>
+              <a:rPr lang="en-CA" dirty="0" smtClean="0"/>
+              <a:t>the conditions of every simulation,</a:t>
+            </a:r>
           </a:p>
           <a:p>
             <a:pPr marL="0" indent="0">
-              <a:spcBef>
-                <a:spcPts val="0"/>
-              </a:spcBef>
               <a:buNone/>
             </a:pPr>
             <a:r>
-              <a:rPr lang="en-CA" dirty="0" smtClean="0">
-                <a:solidFill>
-                  <a:srgbClr val="00B050"/>
-                </a:solidFill>
-              </a:rPr>
-              <a:t>					</a:t>
-            </a:r>
-            <a:r>
-              <a:rPr lang="en-CA" dirty="0" err="1" smtClean="0">
-                <a:solidFill>
-                  <a:srgbClr val="00B050"/>
-                </a:solidFill>
-              </a:rPr>
-              <a:t>class?Fleet</a:t>
-            </a:r>
-            <a:endParaRPr lang="en-CA" dirty="0" smtClean="0">
-              <a:solidFill>
-                <a:srgbClr val="00B050"/>
-              </a:solidFill>
-            </a:endParaRPr>
+              <a:rPr lang="en-CA" dirty="0" smtClean="0"/>
+              <a:t>we can analyse which data observation processes are driving performance. </a:t>
+            </a:r>
           </a:p>
           <a:p>
             <a:pPr marL="0" indent="0">
-              <a:spcBef>
-                <a:spcPts val="0"/>
-              </a:spcBef>
               <a:buNone/>
             </a:pPr>
-            <a:r>
-              <a:rPr lang="en-CA" dirty="0" smtClean="0">
-                <a:solidFill>
-                  <a:srgbClr val="00B050"/>
-                </a:solidFill>
-              </a:rPr>
-              <a:t>					</a:t>
-            </a:r>
-            <a:r>
-              <a:rPr lang="en-CA" dirty="0" err="1" smtClean="0">
-                <a:solidFill>
-                  <a:srgbClr val="00B050"/>
-                </a:solidFill>
-              </a:rPr>
-              <a:t>class?Obs</a:t>
-            </a:r>
-            <a:endParaRPr lang="en-CA" dirty="0" smtClean="0">
-              <a:solidFill>
-                <a:srgbClr val="00B050"/>
-              </a:solidFill>
-            </a:endParaRPr>
+            <a:endParaRPr lang="en-CA" dirty="0"/>
           </a:p>
           <a:p>
             <a:pPr marL="0" indent="0">
-              <a:spcBef>
-                <a:spcPts val="0"/>
-              </a:spcBef>
               <a:buNone/>
             </a:pPr>
             <a:r>
-              <a:rPr lang="en-CA" dirty="0" smtClean="0">
-                <a:solidFill>
-                  <a:srgbClr val="00B050"/>
-                </a:solidFill>
-              </a:rPr>
-              <a:t>					</a:t>
-            </a:r>
-            <a:r>
-              <a:rPr lang="en-CA" dirty="0" err="1" smtClean="0">
-                <a:solidFill>
-                  <a:srgbClr val="00B050"/>
-                </a:solidFill>
-              </a:rPr>
-              <a:t>class?Imp</a:t>
-            </a:r>
-            <a:endParaRPr lang="en-CA" dirty="0" smtClean="0">
-              <a:solidFill>
-                <a:srgbClr val="00B050"/>
-              </a:solidFill>
-            </a:endParaRPr>
+              <a:rPr lang="en-CA" dirty="0" smtClean="0"/>
+              <a:t>Value of information analysis can identify which data are the most important in successful management. </a:t>
+            </a:r>
           </a:p>
           <a:p>
             <a:pPr marL="0" indent="0">
-              <a:spcBef>
-                <a:spcPts val="0"/>
-              </a:spcBef>
               <a:buNone/>
             </a:pPr>
             <a:r>
-              <a:rPr lang="en-CA" dirty="0" smtClean="0">
-                <a:solidFill>
-                  <a:srgbClr val="00B050"/>
-                </a:solidFill>
-              </a:rPr>
-              <a:t>					</a:t>
-            </a:r>
-            <a:r>
-              <a:rPr lang="en-CA" dirty="0" err="1" smtClean="0">
-                <a:solidFill>
-                  <a:srgbClr val="00B050"/>
-                </a:solidFill>
-              </a:rPr>
-              <a:t>class?OM</a:t>
-            </a:r>
-            <a:endParaRPr lang="en-CA" dirty="0" smtClean="0">
-              <a:solidFill>
-                <a:srgbClr val="00B050"/>
-              </a:solidFill>
-            </a:endParaRPr>
+              <a:rPr lang="en-CA" dirty="0" smtClean="0"/>
+              <a:t>For any MSE object in DLMtool you can conduct VOI analysis using the VOI() function…</a:t>
+            </a:r>
+            <a:endParaRPr lang="en-CA" dirty="0"/>
           </a:p>
           <a:p>
             <a:pPr marL="0" indent="0">
-              <a:spcBef>
-                <a:spcPts val="2400"/>
-              </a:spcBef>
               <a:buNone/>
             </a:pPr>
-            <a:endParaRPr lang="en-CA" dirty="0">
-              <a:solidFill>
-                <a:srgbClr val="27AFE5"/>
-              </a:solidFill>
-            </a:endParaRPr>
-          </a:p>
-          <a:p>
-            <a:pPr marL="0" indent="0">
-              <a:spcBef>
-                <a:spcPts val="600"/>
-              </a:spcBef>
-              <a:buNone/>
-            </a:pPr>
-            <a:r>
-              <a:rPr lang="en-CA" dirty="0"/>
-              <a:t>				</a:t>
-            </a:r>
+            <a:endParaRPr lang="en-CA" dirty="0"/>
           </a:p>
         </p:txBody>
       </p:sp>
     </p:spTree>
     <p:extLst>
       <p:ext uri="{BB962C8B-B14F-4D97-AF65-F5344CB8AC3E}">
-        <p14:creationId xmlns:p14="http://schemas.microsoft.com/office/powerpoint/2010/main" val="1357881081"/>
+        <p14:creationId xmlns:p14="http://schemas.microsoft.com/office/powerpoint/2010/main" val="1444778256"/>
       </p:ext>
     </p:extLst>
   </p:cSld>
@@ -8980,717 +8798,7 @@
 </p:sld>
 </file>
 
-<file path=ppt/slides/slide2.xml><?xml version="1.0" encoding="utf-8"?>
-<p:sld xmlns:a="http://schemas.openxmlformats.org/drawingml/2006/main" xmlns:r="http://schemas.openxmlformats.org/officeDocument/2006/relationships" xmlns:p="http://schemas.openxmlformats.org/presentationml/2006/main">
-  <p:cSld>
-    <p:spTree>
-      <p:nvGrpSpPr>
-        <p:cNvPr id="1" name=""/>
-        <p:cNvGrpSpPr/>
-        <p:nvPr/>
-      </p:nvGrpSpPr>
-      <p:grpSpPr>
-        <a:xfrm>
-          <a:off x="0" y="0"/>
-          <a:ext cx="0" cy="0"/>
-          <a:chOff x="0" y="0"/>
-          <a:chExt cx="0" cy="0"/>
-        </a:xfrm>
-      </p:grpSpPr>
-      <p:sp>
-        <p:nvSpPr>
-          <p:cNvPr id="20482" name="Title 1"/>
-          <p:cNvSpPr>
-            <a:spLocks noGrp="1"/>
-          </p:cNvSpPr>
-          <p:nvPr>
-            <p:ph type="title"/>
-          </p:nvPr>
-        </p:nvSpPr>
-        <p:spPr>
-          <a:xfrm>
-            <a:off x="543806" y="1196752"/>
-            <a:ext cx="7886700" cy="576263"/>
-          </a:xfrm>
-        </p:spPr>
-        <p:txBody>
-          <a:bodyPr/>
-          <a:lstStyle/>
-          <a:p>
-            <a:pPr eaLnBrk="1" hangingPunct="1"/>
-            <a:r>
-              <a:rPr lang="en-CA" altLang="en-US" dirty="0" smtClean="0">
-                <a:solidFill>
-                  <a:srgbClr val="F6BB00"/>
-                </a:solidFill>
-              </a:rPr>
-              <a:t>Agenda</a:t>
-            </a:r>
-          </a:p>
-        </p:txBody>
-      </p:sp>
-      <p:sp>
-        <p:nvSpPr>
-          <p:cNvPr id="20483" name="Content Placeholder 2"/>
-          <p:cNvSpPr>
-            <a:spLocks noGrp="1"/>
-          </p:cNvSpPr>
-          <p:nvPr>
-            <p:ph idx="1"/>
-          </p:nvPr>
-        </p:nvSpPr>
-        <p:spPr>
-          <a:xfrm>
-            <a:off x="750888" y="2348880"/>
-            <a:ext cx="7675562" cy="3570288"/>
-          </a:xfrm>
-        </p:spPr>
-        <p:txBody>
-          <a:bodyPr/>
-          <a:lstStyle/>
-          <a:p>
-            <a:pPr marL="514350" indent="-514350" eaLnBrk="1" hangingPunct="1">
-              <a:spcBef>
-                <a:spcPts val="1800"/>
-              </a:spcBef>
-              <a:buFont typeface="Corbel" panose="020B0503020204020204" pitchFamily="34" charset="0"/>
-              <a:buAutoNum type="arabicPeriod"/>
-            </a:pPr>
-            <a:r>
-              <a:rPr lang="en-CA" altLang="en-US" sz="2800" dirty="0" smtClean="0">
-                <a:solidFill>
-                  <a:srgbClr val="27AFE5"/>
-                </a:solidFill>
-              </a:rPr>
-              <a:t>Specifying MPs for MSE</a:t>
-            </a:r>
-            <a:endParaRPr lang="en-CA" altLang="en-US" sz="2800" dirty="0" smtClean="0">
-              <a:solidFill>
-                <a:srgbClr val="27AFE5"/>
-              </a:solidFill>
-            </a:endParaRPr>
-          </a:p>
-          <a:p>
-            <a:pPr marL="514350" indent="-514350" eaLnBrk="1" hangingPunct="1">
-              <a:spcBef>
-                <a:spcPts val="1800"/>
-              </a:spcBef>
-              <a:buFont typeface="Corbel" panose="020B0503020204020204" pitchFamily="34" charset="0"/>
-              <a:buAutoNum type="arabicPeriod"/>
-            </a:pPr>
-            <a:r>
-              <a:rPr lang="en-CA" altLang="en-US" sz="2800" dirty="0" smtClean="0">
-                <a:solidFill>
-                  <a:srgbClr val="27AFE5"/>
-                </a:solidFill>
-              </a:rPr>
-              <a:t>Convergence diagnostics</a:t>
-            </a:r>
-            <a:endParaRPr lang="en-CA" altLang="en-US" sz="2800" dirty="0" smtClean="0">
-              <a:solidFill>
-                <a:srgbClr val="27AFE5"/>
-              </a:solidFill>
-            </a:endParaRPr>
-          </a:p>
-          <a:p>
-            <a:pPr marL="514350" indent="-514350" eaLnBrk="1" hangingPunct="1">
-              <a:spcBef>
-                <a:spcPts val="1800"/>
-              </a:spcBef>
-              <a:buFont typeface="Corbel" panose="020B0503020204020204" pitchFamily="34" charset="0"/>
-              <a:buAutoNum type="arabicPeriod"/>
-            </a:pPr>
-            <a:r>
-              <a:rPr lang="en-CA" altLang="en-US" sz="2800" dirty="0" smtClean="0">
-                <a:solidFill>
-                  <a:srgbClr val="27AFE5"/>
-                </a:solidFill>
-              </a:rPr>
-              <a:t>Value of information (VOI) analysis</a:t>
-            </a:r>
-          </a:p>
-          <a:p>
-            <a:pPr marL="514350" indent="-514350" eaLnBrk="1" hangingPunct="1">
-              <a:spcBef>
-                <a:spcPts val="1800"/>
-              </a:spcBef>
-              <a:buFont typeface="Corbel" panose="020B0503020204020204" pitchFamily="34" charset="0"/>
-              <a:buAutoNum type="arabicPeriod"/>
-            </a:pPr>
-            <a:r>
-              <a:rPr lang="en-CA" altLang="en-US" sz="2800" dirty="0" smtClean="0">
-                <a:solidFill>
-                  <a:srgbClr val="27AFE5"/>
-                </a:solidFill>
-              </a:rPr>
-              <a:t>Cost of current uncertainties </a:t>
-            </a:r>
-            <a:endParaRPr lang="en-CA" altLang="en-US" sz="2800" dirty="0" smtClean="0">
-              <a:solidFill>
-                <a:srgbClr val="27AFE5"/>
-              </a:solidFill>
-            </a:endParaRPr>
-          </a:p>
-        </p:txBody>
-      </p:sp>
-    </p:spTree>
-  </p:cSld>
-  <p:clrMapOvr>
-    <a:masterClrMapping/>
-  </p:clrMapOvr>
-  <p:timing>
-    <p:tnLst>
-      <p:par>
-        <p:cTn id="1" dur="indefinite" restart="never" nodeType="tmRoot"/>
-      </p:par>
-    </p:tnLst>
-  </p:timing>
-</p:sld>
-</file>
-
-<file path=ppt/slides/slide3.xml><?xml version="1.0" encoding="utf-8"?>
-<p:sld xmlns:a="http://schemas.openxmlformats.org/drawingml/2006/main" xmlns:r="http://schemas.openxmlformats.org/officeDocument/2006/relationships" xmlns:p="http://schemas.openxmlformats.org/presentationml/2006/main">
-  <p:cSld>
-    <p:spTree>
-      <p:nvGrpSpPr>
-        <p:cNvPr id="1" name=""/>
-        <p:cNvGrpSpPr/>
-        <p:nvPr/>
-      </p:nvGrpSpPr>
-      <p:grpSpPr>
-        <a:xfrm>
-          <a:off x="0" y="0"/>
-          <a:ext cx="0" cy="0"/>
-          <a:chOff x="0" y="0"/>
-          <a:chExt cx="0" cy="0"/>
-        </a:xfrm>
-      </p:grpSpPr>
-      <p:sp>
-        <p:nvSpPr>
-          <p:cNvPr id="23555" name="Content Placeholder 2"/>
-          <p:cNvSpPr>
-            <a:spLocks noGrp="1"/>
-          </p:cNvSpPr>
-          <p:nvPr>
-            <p:ph idx="1"/>
-          </p:nvPr>
-        </p:nvSpPr>
-        <p:spPr>
-          <a:xfrm>
-            <a:off x="323528" y="476672"/>
-            <a:ext cx="7675562" cy="1144587"/>
-          </a:xfrm>
-        </p:spPr>
-        <p:txBody>
-          <a:bodyPr/>
-          <a:lstStyle/>
-          <a:p>
-            <a:pPr marL="0" indent="0" eaLnBrk="1" hangingPunct="1">
-              <a:buFont typeface="Arial" panose="020B0604020202020204" pitchFamily="34" charset="0"/>
-              <a:buNone/>
-            </a:pPr>
-            <a:r>
-              <a:rPr lang="en-CA" altLang="en-US" sz="2800" dirty="0" smtClean="0">
-                <a:solidFill>
-                  <a:srgbClr val="27AFE5"/>
-                </a:solidFill>
-              </a:rPr>
-              <a:t>Specifying MPs for MSE analysis </a:t>
-            </a:r>
-          </a:p>
-          <a:p>
-            <a:pPr marL="0" indent="0" eaLnBrk="1" hangingPunct="1">
-              <a:buFont typeface="Arial" panose="020B0604020202020204" pitchFamily="34" charset="0"/>
-              <a:buNone/>
-            </a:pPr>
-            <a:endParaRPr lang="en-CA" altLang="en-US" dirty="0" smtClean="0"/>
-          </a:p>
-        </p:txBody>
-      </p:sp>
-      <p:sp>
-        <p:nvSpPr>
-          <p:cNvPr id="2" name="TextBox 1"/>
-          <p:cNvSpPr txBox="1"/>
-          <p:nvPr/>
-        </p:nvSpPr>
-        <p:spPr>
-          <a:xfrm>
-            <a:off x="395536" y="1196752"/>
-            <a:ext cx="8568952" cy="6524863"/>
-          </a:xfrm>
-          <a:prstGeom prst="rect">
-            <a:avLst/>
-          </a:prstGeom>
-          <a:noFill/>
-        </p:spPr>
-        <p:txBody>
-          <a:bodyPr wrap="square" rtlCol="0">
-            <a:spAutoFit/>
-          </a:bodyPr>
-          <a:lstStyle/>
-          <a:p>
-            <a:r>
-              <a:rPr lang="en-CA" sz="2200" dirty="0" smtClean="0">
-                <a:solidFill>
-                  <a:srgbClr val="0070C0"/>
-                </a:solidFill>
-              </a:rPr>
-              <a:t>DLMtool contains two types of MP that provide different types of management recommendation:</a:t>
-            </a:r>
-          </a:p>
-          <a:p>
-            <a:endParaRPr lang="en-CA" sz="2200" dirty="0">
-              <a:solidFill>
-                <a:srgbClr val="0070C0"/>
-              </a:solidFill>
-            </a:endParaRPr>
-          </a:p>
-          <a:p>
-            <a:pPr marL="342900" indent="-342900">
-              <a:buFont typeface="+mj-lt"/>
-              <a:buAutoNum type="arabicPeriod"/>
-            </a:pPr>
-            <a:r>
-              <a:rPr lang="en-CA" sz="2200" dirty="0" smtClean="0">
-                <a:solidFill>
-                  <a:srgbClr val="0070C0"/>
-                </a:solidFill>
-              </a:rPr>
-              <a:t>Output control MPs (</a:t>
-            </a:r>
-            <a:r>
-              <a:rPr lang="en-CA" sz="2200" dirty="0" smtClean="0">
-                <a:solidFill>
-                  <a:srgbClr val="FF0000"/>
-                </a:solidFill>
-              </a:rPr>
-              <a:t>class Output</a:t>
-            </a:r>
-            <a:r>
-              <a:rPr lang="en-CA" sz="2200" dirty="0" smtClean="0">
-                <a:solidFill>
-                  <a:srgbClr val="0070C0"/>
-                </a:solidFill>
-              </a:rPr>
-              <a:t>)</a:t>
-            </a:r>
-          </a:p>
-          <a:p>
-            <a:endParaRPr lang="en-CA" sz="2200" dirty="0" smtClean="0">
-              <a:solidFill>
-                <a:srgbClr val="0070C0"/>
-              </a:solidFill>
-            </a:endParaRPr>
-          </a:p>
-          <a:p>
-            <a:r>
-              <a:rPr lang="en-CA" sz="2200" dirty="0" smtClean="0">
-                <a:solidFill>
-                  <a:srgbClr val="0070C0"/>
-                </a:solidFill>
-              </a:rPr>
-              <a:t>       Provide a Total Allowable Catch (TAC), e.g. 100,000 tonnes </a:t>
-            </a:r>
-          </a:p>
-          <a:p>
-            <a:endParaRPr lang="en-CA" sz="2200" dirty="0">
-              <a:solidFill>
-                <a:srgbClr val="0070C0"/>
-              </a:solidFill>
-            </a:endParaRPr>
-          </a:p>
-          <a:p>
-            <a:r>
-              <a:rPr lang="en-CA" sz="2200" dirty="0" smtClean="0">
-                <a:solidFill>
-                  <a:srgbClr val="0070C0"/>
-                </a:solidFill>
-              </a:rPr>
-              <a:t>2.   Input control MPs (</a:t>
-            </a:r>
-            <a:r>
-              <a:rPr lang="en-CA" sz="2200" dirty="0" smtClean="0">
-                <a:solidFill>
-                  <a:srgbClr val="FF0000"/>
-                </a:solidFill>
-              </a:rPr>
-              <a:t>class Input</a:t>
-            </a:r>
-            <a:r>
-              <a:rPr lang="en-CA" sz="2200" dirty="0" smtClean="0">
-                <a:solidFill>
-                  <a:srgbClr val="0070C0"/>
-                </a:solidFill>
-              </a:rPr>
-              <a:t>)</a:t>
-            </a:r>
-          </a:p>
-          <a:p>
-            <a:endParaRPr lang="en-CA" sz="2200" b="1" dirty="0" smtClean="0">
-              <a:solidFill>
-                <a:srgbClr val="0070C0"/>
-              </a:solidFill>
-            </a:endParaRPr>
-          </a:p>
-          <a:p>
-            <a:r>
-              <a:rPr lang="en-CA" sz="2200" dirty="0" smtClean="0">
-                <a:solidFill>
-                  <a:srgbClr val="0070C0"/>
-                </a:solidFill>
-              </a:rPr>
-              <a:t>       These MPs control the extent of fishing pressure rather than the </a:t>
-            </a:r>
-          </a:p>
-          <a:p>
-            <a:r>
-              <a:rPr lang="en-CA" sz="2200" dirty="0">
-                <a:solidFill>
-                  <a:srgbClr val="0070C0"/>
-                </a:solidFill>
-              </a:rPr>
-              <a:t> </a:t>
-            </a:r>
-            <a:r>
-              <a:rPr lang="en-CA" sz="2200" dirty="0" smtClean="0">
-                <a:solidFill>
-                  <a:srgbClr val="0070C0"/>
-                </a:solidFill>
-              </a:rPr>
-              <a:t>      amount of fish extracted and can make recommendations in terms of </a:t>
-            </a:r>
-          </a:p>
-          <a:p>
-            <a:endParaRPr lang="en-CA" sz="2200" dirty="0" smtClean="0">
-              <a:solidFill>
-                <a:srgbClr val="0070C0"/>
-              </a:solidFill>
-            </a:endParaRPr>
-          </a:p>
-          <a:p>
-            <a:r>
-              <a:rPr lang="en-CA" sz="2200" dirty="0" smtClean="0">
-                <a:solidFill>
-                  <a:srgbClr val="0070C0"/>
-                </a:solidFill>
-              </a:rPr>
-              <a:t>        -  Total Allowable Effort (TAE), e.g. 10,000 days of fishing</a:t>
-            </a:r>
-          </a:p>
-          <a:p>
-            <a:r>
-              <a:rPr lang="en-CA" sz="2200" dirty="0" smtClean="0">
-                <a:solidFill>
-                  <a:srgbClr val="0070C0"/>
-                </a:solidFill>
-              </a:rPr>
-              <a:t>        -  Spatial closures (e.g. no take areas)</a:t>
-            </a:r>
-          </a:p>
-          <a:p>
-            <a:r>
-              <a:rPr lang="en-CA" sz="2200" dirty="0" smtClean="0">
-                <a:solidFill>
-                  <a:srgbClr val="0070C0"/>
-                </a:solidFill>
-              </a:rPr>
-              <a:t>        -  Size limits (e.g. only retain fish over 50cm) </a:t>
-            </a:r>
-          </a:p>
-          <a:p>
-            <a:pPr marL="285750" indent="-285750">
-              <a:buFontTx/>
-              <a:buChar char="-"/>
-            </a:pPr>
-            <a:endParaRPr lang="en-CA" sz="2200" dirty="0" smtClean="0">
-              <a:solidFill>
-                <a:srgbClr val="0070C0"/>
-              </a:solidFill>
-            </a:endParaRPr>
-          </a:p>
-          <a:p>
-            <a:pPr marL="285750" indent="-285750">
-              <a:buFontTx/>
-              <a:buChar char="-"/>
-            </a:pPr>
-            <a:endParaRPr lang="en-CA" sz="2200" dirty="0" smtClean="0">
-              <a:solidFill>
-                <a:srgbClr val="0070C0"/>
-              </a:solidFill>
-            </a:endParaRPr>
-          </a:p>
-          <a:p>
-            <a:endParaRPr lang="en-CA" sz="2200" dirty="0">
-              <a:solidFill>
-                <a:srgbClr val="0070C0"/>
-              </a:solidFill>
-            </a:endParaRPr>
-          </a:p>
-          <a:p>
-            <a:endParaRPr lang="en-CA" sz="2200" dirty="0" smtClean="0">
-              <a:solidFill>
-                <a:srgbClr val="0070C0"/>
-              </a:solidFill>
-            </a:endParaRPr>
-          </a:p>
-        </p:txBody>
-      </p:sp>
-    </p:spTree>
-    <p:extLst>
-      <p:ext uri="{BB962C8B-B14F-4D97-AF65-F5344CB8AC3E}">
-        <p14:creationId xmlns:p14="http://schemas.microsoft.com/office/powerpoint/2010/main" val="507190513"/>
-      </p:ext>
-    </p:extLst>
-  </p:cSld>
-  <p:clrMapOvr>
-    <a:masterClrMapping/>
-  </p:clrMapOvr>
-  <p:timing>
-    <p:tnLst>
-      <p:par>
-        <p:cTn id="1" dur="indefinite" restart="never" nodeType="tmRoot"/>
-      </p:par>
-    </p:tnLst>
-  </p:timing>
-</p:sld>
-</file>
-
-<file path=ppt/slides/slide4.xml><?xml version="1.0" encoding="utf-8"?>
-<p:sld xmlns:a="http://schemas.openxmlformats.org/drawingml/2006/main" xmlns:r="http://schemas.openxmlformats.org/officeDocument/2006/relationships" xmlns:p="http://schemas.openxmlformats.org/presentationml/2006/main">
-  <p:cSld>
-    <p:spTree>
-      <p:nvGrpSpPr>
-        <p:cNvPr id="1" name=""/>
-        <p:cNvGrpSpPr/>
-        <p:nvPr/>
-      </p:nvGrpSpPr>
-      <p:grpSpPr>
-        <a:xfrm>
-          <a:off x="0" y="0"/>
-          <a:ext cx="0" cy="0"/>
-          <a:chOff x="0" y="0"/>
-          <a:chExt cx="0" cy="0"/>
-        </a:xfrm>
-      </p:grpSpPr>
-      <p:sp>
-        <p:nvSpPr>
-          <p:cNvPr id="2" name="Title 1"/>
-          <p:cNvSpPr>
-            <a:spLocks noGrp="1"/>
-          </p:cNvSpPr>
-          <p:nvPr>
-            <p:ph type="title"/>
-          </p:nvPr>
-        </p:nvSpPr>
-        <p:spPr>
-          <a:xfrm>
-            <a:off x="523081" y="54109"/>
-            <a:ext cx="7886700" cy="1325563"/>
-          </a:xfrm>
-        </p:spPr>
-        <p:txBody>
-          <a:bodyPr/>
-          <a:lstStyle/>
-          <a:p>
-            <a:r>
-              <a:rPr lang="en-CA" dirty="0" smtClean="0"/>
-              <a:t>Finding DLMtool MPs</a:t>
-            </a:r>
-            <a:endParaRPr lang="en-CA" dirty="0"/>
-          </a:p>
-        </p:txBody>
-      </p:sp>
-      <p:sp>
-        <p:nvSpPr>
-          <p:cNvPr id="3" name="Content Placeholder 2"/>
-          <p:cNvSpPr>
-            <a:spLocks noGrp="1"/>
-          </p:cNvSpPr>
-          <p:nvPr>
-            <p:ph idx="1"/>
-          </p:nvPr>
-        </p:nvSpPr>
-        <p:spPr>
-          <a:xfrm>
-            <a:off x="523081" y="1196752"/>
-            <a:ext cx="7675562" cy="936104"/>
-          </a:xfrm>
-        </p:spPr>
-        <p:txBody>
-          <a:bodyPr/>
-          <a:lstStyle/>
-          <a:p>
-            <a:pPr marL="0" indent="0">
-              <a:buNone/>
-            </a:pPr>
-            <a:r>
-              <a:rPr lang="en-CA" dirty="0" smtClean="0"/>
-              <a:t>Similarly to other objects in DLMtool you can use the avail()</a:t>
-            </a:r>
-          </a:p>
-          <a:p>
-            <a:pPr marL="0" indent="0">
-              <a:buNone/>
-            </a:pPr>
-            <a:r>
-              <a:rPr lang="en-CA" dirty="0" smtClean="0"/>
-              <a:t>function to list those that are available:</a:t>
-            </a:r>
-            <a:endParaRPr lang="en-CA" dirty="0"/>
-          </a:p>
-        </p:txBody>
-      </p:sp>
-      <p:pic>
-        <p:nvPicPr>
-          <p:cNvPr id="6" name="Picture 5"/>
-          <p:cNvPicPr>
-            <a:picLocks noChangeAspect="1"/>
-          </p:cNvPicPr>
-          <p:nvPr/>
-        </p:nvPicPr>
-        <p:blipFill rotWithShape="1">
-          <a:blip r:embed="rId2"/>
-          <a:srcRect r="15211"/>
-          <a:stretch/>
-        </p:blipFill>
-        <p:spPr>
-          <a:xfrm>
-            <a:off x="755576" y="2160424"/>
-            <a:ext cx="4272314" cy="1144667"/>
-          </a:xfrm>
-          <a:prstGeom prst="rect">
-            <a:avLst/>
-          </a:prstGeom>
-        </p:spPr>
-      </p:pic>
-      <p:pic>
-        <p:nvPicPr>
-          <p:cNvPr id="7" name="Picture 6"/>
-          <p:cNvPicPr>
-            <a:picLocks noChangeAspect="1"/>
-          </p:cNvPicPr>
-          <p:nvPr/>
-        </p:nvPicPr>
-        <p:blipFill>
-          <a:blip r:embed="rId3"/>
-          <a:stretch>
-            <a:fillRect/>
-          </a:stretch>
-        </p:blipFill>
-        <p:spPr>
-          <a:xfrm>
-            <a:off x="4211960" y="2636912"/>
-            <a:ext cx="3600400" cy="3904966"/>
-          </a:xfrm>
-          <a:prstGeom prst="rect">
-            <a:avLst/>
-          </a:prstGeom>
-          <a:ln w="69850">
-            <a:solidFill>
-              <a:schemeClr val="tx1">
-                <a:alpha val="90000"/>
-              </a:schemeClr>
-            </a:solidFill>
-          </a:ln>
-        </p:spPr>
-      </p:pic>
-    </p:spTree>
-    <p:extLst>
-      <p:ext uri="{BB962C8B-B14F-4D97-AF65-F5344CB8AC3E}">
-        <p14:creationId xmlns:p14="http://schemas.microsoft.com/office/powerpoint/2010/main" val="2846045339"/>
-      </p:ext>
-    </p:extLst>
-  </p:cSld>
-  <p:clrMapOvr>
-    <a:masterClrMapping/>
-  </p:clrMapOvr>
-  <p:timing>
-    <p:tnLst>
-      <p:par>
-        <p:cTn id="1" dur="indefinite" restart="never" nodeType="tmRoot">
-          <p:childTnLst>
-            <p:seq concurrent="1" nextAc="seek">
-              <p:cTn id="2" dur="indefinite" nodeType="mainSeq">
-                <p:childTnLst>
-                  <p:par>
-                    <p:cTn id="3" fill="hold">
-                      <p:stCondLst>
-                        <p:cond delay="indefinite"/>
-                      </p:stCondLst>
-                      <p:childTnLst>
-                        <p:par>
-                          <p:cTn id="4" fill="hold">
-                            <p:stCondLst>
-                              <p:cond delay="0"/>
-                            </p:stCondLst>
-                            <p:childTnLst>
-                              <p:par>
-                                <p:cTn id="5" presetID="10" presetClass="entr" presetSubtype="0" fill="hold" nodeType="clickEffect">
-                                  <p:stCondLst>
-                                    <p:cond delay="0"/>
-                                  </p:stCondLst>
-                                  <p:childTnLst>
-                                    <p:set>
-                                      <p:cBhvr>
-                                        <p:cTn id="6" dur="1" fill="hold">
-                                          <p:stCondLst>
-                                            <p:cond delay="0"/>
-                                          </p:stCondLst>
-                                        </p:cTn>
-                                        <p:tgtEl>
-                                          <p:spTgt spid="7"/>
-                                        </p:tgtEl>
-                                        <p:attrNameLst>
-                                          <p:attrName>style.visibility</p:attrName>
-                                        </p:attrNameLst>
-                                      </p:cBhvr>
-                                      <p:to>
-                                        <p:strVal val="visible"/>
-                                      </p:to>
-                                    </p:set>
-                                    <p:animEffect transition="in" filter="fade">
-                                      <p:cBhvr>
-                                        <p:cTn id="7" dur="500"/>
-                                        <p:tgtEl>
-                                          <p:spTgt spid="7"/>
-                                        </p:tgtEl>
-                                      </p:cBhvr>
-                                    </p:animEffect>
-                                  </p:childTnLst>
-                                </p:cTn>
-                              </p:par>
-                            </p:childTnLst>
-                          </p:cTn>
-                        </p:par>
-                      </p:childTnLst>
-                    </p:cTn>
-                  </p:par>
-                </p:childTnLst>
-              </p:cTn>
-              <p:prevCondLst>
-                <p:cond evt="onPrev" delay="0">
-                  <p:tgtEl>
-                    <p:sldTgt/>
-                  </p:tgtEl>
-                </p:cond>
-              </p:prevCondLst>
-              <p:nextCondLst>
-                <p:cond evt="onNext" delay="0">
-                  <p:tgtEl>
-                    <p:sldTgt/>
-                  </p:tgtEl>
-                </p:cond>
-              </p:nextCondLst>
-            </p:seq>
-          </p:childTnLst>
-        </p:cTn>
-      </p:par>
-    </p:tnLst>
-  </p:timing>
-</p:sld>
-</file>
-
-<file path=ppt/slides/slide5.xml><?xml version="1.0" encoding="utf-8"?>
+<file path=ppt/slides/slide11.xml><?xml version="1.0" encoding="utf-8"?>
 <p:sld xmlns:a="http://schemas.openxmlformats.org/drawingml/2006/main" xmlns:r="http://schemas.openxmlformats.org/officeDocument/2006/relationships" xmlns:p="http://schemas.openxmlformats.org/presentationml/2006/main">
   <p:cSld>
     <p:spTree>
@@ -9952,11 +9060,6 @@
               </a:rPr>
               <a:t>Four of these items are the objects we used to build an operating model </a:t>
             </a:r>
-            <a:endParaRPr lang="en-CA" altLang="en-US" sz="2400" dirty="0" smtClean="0">
-              <a:solidFill>
-                <a:schemeClr val="bg1"/>
-              </a:solidFill>
-            </a:endParaRPr>
           </a:p>
         </p:txBody>
       </p:sp>
@@ -10047,15 +9150,7 @@
                   <a:srgbClr val="0070C0"/>
                 </a:solidFill>
               </a:rPr>
-              <a:t> </a:t>
-            </a:r>
-            <a:r>
-              <a:rPr lang="en-CA" altLang="en-US" sz="2400" dirty="0" smtClean="0">
-                <a:solidFill>
-                  <a:srgbClr val="0070C0"/>
-                </a:solidFill>
-              </a:rPr>
-              <a:t>Objects all contain ‘slots’ that </a:t>
+              <a:t> Objects all contain ‘slots’ that </a:t>
             </a:r>
           </a:p>
           <a:p>
@@ -10096,11 +9191,6 @@
               </a:rPr>
               <a:t>These objects and their slots are all ‘glued’ together in an operating model, allowing for customizability. </a:t>
             </a:r>
-            <a:endParaRPr lang="en-CA" altLang="en-US" sz="2400" dirty="0" smtClean="0">
-              <a:solidFill>
-                <a:srgbClr val="0070C0"/>
-              </a:solidFill>
-            </a:endParaRPr>
           </a:p>
         </p:txBody>
       </p:sp>
@@ -10114,13 +9204,13 @@
   <p:clrMapOvr>
     <a:masterClrMapping/>
   </p:clrMapOvr>
-  <mc:AlternateContent xmlns:mc="http://schemas.openxmlformats.org/markup-compatibility/2006">
-    <mc:Choice xmlns:p14="http://schemas.microsoft.com/office/powerpoint/2010/main" Requires="p14">
+  <mc:AlternateContent xmlns:mc="http://schemas.openxmlformats.org/markup-compatibility/2006" xmlns:p14="http://schemas.microsoft.com/office/powerpoint/2010/main">
+    <mc:Choice Requires="p14">
       <p:transition spd="med" p14:dur="700">
         <p:fade/>
       </p:transition>
     </mc:Choice>
-    <mc:Fallback>
+    <mc:Fallback xmlns="">
       <p:transition spd="med">
         <p:fade/>
       </p:transition>
@@ -10431,7 +9521,7 @@
 </p:sld>
 </file>
 
-<file path=ppt/slides/slide6.xml><?xml version="1.0" encoding="utf-8"?>
+<file path=ppt/slides/slide12.xml><?xml version="1.0" encoding="utf-8"?>
 <p:sld xmlns:a="http://schemas.openxmlformats.org/drawingml/2006/main" xmlns:r="http://schemas.openxmlformats.org/officeDocument/2006/relationships" xmlns:p="http://schemas.openxmlformats.org/presentationml/2006/main">
   <p:cSld>
     <p:spTree>
@@ -11069,7 +10159,7 @@
 </p:sld>
 </file>
 
-<file path=ppt/slides/slide7.xml><?xml version="1.0" encoding="utf-8"?>
+<file path=ppt/slides/slide13.xml><?xml version="1.0" encoding="utf-8"?>
 <p:sld xmlns:a="http://schemas.openxmlformats.org/drawingml/2006/main" xmlns:r="http://schemas.openxmlformats.org/officeDocument/2006/relationships" xmlns:p="http://schemas.openxmlformats.org/presentationml/2006/main">
   <p:cSld>
     <p:spTree>
@@ -11796,7 +10886,7 @@
 </p:sld>
 </file>
 
-<file path=ppt/slides/slide8.xml><?xml version="1.0" encoding="utf-8"?>
+<file path=ppt/slides/slide14.xml><?xml version="1.0" encoding="utf-8"?>
 <p:sld xmlns:a="http://schemas.openxmlformats.org/drawingml/2006/main" xmlns:r="http://schemas.openxmlformats.org/officeDocument/2006/relationships" xmlns:p="http://schemas.openxmlformats.org/presentationml/2006/main">
   <p:cSld>
     <p:spTree>
@@ -11887,23 +10977,7 @@
                   <a:srgbClr val="00B050"/>
                 </a:solidFill>
               </a:rPr>
-              <a:t>Albacore = new(‘</a:t>
-            </a:r>
-            <a:r>
-              <a:rPr lang="en-CA" altLang="en-US" sz="2200" dirty="0" smtClean="0">
-                <a:solidFill>
-                  <a:srgbClr val="00B050"/>
-                </a:solidFill>
-              </a:rPr>
-              <a:t>Stock</a:t>
-            </a:r>
-            <a:r>
-              <a:rPr lang="en-CA" altLang="en-US" sz="2200" dirty="0" smtClean="0">
-                <a:solidFill>
-                  <a:srgbClr val="00B050"/>
-                </a:solidFill>
-              </a:rPr>
-              <a:t>’, ’C:/</a:t>
+              <a:t>Albacore = new(‘Stock’, ’C:/</a:t>
             </a:r>
             <a:r>
               <a:rPr lang="en-CA" altLang="en-US" sz="2200" dirty="0" err="1" smtClean="0">
@@ -11921,11 +10995,6 @@
               </a:rPr>
               <a:t>/Albacore.csv’)</a:t>
             </a:r>
-            <a:endParaRPr lang="en-CA" altLang="en-US" sz="2200" dirty="0" smtClean="0">
-              <a:solidFill>
-                <a:srgbClr val="00B050"/>
-              </a:solidFill>
-            </a:endParaRPr>
           </a:p>
           <a:p>
             <a:pPr marL="0" indent="0" eaLnBrk="1" hangingPunct="1">
@@ -12169,15 +11238,7 @@
                   <a:srgbClr val="00B050"/>
                 </a:solidFill>
               </a:rPr>
-              <a:t> = new</a:t>
-            </a:r>
-            <a:r>
-              <a:rPr lang="en-CA" altLang="en-US" sz="2200" dirty="0" smtClean="0">
-                <a:solidFill>
-                  <a:srgbClr val="00B050"/>
-                </a:solidFill>
-              </a:rPr>
-              <a:t>(‘OM’, Albacore, </a:t>
+              <a:t> = new(‘OM’, Albacore, </a:t>
             </a:r>
           </a:p>
           <a:p>
@@ -12194,21 +11255,8 @@
                   <a:srgbClr val="00B050"/>
                 </a:solidFill>
               </a:rPr>
-              <a:t>			  </a:t>
-            </a:r>
-            <a:r>
-              <a:rPr lang="en-CA" altLang="en-US" sz="2200" dirty="0" smtClean="0">
-                <a:solidFill>
-                  <a:srgbClr val="00B050"/>
-                </a:solidFill>
-              </a:rPr>
-              <a:t>Longline, </a:t>
-            </a:r>
-            <a:endParaRPr lang="en-CA" altLang="en-US" sz="2200" dirty="0" smtClean="0">
-              <a:solidFill>
-                <a:srgbClr val="00B050"/>
-              </a:solidFill>
-            </a:endParaRPr>
+              <a:t>			  Longline, </a:t>
+            </a:r>
           </a:p>
           <a:p>
             <a:pPr marL="0" indent="0" eaLnBrk="1" hangingPunct="1">
@@ -12257,21 +11305,8 @@
                   <a:srgbClr val="00B050"/>
                 </a:solidFill>
               </a:rPr>
-              <a:t>			  </a:t>
-            </a:r>
-            <a:r>
-              <a:rPr lang="en-CA" altLang="en-US" sz="2200" dirty="0" smtClean="0">
-                <a:solidFill>
-                  <a:srgbClr val="00B050"/>
-                </a:solidFill>
-              </a:rPr>
-              <a:t>Overages)</a:t>
-            </a:r>
-            <a:endParaRPr lang="en-CA" altLang="en-US" sz="2200" dirty="0" smtClean="0">
-              <a:solidFill>
-                <a:srgbClr val="00B050"/>
-              </a:solidFill>
-            </a:endParaRPr>
+              <a:t>			  Overages)</a:t>
+            </a:r>
           </a:p>
         </p:txBody>
       </p:sp>
@@ -12973,7 +12008,7 @@
 </p:sld>
 </file>
 
-<file path=ppt/slides/slide9.xml><?xml version="1.0" encoding="utf-8"?>
+<file path=ppt/slides/slide15.xml><?xml version="1.0" encoding="utf-8"?>
 <p:sld xmlns:a="http://schemas.openxmlformats.org/drawingml/2006/main" xmlns:r="http://schemas.openxmlformats.org/officeDocument/2006/relationships" xmlns:p="http://schemas.openxmlformats.org/presentationml/2006/main">
   <p:cSld>
     <p:spTree>
@@ -13479,6 +12514,2226 @@
     <p:bldLst>
       <p:bldP spid="7" grpId="0"/>
     </p:bldLst>
+  </p:timing>
+</p:sld>
+</file>
+
+<file path=ppt/slides/slide16.xml><?xml version="1.0" encoding="utf-8"?>
+<p:sld xmlns:a="http://schemas.openxmlformats.org/drawingml/2006/main" xmlns:r="http://schemas.openxmlformats.org/officeDocument/2006/relationships" xmlns:p="http://schemas.openxmlformats.org/presentationml/2006/main">
+  <p:cSld>
+    <p:spTree>
+      <p:nvGrpSpPr>
+        <p:cNvPr id="1" name=""/>
+        <p:cNvGrpSpPr/>
+        <p:nvPr/>
+      </p:nvGrpSpPr>
+      <p:grpSpPr>
+        <a:xfrm>
+          <a:off x="0" y="0"/>
+          <a:ext cx="0" cy="0"/>
+          <a:chOff x="0" y="0"/>
+          <a:chExt cx="0" cy="0"/>
+        </a:xfrm>
+      </p:grpSpPr>
+      <p:sp>
+        <p:nvSpPr>
+          <p:cNvPr id="2" name="Title 1"/>
+          <p:cNvSpPr>
+            <a:spLocks noGrp="1"/>
+          </p:cNvSpPr>
+          <p:nvPr>
+            <p:ph type="title"/>
+          </p:nvPr>
+        </p:nvSpPr>
+        <p:spPr/>
+        <p:txBody>
+          <a:bodyPr/>
+          <a:lstStyle/>
+          <a:p>
+            <a:r>
+              <a:rPr lang="en-CA" dirty="0" smtClean="0"/>
+              <a:t>Getting help with objects</a:t>
+            </a:r>
+            <a:endParaRPr lang="en-CA" dirty="0"/>
+          </a:p>
+        </p:txBody>
+      </p:sp>
+      <p:sp>
+        <p:nvSpPr>
+          <p:cNvPr id="3" name="Content Placeholder 2"/>
+          <p:cNvSpPr>
+            <a:spLocks noGrp="1"/>
+          </p:cNvSpPr>
+          <p:nvPr>
+            <p:ph idx="1"/>
+          </p:nvPr>
+        </p:nvSpPr>
+        <p:spPr>
+          <a:xfrm>
+            <a:off x="734219" y="2132856"/>
+            <a:ext cx="7675562" cy="3324027"/>
+          </a:xfrm>
+        </p:spPr>
+        <p:txBody>
+          <a:bodyPr/>
+          <a:lstStyle/>
+          <a:p>
+            <a:pPr marL="0" indent="0">
+              <a:spcBef>
+                <a:spcPts val="2400"/>
+              </a:spcBef>
+              <a:spcAft>
+                <a:spcPts val="1800"/>
+              </a:spcAft>
+              <a:buNone/>
+            </a:pPr>
+            <a:r>
+              <a:rPr lang="en-CA" dirty="0" smtClean="0">
+                <a:solidFill>
+                  <a:srgbClr val="0070C0"/>
+                </a:solidFill>
+              </a:rPr>
+              <a:t>Cheat sheets for objects:    </a:t>
+            </a:r>
+            <a:r>
+              <a:rPr lang="en-CA" dirty="0" smtClean="0">
+                <a:solidFill>
+                  <a:srgbClr val="27AFE5"/>
+                </a:solidFill>
+              </a:rPr>
+              <a:t>/Help/Cheat sheets/</a:t>
+            </a:r>
+          </a:p>
+          <a:p>
+            <a:pPr marL="0" indent="0">
+              <a:spcBef>
+                <a:spcPts val="2400"/>
+              </a:spcBef>
+              <a:spcAft>
+                <a:spcPts val="1800"/>
+              </a:spcAft>
+              <a:buNone/>
+            </a:pPr>
+            <a:r>
+              <a:rPr lang="en-CA" dirty="0" smtClean="0">
+                <a:solidFill>
+                  <a:srgbClr val="0070C0"/>
+                </a:solidFill>
+              </a:rPr>
+              <a:t>User manual:                            </a:t>
+            </a:r>
+            <a:r>
+              <a:rPr lang="en-CA" dirty="0" smtClean="0">
+                <a:solidFill>
+                  <a:srgbClr val="27AFE5"/>
+                </a:solidFill>
+              </a:rPr>
+              <a:t>/Help/DLMtool 4 User Guide.pdf</a:t>
+            </a:r>
+          </a:p>
+          <a:p>
+            <a:pPr marL="0" indent="0">
+              <a:spcBef>
+                <a:spcPts val="2400"/>
+              </a:spcBef>
+              <a:buNone/>
+            </a:pPr>
+            <a:r>
+              <a:rPr lang="en-CA" dirty="0" smtClean="0">
+                <a:solidFill>
+                  <a:srgbClr val="0070C0"/>
+                </a:solidFill>
+              </a:rPr>
+              <a:t>R package help: </a:t>
+            </a:r>
+            <a:r>
+              <a:rPr lang="en-CA" dirty="0" smtClean="0">
+                <a:solidFill>
+                  <a:srgbClr val="27AFE5"/>
+                </a:solidFill>
+              </a:rPr>
+              <a:t>			</a:t>
+            </a:r>
+            <a:r>
+              <a:rPr lang="en-CA" dirty="0" err="1" smtClean="0">
+                <a:solidFill>
+                  <a:srgbClr val="00B050"/>
+                </a:solidFill>
+              </a:rPr>
+              <a:t>class?Stock</a:t>
+            </a:r>
+            <a:endParaRPr lang="en-CA" dirty="0" smtClean="0">
+              <a:solidFill>
+                <a:srgbClr val="00B050"/>
+              </a:solidFill>
+            </a:endParaRPr>
+          </a:p>
+          <a:p>
+            <a:pPr marL="0" indent="0">
+              <a:spcBef>
+                <a:spcPts val="0"/>
+              </a:spcBef>
+              <a:buNone/>
+            </a:pPr>
+            <a:r>
+              <a:rPr lang="en-CA" dirty="0" smtClean="0">
+                <a:solidFill>
+                  <a:srgbClr val="00B050"/>
+                </a:solidFill>
+              </a:rPr>
+              <a:t>					</a:t>
+            </a:r>
+            <a:r>
+              <a:rPr lang="en-CA" dirty="0" err="1" smtClean="0">
+                <a:solidFill>
+                  <a:srgbClr val="00B050"/>
+                </a:solidFill>
+              </a:rPr>
+              <a:t>class?Fleet</a:t>
+            </a:r>
+            <a:endParaRPr lang="en-CA" dirty="0" smtClean="0">
+              <a:solidFill>
+                <a:srgbClr val="00B050"/>
+              </a:solidFill>
+            </a:endParaRPr>
+          </a:p>
+          <a:p>
+            <a:pPr marL="0" indent="0">
+              <a:spcBef>
+                <a:spcPts val="0"/>
+              </a:spcBef>
+              <a:buNone/>
+            </a:pPr>
+            <a:r>
+              <a:rPr lang="en-CA" dirty="0" smtClean="0">
+                <a:solidFill>
+                  <a:srgbClr val="00B050"/>
+                </a:solidFill>
+              </a:rPr>
+              <a:t>					</a:t>
+            </a:r>
+            <a:r>
+              <a:rPr lang="en-CA" dirty="0" err="1" smtClean="0">
+                <a:solidFill>
+                  <a:srgbClr val="00B050"/>
+                </a:solidFill>
+              </a:rPr>
+              <a:t>class?Obs</a:t>
+            </a:r>
+            <a:endParaRPr lang="en-CA" dirty="0" smtClean="0">
+              <a:solidFill>
+                <a:srgbClr val="00B050"/>
+              </a:solidFill>
+            </a:endParaRPr>
+          </a:p>
+          <a:p>
+            <a:pPr marL="0" indent="0">
+              <a:spcBef>
+                <a:spcPts val="0"/>
+              </a:spcBef>
+              <a:buNone/>
+            </a:pPr>
+            <a:r>
+              <a:rPr lang="en-CA" dirty="0" smtClean="0">
+                <a:solidFill>
+                  <a:srgbClr val="00B050"/>
+                </a:solidFill>
+              </a:rPr>
+              <a:t>					</a:t>
+            </a:r>
+            <a:r>
+              <a:rPr lang="en-CA" dirty="0" err="1" smtClean="0">
+                <a:solidFill>
+                  <a:srgbClr val="00B050"/>
+                </a:solidFill>
+              </a:rPr>
+              <a:t>class?Imp</a:t>
+            </a:r>
+            <a:endParaRPr lang="en-CA" dirty="0" smtClean="0">
+              <a:solidFill>
+                <a:srgbClr val="00B050"/>
+              </a:solidFill>
+            </a:endParaRPr>
+          </a:p>
+          <a:p>
+            <a:pPr marL="0" indent="0">
+              <a:spcBef>
+                <a:spcPts val="0"/>
+              </a:spcBef>
+              <a:buNone/>
+            </a:pPr>
+            <a:r>
+              <a:rPr lang="en-CA" dirty="0" smtClean="0">
+                <a:solidFill>
+                  <a:srgbClr val="00B050"/>
+                </a:solidFill>
+              </a:rPr>
+              <a:t>					</a:t>
+            </a:r>
+            <a:r>
+              <a:rPr lang="en-CA" dirty="0" err="1" smtClean="0">
+                <a:solidFill>
+                  <a:srgbClr val="00B050"/>
+                </a:solidFill>
+              </a:rPr>
+              <a:t>class?OM</a:t>
+            </a:r>
+            <a:endParaRPr lang="en-CA" dirty="0" smtClean="0">
+              <a:solidFill>
+                <a:srgbClr val="00B050"/>
+              </a:solidFill>
+            </a:endParaRPr>
+          </a:p>
+          <a:p>
+            <a:pPr marL="0" indent="0">
+              <a:spcBef>
+                <a:spcPts val="2400"/>
+              </a:spcBef>
+              <a:buNone/>
+            </a:pPr>
+            <a:endParaRPr lang="en-CA" dirty="0">
+              <a:solidFill>
+                <a:srgbClr val="27AFE5"/>
+              </a:solidFill>
+            </a:endParaRPr>
+          </a:p>
+          <a:p>
+            <a:pPr marL="0" indent="0">
+              <a:spcBef>
+                <a:spcPts val="600"/>
+              </a:spcBef>
+              <a:buNone/>
+            </a:pPr>
+            <a:r>
+              <a:rPr lang="en-CA" dirty="0"/>
+              <a:t>				</a:t>
+            </a:r>
+          </a:p>
+        </p:txBody>
+      </p:sp>
+    </p:spTree>
+    <p:extLst>
+      <p:ext uri="{BB962C8B-B14F-4D97-AF65-F5344CB8AC3E}">
+        <p14:creationId xmlns:p14="http://schemas.microsoft.com/office/powerpoint/2010/main" val="1357881081"/>
+      </p:ext>
+    </p:extLst>
+  </p:cSld>
+  <p:clrMapOvr>
+    <a:masterClrMapping/>
+  </p:clrMapOvr>
+  <p:timing>
+    <p:tnLst>
+      <p:par>
+        <p:cTn id="1" dur="indefinite" restart="never" nodeType="tmRoot"/>
+      </p:par>
+    </p:tnLst>
+  </p:timing>
+</p:sld>
+</file>
+
+<file path=ppt/slides/slide2.xml><?xml version="1.0" encoding="utf-8"?>
+<p:sld xmlns:a="http://schemas.openxmlformats.org/drawingml/2006/main" xmlns:r="http://schemas.openxmlformats.org/officeDocument/2006/relationships" xmlns:p="http://schemas.openxmlformats.org/presentationml/2006/main">
+  <p:cSld>
+    <p:spTree>
+      <p:nvGrpSpPr>
+        <p:cNvPr id="1" name=""/>
+        <p:cNvGrpSpPr/>
+        <p:nvPr/>
+      </p:nvGrpSpPr>
+      <p:grpSpPr>
+        <a:xfrm>
+          <a:off x="0" y="0"/>
+          <a:ext cx="0" cy="0"/>
+          <a:chOff x="0" y="0"/>
+          <a:chExt cx="0" cy="0"/>
+        </a:xfrm>
+      </p:grpSpPr>
+      <p:sp>
+        <p:nvSpPr>
+          <p:cNvPr id="20482" name="Title 1"/>
+          <p:cNvSpPr>
+            <a:spLocks noGrp="1"/>
+          </p:cNvSpPr>
+          <p:nvPr>
+            <p:ph type="title"/>
+          </p:nvPr>
+        </p:nvSpPr>
+        <p:spPr>
+          <a:xfrm>
+            <a:off x="543806" y="1196752"/>
+            <a:ext cx="7886700" cy="576263"/>
+          </a:xfrm>
+        </p:spPr>
+        <p:txBody>
+          <a:bodyPr/>
+          <a:lstStyle/>
+          <a:p>
+            <a:pPr eaLnBrk="1" hangingPunct="1"/>
+            <a:r>
+              <a:rPr lang="en-CA" altLang="en-US" dirty="0" smtClean="0">
+                <a:solidFill>
+                  <a:srgbClr val="F6BB00"/>
+                </a:solidFill>
+              </a:rPr>
+              <a:t>Agenda</a:t>
+            </a:r>
+          </a:p>
+        </p:txBody>
+      </p:sp>
+      <p:sp>
+        <p:nvSpPr>
+          <p:cNvPr id="20483" name="Content Placeholder 2"/>
+          <p:cNvSpPr>
+            <a:spLocks noGrp="1"/>
+          </p:cNvSpPr>
+          <p:nvPr>
+            <p:ph idx="1"/>
+          </p:nvPr>
+        </p:nvSpPr>
+        <p:spPr>
+          <a:xfrm>
+            <a:off x="750888" y="2348880"/>
+            <a:ext cx="7675562" cy="3570288"/>
+          </a:xfrm>
+        </p:spPr>
+        <p:txBody>
+          <a:bodyPr/>
+          <a:lstStyle/>
+          <a:p>
+            <a:pPr marL="514350" indent="-514350" eaLnBrk="1" hangingPunct="1">
+              <a:spcBef>
+                <a:spcPts val="1800"/>
+              </a:spcBef>
+              <a:buFont typeface="Corbel" panose="020B0503020204020204" pitchFamily="34" charset="0"/>
+              <a:buAutoNum type="arabicPeriod"/>
+            </a:pPr>
+            <a:r>
+              <a:rPr lang="en-CA" altLang="en-US" sz="2800" dirty="0" smtClean="0">
+                <a:solidFill>
+                  <a:srgbClr val="27AFE5"/>
+                </a:solidFill>
+              </a:rPr>
+              <a:t>Specifying MPs for MSE</a:t>
+            </a:r>
+          </a:p>
+          <a:p>
+            <a:pPr marL="514350" indent="-514350" eaLnBrk="1" hangingPunct="1">
+              <a:spcBef>
+                <a:spcPts val="1800"/>
+              </a:spcBef>
+              <a:buFont typeface="Corbel" panose="020B0503020204020204" pitchFamily="34" charset="0"/>
+              <a:buAutoNum type="arabicPeriod"/>
+            </a:pPr>
+            <a:r>
+              <a:rPr lang="en-CA" altLang="en-US" sz="2800" dirty="0" smtClean="0">
+                <a:solidFill>
+                  <a:srgbClr val="27AFE5"/>
+                </a:solidFill>
+              </a:rPr>
+              <a:t>Convergence diagnostics</a:t>
+            </a:r>
+          </a:p>
+          <a:p>
+            <a:pPr marL="514350" indent="-514350" eaLnBrk="1" hangingPunct="1">
+              <a:spcBef>
+                <a:spcPts val="1800"/>
+              </a:spcBef>
+              <a:buFont typeface="Corbel" panose="020B0503020204020204" pitchFamily="34" charset="0"/>
+              <a:buAutoNum type="arabicPeriod"/>
+            </a:pPr>
+            <a:r>
+              <a:rPr lang="en-CA" altLang="en-US" sz="2800" dirty="0" smtClean="0">
+                <a:solidFill>
+                  <a:srgbClr val="27AFE5"/>
+                </a:solidFill>
+              </a:rPr>
+              <a:t>Value of information (VOI) analysis</a:t>
+            </a:r>
+          </a:p>
+          <a:p>
+            <a:pPr marL="514350" indent="-514350" eaLnBrk="1" hangingPunct="1">
+              <a:spcBef>
+                <a:spcPts val="1800"/>
+              </a:spcBef>
+              <a:buFont typeface="Corbel" panose="020B0503020204020204" pitchFamily="34" charset="0"/>
+              <a:buAutoNum type="arabicPeriod"/>
+            </a:pPr>
+            <a:r>
+              <a:rPr lang="en-CA" altLang="en-US" sz="2800" dirty="0" smtClean="0">
+                <a:solidFill>
+                  <a:srgbClr val="27AFE5"/>
+                </a:solidFill>
+              </a:rPr>
+              <a:t>Cost of current uncertainties </a:t>
+            </a:r>
+          </a:p>
+        </p:txBody>
+      </p:sp>
+    </p:spTree>
+  </p:cSld>
+  <p:clrMapOvr>
+    <a:masterClrMapping/>
+  </p:clrMapOvr>
+  <p:timing>
+    <p:tnLst>
+      <p:par>
+        <p:cTn id="1" dur="indefinite" restart="never" nodeType="tmRoot"/>
+      </p:par>
+    </p:tnLst>
+  </p:timing>
+</p:sld>
+</file>
+
+<file path=ppt/slides/slide3.xml><?xml version="1.0" encoding="utf-8"?>
+<p:sld xmlns:a="http://schemas.openxmlformats.org/drawingml/2006/main" xmlns:r="http://schemas.openxmlformats.org/officeDocument/2006/relationships" xmlns:p="http://schemas.openxmlformats.org/presentationml/2006/main">
+  <p:cSld>
+    <p:spTree>
+      <p:nvGrpSpPr>
+        <p:cNvPr id="1" name=""/>
+        <p:cNvGrpSpPr/>
+        <p:nvPr/>
+      </p:nvGrpSpPr>
+      <p:grpSpPr>
+        <a:xfrm>
+          <a:off x="0" y="0"/>
+          <a:ext cx="0" cy="0"/>
+          <a:chOff x="0" y="0"/>
+          <a:chExt cx="0" cy="0"/>
+        </a:xfrm>
+      </p:grpSpPr>
+      <p:sp>
+        <p:nvSpPr>
+          <p:cNvPr id="23555" name="Content Placeholder 2"/>
+          <p:cNvSpPr>
+            <a:spLocks noGrp="1"/>
+          </p:cNvSpPr>
+          <p:nvPr>
+            <p:ph idx="1"/>
+          </p:nvPr>
+        </p:nvSpPr>
+        <p:spPr>
+          <a:xfrm>
+            <a:off x="323528" y="476672"/>
+            <a:ext cx="7675562" cy="1144587"/>
+          </a:xfrm>
+        </p:spPr>
+        <p:txBody>
+          <a:bodyPr/>
+          <a:lstStyle/>
+          <a:p>
+            <a:pPr marL="0" indent="0" eaLnBrk="1" hangingPunct="1">
+              <a:buFont typeface="Arial" panose="020B0604020202020204" pitchFamily="34" charset="0"/>
+              <a:buNone/>
+            </a:pPr>
+            <a:r>
+              <a:rPr lang="en-CA" altLang="en-US" sz="2800" dirty="0" smtClean="0">
+                <a:solidFill>
+                  <a:srgbClr val="27AFE5"/>
+                </a:solidFill>
+              </a:rPr>
+              <a:t>Specifying MPs for MSE analysis </a:t>
+            </a:r>
+          </a:p>
+          <a:p>
+            <a:pPr marL="0" indent="0" eaLnBrk="1" hangingPunct="1">
+              <a:buFont typeface="Arial" panose="020B0604020202020204" pitchFamily="34" charset="0"/>
+              <a:buNone/>
+            </a:pPr>
+            <a:endParaRPr lang="en-CA" altLang="en-US" dirty="0" smtClean="0"/>
+          </a:p>
+        </p:txBody>
+      </p:sp>
+      <p:sp>
+        <p:nvSpPr>
+          <p:cNvPr id="2" name="TextBox 1"/>
+          <p:cNvSpPr txBox="1"/>
+          <p:nvPr/>
+        </p:nvSpPr>
+        <p:spPr>
+          <a:xfrm>
+            <a:off x="395536" y="1196752"/>
+            <a:ext cx="8568952" cy="6524863"/>
+          </a:xfrm>
+          <a:prstGeom prst="rect">
+            <a:avLst/>
+          </a:prstGeom>
+          <a:noFill/>
+        </p:spPr>
+        <p:txBody>
+          <a:bodyPr wrap="square" rtlCol="0">
+            <a:spAutoFit/>
+          </a:bodyPr>
+          <a:lstStyle/>
+          <a:p>
+            <a:r>
+              <a:rPr lang="en-CA" sz="2200" dirty="0" smtClean="0">
+                <a:solidFill>
+                  <a:srgbClr val="0070C0"/>
+                </a:solidFill>
+              </a:rPr>
+              <a:t>DLMtool contains two types of MP that provide different types of management recommendation:</a:t>
+            </a:r>
+          </a:p>
+          <a:p>
+            <a:endParaRPr lang="en-CA" sz="2200" dirty="0">
+              <a:solidFill>
+                <a:srgbClr val="0070C0"/>
+              </a:solidFill>
+            </a:endParaRPr>
+          </a:p>
+          <a:p>
+            <a:pPr marL="342900" indent="-342900">
+              <a:buFont typeface="+mj-lt"/>
+              <a:buAutoNum type="arabicPeriod"/>
+            </a:pPr>
+            <a:r>
+              <a:rPr lang="en-CA" sz="2200" dirty="0" smtClean="0">
+                <a:solidFill>
+                  <a:srgbClr val="0070C0"/>
+                </a:solidFill>
+              </a:rPr>
+              <a:t>Output control MPs (</a:t>
+            </a:r>
+            <a:r>
+              <a:rPr lang="en-CA" sz="2200" dirty="0" smtClean="0">
+                <a:solidFill>
+                  <a:srgbClr val="FF0000"/>
+                </a:solidFill>
+              </a:rPr>
+              <a:t>class Output</a:t>
+            </a:r>
+            <a:r>
+              <a:rPr lang="en-CA" sz="2200" dirty="0" smtClean="0">
+                <a:solidFill>
+                  <a:srgbClr val="0070C0"/>
+                </a:solidFill>
+              </a:rPr>
+              <a:t>)</a:t>
+            </a:r>
+          </a:p>
+          <a:p>
+            <a:endParaRPr lang="en-CA" sz="2200" dirty="0" smtClean="0">
+              <a:solidFill>
+                <a:srgbClr val="0070C0"/>
+              </a:solidFill>
+            </a:endParaRPr>
+          </a:p>
+          <a:p>
+            <a:r>
+              <a:rPr lang="en-CA" sz="2200" dirty="0" smtClean="0">
+                <a:solidFill>
+                  <a:srgbClr val="0070C0"/>
+                </a:solidFill>
+              </a:rPr>
+              <a:t>       Provide a Total Allowable Catch (TAC), e.g. 100,000 tonnes </a:t>
+            </a:r>
+          </a:p>
+          <a:p>
+            <a:endParaRPr lang="en-CA" sz="2200" dirty="0">
+              <a:solidFill>
+                <a:srgbClr val="0070C0"/>
+              </a:solidFill>
+            </a:endParaRPr>
+          </a:p>
+          <a:p>
+            <a:r>
+              <a:rPr lang="en-CA" sz="2200" dirty="0" smtClean="0">
+                <a:solidFill>
+                  <a:srgbClr val="0070C0"/>
+                </a:solidFill>
+              </a:rPr>
+              <a:t>2.   Input control MPs (</a:t>
+            </a:r>
+            <a:r>
+              <a:rPr lang="en-CA" sz="2200" dirty="0" smtClean="0">
+                <a:solidFill>
+                  <a:srgbClr val="FF0000"/>
+                </a:solidFill>
+              </a:rPr>
+              <a:t>class Input</a:t>
+            </a:r>
+            <a:r>
+              <a:rPr lang="en-CA" sz="2200" dirty="0" smtClean="0">
+                <a:solidFill>
+                  <a:srgbClr val="0070C0"/>
+                </a:solidFill>
+              </a:rPr>
+              <a:t>)</a:t>
+            </a:r>
+          </a:p>
+          <a:p>
+            <a:endParaRPr lang="en-CA" sz="2200" b="1" dirty="0" smtClean="0">
+              <a:solidFill>
+                <a:srgbClr val="0070C0"/>
+              </a:solidFill>
+            </a:endParaRPr>
+          </a:p>
+          <a:p>
+            <a:r>
+              <a:rPr lang="en-CA" sz="2200" dirty="0" smtClean="0">
+                <a:solidFill>
+                  <a:srgbClr val="0070C0"/>
+                </a:solidFill>
+              </a:rPr>
+              <a:t>       These MPs control the extent of fishing pressure rather than the </a:t>
+            </a:r>
+          </a:p>
+          <a:p>
+            <a:r>
+              <a:rPr lang="en-CA" sz="2200" dirty="0">
+                <a:solidFill>
+                  <a:srgbClr val="0070C0"/>
+                </a:solidFill>
+              </a:rPr>
+              <a:t> </a:t>
+            </a:r>
+            <a:r>
+              <a:rPr lang="en-CA" sz="2200" dirty="0" smtClean="0">
+                <a:solidFill>
+                  <a:srgbClr val="0070C0"/>
+                </a:solidFill>
+              </a:rPr>
+              <a:t>      amount of fish extracted and can make recommendations in terms of </a:t>
+            </a:r>
+          </a:p>
+          <a:p>
+            <a:endParaRPr lang="en-CA" sz="2200" dirty="0" smtClean="0">
+              <a:solidFill>
+                <a:srgbClr val="0070C0"/>
+              </a:solidFill>
+            </a:endParaRPr>
+          </a:p>
+          <a:p>
+            <a:r>
+              <a:rPr lang="en-CA" sz="2200" dirty="0" smtClean="0">
+                <a:solidFill>
+                  <a:srgbClr val="0070C0"/>
+                </a:solidFill>
+              </a:rPr>
+              <a:t>        -  Total Allowable Effort (TAE), e.g. 10,000 days of fishing</a:t>
+            </a:r>
+          </a:p>
+          <a:p>
+            <a:r>
+              <a:rPr lang="en-CA" sz="2200" dirty="0" smtClean="0">
+                <a:solidFill>
+                  <a:srgbClr val="0070C0"/>
+                </a:solidFill>
+              </a:rPr>
+              <a:t>        -  Spatial closures (e.g. no take areas)</a:t>
+            </a:r>
+          </a:p>
+          <a:p>
+            <a:r>
+              <a:rPr lang="en-CA" sz="2200" dirty="0" smtClean="0">
+                <a:solidFill>
+                  <a:srgbClr val="0070C0"/>
+                </a:solidFill>
+              </a:rPr>
+              <a:t>        -  Size limits (e.g. only retain fish over 50cm) </a:t>
+            </a:r>
+          </a:p>
+          <a:p>
+            <a:pPr marL="285750" indent="-285750">
+              <a:buFontTx/>
+              <a:buChar char="-"/>
+            </a:pPr>
+            <a:endParaRPr lang="en-CA" sz="2200" dirty="0" smtClean="0">
+              <a:solidFill>
+                <a:srgbClr val="0070C0"/>
+              </a:solidFill>
+            </a:endParaRPr>
+          </a:p>
+          <a:p>
+            <a:pPr marL="285750" indent="-285750">
+              <a:buFontTx/>
+              <a:buChar char="-"/>
+            </a:pPr>
+            <a:endParaRPr lang="en-CA" sz="2200" dirty="0" smtClean="0">
+              <a:solidFill>
+                <a:srgbClr val="0070C0"/>
+              </a:solidFill>
+            </a:endParaRPr>
+          </a:p>
+          <a:p>
+            <a:endParaRPr lang="en-CA" sz="2200" dirty="0">
+              <a:solidFill>
+                <a:srgbClr val="0070C0"/>
+              </a:solidFill>
+            </a:endParaRPr>
+          </a:p>
+          <a:p>
+            <a:endParaRPr lang="en-CA" sz="2200" dirty="0" smtClean="0">
+              <a:solidFill>
+                <a:srgbClr val="0070C0"/>
+              </a:solidFill>
+            </a:endParaRPr>
+          </a:p>
+        </p:txBody>
+      </p:sp>
+    </p:spTree>
+    <p:extLst>
+      <p:ext uri="{BB962C8B-B14F-4D97-AF65-F5344CB8AC3E}">
+        <p14:creationId xmlns:p14="http://schemas.microsoft.com/office/powerpoint/2010/main" val="507190513"/>
+      </p:ext>
+    </p:extLst>
+  </p:cSld>
+  <p:clrMapOvr>
+    <a:masterClrMapping/>
+  </p:clrMapOvr>
+  <p:timing>
+    <p:tnLst>
+      <p:par>
+        <p:cTn id="1" dur="indefinite" restart="never" nodeType="tmRoot"/>
+      </p:par>
+    </p:tnLst>
+  </p:timing>
+</p:sld>
+</file>
+
+<file path=ppt/slides/slide4.xml><?xml version="1.0" encoding="utf-8"?>
+<p:sld xmlns:a="http://schemas.openxmlformats.org/drawingml/2006/main" xmlns:r="http://schemas.openxmlformats.org/officeDocument/2006/relationships" xmlns:p="http://schemas.openxmlformats.org/presentationml/2006/main">
+  <p:cSld>
+    <p:spTree>
+      <p:nvGrpSpPr>
+        <p:cNvPr id="1" name=""/>
+        <p:cNvGrpSpPr/>
+        <p:nvPr/>
+      </p:nvGrpSpPr>
+      <p:grpSpPr>
+        <a:xfrm>
+          <a:off x="0" y="0"/>
+          <a:ext cx="0" cy="0"/>
+          <a:chOff x="0" y="0"/>
+          <a:chExt cx="0" cy="0"/>
+        </a:xfrm>
+      </p:grpSpPr>
+      <p:sp>
+        <p:nvSpPr>
+          <p:cNvPr id="2" name="Title 1"/>
+          <p:cNvSpPr>
+            <a:spLocks noGrp="1"/>
+          </p:cNvSpPr>
+          <p:nvPr>
+            <p:ph type="title"/>
+          </p:nvPr>
+        </p:nvSpPr>
+        <p:spPr>
+          <a:xfrm>
+            <a:off x="523081" y="54109"/>
+            <a:ext cx="7886700" cy="1325563"/>
+          </a:xfrm>
+        </p:spPr>
+        <p:txBody>
+          <a:bodyPr/>
+          <a:lstStyle/>
+          <a:p>
+            <a:r>
+              <a:rPr lang="en-CA" dirty="0" smtClean="0"/>
+              <a:t>Finding DLMtool MPs</a:t>
+            </a:r>
+            <a:endParaRPr lang="en-CA" dirty="0"/>
+          </a:p>
+        </p:txBody>
+      </p:sp>
+      <p:sp>
+        <p:nvSpPr>
+          <p:cNvPr id="3" name="Content Placeholder 2"/>
+          <p:cNvSpPr>
+            <a:spLocks noGrp="1"/>
+          </p:cNvSpPr>
+          <p:nvPr>
+            <p:ph idx="1"/>
+          </p:nvPr>
+        </p:nvSpPr>
+        <p:spPr>
+          <a:xfrm>
+            <a:off x="523081" y="1196752"/>
+            <a:ext cx="7675562" cy="936104"/>
+          </a:xfrm>
+        </p:spPr>
+        <p:txBody>
+          <a:bodyPr/>
+          <a:lstStyle/>
+          <a:p>
+            <a:pPr marL="0" indent="0">
+              <a:buNone/>
+            </a:pPr>
+            <a:r>
+              <a:rPr lang="en-CA" dirty="0" smtClean="0"/>
+              <a:t>Similarly to other objects in DLMtool you can use the avail()</a:t>
+            </a:r>
+          </a:p>
+          <a:p>
+            <a:pPr marL="0" indent="0">
+              <a:buNone/>
+            </a:pPr>
+            <a:r>
+              <a:rPr lang="en-CA" dirty="0" smtClean="0"/>
+              <a:t>function to list those that are available:</a:t>
+            </a:r>
+            <a:endParaRPr lang="en-CA" dirty="0"/>
+          </a:p>
+        </p:txBody>
+      </p:sp>
+      <p:pic>
+        <p:nvPicPr>
+          <p:cNvPr id="6" name="Picture 5"/>
+          <p:cNvPicPr>
+            <a:picLocks noChangeAspect="1"/>
+          </p:cNvPicPr>
+          <p:nvPr/>
+        </p:nvPicPr>
+        <p:blipFill rotWithShape="1">
+          <a:blip r:embed="rId2"/>
+          <a:srcRect r="15211"/>
+          <a:stretch/>
+        </p:blipFill>
+        <p:spPr>
+          <a:xfrm>
+            <a:off x="691271" y="2160424"/>
+            <a:ext cx="4336619" cy="1161896"/>
+          </a:xfrm>
+          <a:prstGeom prst="rect">
+            <a:avLst/>
+          </a:prstGeom>
+        </p:spPr>
+      </p:pic>
+      <p:pic>
+        <p:nvPicPr>
+          <p:cNvPr id="7" name="Picture 6"/>
+          <p:cNvPicPr>
+            <a:picLocks noChangeAspect="1"/>
+          </p:cNvPicPr>
+          <p:nvPr/>
+        </p:nvPicPr>
+        <p:blipFill>
+          <a:blip r:embed="rId3"/>
+          <a:stretch>
+            <a:fillRect/>
+          </a:stretch>
+        </p:blipFill>
+        <p:spPr>
+          <a:xfrm>
+            <a:off x="4211960" y="2636912"/>
+            <a:ext cx="3600400" cy="3904966"/>
+          </a:xfrm>
+          <a:prstGeom prst="rect">
+            <a:avLst/>
+          </a:prstGeom>
+          <a:ln w="69850">
+            <a:solidFill>
+              <a:schemeClr val="tx1">
+                <a:alpha val="90000"/>
+              </a:schemeClr>
+            </a:solidFill>
+          </a:ln>
+        </p:spPr>
+      </p:pic>
+    </p:spTree>
+    <p:extLst>
+      <p:ext uri="{BB962C8B-B14F-4D97-AF65-F5344CB8AC3E}">
+        <p14:creationId xmlns:p14="http://schemas.microsoft.com/office/powerpoint/2010/main" val="2846045339"/>
+      </p:ext>
+    </p:extLst>
+  </p:cSld>
+  <p:clrMapOvr>
+    <a:masterClrMapping/>
+  </p:clrMapOvr>
+  <p:timing>
+    <p:tnLst>
+      <p:par>
+        <p:cTn id="1" dur="indefinite" restart="never" nodeType="tmRoot">
+          <p:childTnLst>
+            <p:seq concurrent="1" nextAc="seek">
+              <p:cTn id="2" dur="indefinite" nodeType="mainSeq">
+                <p:childTnLst>
+                  <p:par>
+                    <p:cTn id="3" fill="hold">
+                      <p:stCondLst>
+                        <p:cond delay="indefinite"/>
+                      </p:stCondLst>
+                      <p:childTnLst>
+                        <p:par>
+                          <p:cTn id="4" fill="hold">
+                            <p:stCondLst>
+                              <p:cond delay="0"/>
+                            </p:stCondLst>
+                            <p:childTnLst>
+                              <p:par>
+                                <p:cTn id="5" presetID="10" presetClass="entr" presetSubtype="0" fill="hold" nodeType="clickEffect">
+                                  <p:stCondLst>
+                                    <p:cond delay="0"/>
+                                  </p:stCondLst>
+                                  <p:childTnLst>
+                                    <p:set>
+                                      <p:cBhvr>
+                                        <p:cTn id="6" dur="1" fill="hold">
+                                          <p:stCondLst>
+                                            <p:cond delay="0"/>
+                                          </p:stCondLst>
+                                        </p:cTn>
+                                        <p:tgtEl>
+                                          <p:spTgt spid="7"/>
+                                        </p:tgtEl>
+                                        <p:attrNameLst>
+                                          <p:attrName>style.visibility</p:attrName>
+                                        </p:attrNameLst>
+                                      </p:cBhvr>
+                                      <p:to>
+                                        <p:strVal val="visible"/>
+                                      </p:to>
+                                    </p:set>
+                                    <p:animEffect transition="in" filter="fade">
+                                      <p:cBhvr>
+                                        <p:cTn id="7" dur="500"/>
+                                        <p:tgtEl>
+                                          <p:spTgt spid="7"/>
+                                        </p:tgtEl>
+                                      </p:cBhvr>
+                                    </p:animEffect>
+                                  </p:childTnLst>
+                                </p:cTn>
+                              </p:par>
+                            </p:childTnLst>
+                          </p:cTn>
+                        </p:par>
+                      </p:childTnLst>
+                    </p:cTn>
+                  </p:par>
+                </p:childTnLst>
+              </p:cTn>
+              <p:prevCondLst>
+                <p:cond evt="onPrev" delay="0">
+                  <p:tgtEl>
+                    <p:sldTgt/>
+                  </p:tgtEl>
+                </p:cond>
+              </p:prevCondLst>
+              <p:nextCondLst>
+                <p:cond evt="onNext" delay="0">
+                  <p:tgtEl>
+                    <p:sldTgt/>
+                  </p:tgtEl>
+                </p:cond>
+              </p:nextCondLst>
+            </p:seq>
+          </p:childTnLst>
+        </p:cTn>
+      </p:par>
+    </p:tnLst>
+  </p:timing>
+</p:sld>
+</file>
+
+<file path=ppt/slides/slide5.xml><?xml version="1.0" encoding="utf-8"?>
+<p:sld xmlns:a="http://schemas.openxmlformats.org/drawingml/2006/main" xmlns:r="http://schemas.openxmlformats.org/officeDocument/2006/relationships" xmlns:p="http://schemas.openxmlformats.org/presentationml/2006/main">
+  <p:cSld>
+    <p:spTree>
+      <p:nvGrpSpPr>
+        <p:cNvPr id="1" name=""/>
+        <p:cNvGrpSpPr/>
+        <p:nvPr/>
+      </p:nvGrpSpPr>
+      <p:grpSpPr>
+        <a:xfrm>
+          <a:off x="0" y="0"/>
+          <a:ext cx="0" cy="0"/>
+          <a:chOff x="0" y="0"/>
+          <a:chExt cx="0" cy="0"/>
+        </a:xfrm>
+      </p:grpSpPr>
+      <p:sp>
+        <p:nvSpPr>
+          <p:cNvPr id="2" name="Title 1"/>
+          <p:cNvSpPr>
+            <a:spLocks noGrp="1"/>
+          </p:cNvSpPr>
+          <p:nvPr>
+            <p:ph type="title"/>
+          </p:nvPr>
+        </p:nvSpPr>
+        <p:spPr>
+          <a:xfrm>
+            <a:off x="523081" y="54109"/>
+            <a:ext cx="7886700" cy="1325563"/>
+          </a:xfrm>
+        </p:spPr>
+        <p:txBody>
+          <a:bodyPr/>
+          <a:lstStyle/>
+          <a:p>
+            <a:r>
+              <a:rPr lang="en-CA" dirty="0" smtClean="0"/>
+              <a:t>Finding DLMtool MPs</a:t>
+            </a:r>
+            <a:endParaRPr lang="en-CA" dirty="0"/>
+          </a:p>
+        </p:txBody>
+      </p:sp>
+      <p:sp>
+        <p:nvSpPr>
+          <p:cNvPr id="3" name="Content Placeholder 2"/>
+          <p:cNvSpPr>
+            <a:spLocks noGrp="1"/>
+          </p:cNvSpPr>
+          <p:nvPr>
+            <p:ph idx="1"/>
+          </p:nvPr>
+        </p:nvSpPr>
+        <p:spPr>
+          <a:xfrm>
+            <a:off x="523081" y="1196752"/>
+            <a:ext cx="7675562" cy="936104"/>
+          </a:xfrm>
+        </p:spPr>
+        <p:txBody>
+          <a:bodyPr/>
+          <a:lstStyle/>
+          <a:p>
+            <a:pPr marL="0" indent="0">
+              <a:buNone/>
+            </a:pPr>
+            <a:r>
+              <a:rPr lang="en-CA" dirty="0" smtClean="0"/>
+              <a:t>Now for input control MPs</a:t>
+            </a:r>
+            <a:endParaRPr lang="en-CA" dirty="0"/>
+          </a:p>
+        </p:txBody>
+      </p:sp>
+      <p:pic>
+        <p:nvPicPr>
+          <p:cNvPr id="4" name="Picture 3"/>
+          <p:cNvPicPr>
+            <a:picLocks noChangeAspect="1"/>
+          </p:cNvPicPr>
+          <p:nvPr/>
+        </p:nvPicPr>
+        <p:blipFill>
+          <a:blip r:embed="rId2"/>
+          <a:stretch>
+            <a:fillRect/>
+          </a:stretch>
+        </p:blipFill>
+        <p:spPr>
+          <a:xfrm>
+            <a:off x="678185" y="2174949"/>
+            <a:ext cx="4613895" cy="1206328"/>
+          </a:xfrm>
+          <a:prstGeom prst="rect">
+            <a:avLst/>
+          </a:prstGeom>
+        </p:spPr>
+      </p:pic>
+      <p:pic>
+        <p:nvPicPr>
+          <p:cNvPr id="5" name="Picture 4"/>
+          <p:cNvPicPr>
+            <a:picLocks noChangeAspect="1"/>
+          </p:cNvPicPr>
+          <p:nvPr/>
+        </p:nvPicPr>
+        <p:blipFill>
+          <a:blip r:embed="rId3"/>
+          <a:stretch>
+            <a:fillRect/>
+          </a:stretch>
+        </p:blipFill>
+        <p:spPr>
+          <a:xfrm>
+            <a:off x="4211960" y="2636912"/>
+            <a:ext cx="3752691" cy="3817579"/>
+          </a:xfrm>
+          <a:prstGeom prst="rect">
+            <a:avLst/>
+          </a:prstGeom>
+          <a:ln w="66675">
+            <a:solidFill>
+              <a:schemeClr val="tx1">
+                <a:alpha val="83000"/>
+              </a:schemeClr>
+            </a:solidFill>
+          </a:ln>
+        </p:spPr>
+      </p:pic>
+    </p:spTree>
+    <p:extLst>
+      <p:ext uri="{BB962C8B-B14F-4D97-AF65-F5344CB8AC3E}">
+        <p14:creationId xmlns:p14="http://schemas.microsoft.com/office/powerpoint/2010/main" val="2537792300"/>
+      </p:ext>
+    </p:extLst>
+  </p:cSld>
+  <p:clrMapOvr>
+    <a:masterClrMapping/>
+  </p:clrMapOvr>
+  <p:timing>
+    <p:tnLst>
+      <p:par>
+        <p:cTn id="1" dur="indefinite" restart="never" nodeType="tmRoot">
+          <p:childTnLst>
+            <p:seq concurrent="1" nextAc="seek">
+              <p:cTn id="2" dur="indefinite" nodeType="mainSeq">
+                <p:childTnLst>
+                  <p:par>
+                    <p:cTn id="3" fill="hold">
+                      <p:stCondLst>
+                        <p:cond delay="indefinite"/>
+                      </p:stCondLst>
+                      <p:childTnLst>
+                        <p:par>
+                          <p:cTn id="4" fill="hold">
+                            <p:stCondLst>
+                              <p:cond delay="0"/>
+                            </p:stCondLst>
+                            <p:childTnLst>
+                              <p:par>
+                                <p:cTn id="5" presetID="10" presetClass="entr" presetSubtype="0" fill="hold" nodeType="clickEffect">
+                                  <p:stCondLst>
+                                    <p:cond delay="0"/>
+                                  </p:stCondLst>
+                                  <p:childTnLst>
+                                    <p:set>
+                                      <p:cBhvr>
+                                        <p:cTn id="6" dur="1" fill="hold">
+                                          <p:stCondLst>
+                                            <p:cond delay="0"/>
+                                          </p:stCondLst>
+                                        </p:cTn>
+                                        <p:tgtEl>
+                                          <p:spTgt spid="5"/>
+                                        </p:tgtEl>
+                                        <p:attrNameLst>
+                                          <p:attrName>style.visibility</p:attrName>
+                                        </p:attrNameLst>
+                                      </p:cBhvr>
+                                      <p:to>
+                                        <p:strVal val="visible"/>
+                                      </p:to>
+                                    </p:set>
+                                    <p:animEffect transition="in" filter="fade">
+                                      <p:cBhvr>
+                                        <p:cTn id="7" dur="500"/>
+                                        <p:tgtEl>
+                                          <p:spTgt spid="5"/>
+                                        </p:tgtEl>
+                                      </p:cBhvr>
+                                    </p:animEffect>
+                                  </p:childTnLst>
+                                </p:cTn>
+                              </p:par>
+                            </p:childTnLst>
+                          </p:cTn>
+                        </p:par>
+                      </p:childTnLst>
+                    </p:cTn>
+                  </p:par>
+                </p:childTnLst>
+              </p:cTn>
+              <p:prevCondLst>
+                <p:cond evt="onPrev" delay="0">
+                  <p:tgtEl>
+                    <p:sldTgt/>
+                  </p:tgtEl>
+                </p:cond>
+              </p:prevCondLst>
+              <p:nextCondLst>
+                <p:cond evt="onNext" delay="0">
+                  <p:tgtEl>
+                    <p:sldTgt/>
+                  </p:tgtEl>
+                </p:cond>
+              </p:nextCondLst>
+            </p:seq>
+          </p:childTnLst>
+        </p:cTn>
+      </p:par>
+    </p:tnLst>
+  </p:timing>
+</p:sld>
+</file>
+
+<file path=ppt/slides/slide6.xml><?xml version="1.0" encoding="utf-8"?>
+<p:sld xmlns:a="http://schemas.openxmlformats.org/drawingml/2006/main" xmlns:r="http://schemas.openxmlformats.org/officeDocument/2006/relationships" xmlns:p="http://schemas.openxmlformats.org/presentationml/2006/main">
+  <p:cSld>
+    <p:spTree>
+      <p:nvGrpSpPr>
+        <p:cNvPr id="1" name=""/>
+        <p:cNvGrpSpPr/>
+        <p:nvPr/>
+      </p:nvGrpSpPr>
+      <p:grpSpPr>
+        <a:xfrm>
+          <a:off x="0" y="0"/>
+          <a:ext cx="0" cy="0"/>
+          <a:chOff x="0" y="0"/>
+          <a:chExt cx="0" cy="0"/>
+        </a:xfrm>
+      </p:grpSpPr>
+      <p:sp>
+        <p:nvSpPr>
+          <p:cNvPr id="2" name="Title 1"/>
+          <p:cNvSpPr>
+            <a:spLocks noGrp="1"/>
+          </p:cNvSpPr>
+          <p:nvPr>
+            <p:ph type="title"/>
+          </p:nvPr>
+        </p:nvSpPr>
+        <p:spPr>
+          <a:xfrm>
+            <a:off x="523081" y="54109"/>
+            <a:ext cx="7886700" cy="1325563"/>
+          </a:xfrm>
+        </p:spPr>
+        <p:txBody>
+          <a:bodyPr/>
+          <a:lstStyle/>
+          <a:p>
+            <a:r>
+              <a:rPr lang="en-CA" dirty="0" smtClean="0"/>
+              <a:t>Using selected MPs in an MSE</a:t>
+            </a:r>
+            <a:endParaRPr lang="en-CA" dirty="0"/>
+          </a:p>
+        </p:txBody>
+      </p:sp>
+      <p:sp>
+        <p:nvSpPr>
+          <p:cNvPr id="3" name="Content Placeholder 2"/>
+          <p:cNvSpPr>
+            <a:spLocks noGrp="1"/>
+          </p:cNvSpPr>
+          <p:nvPr>
+            <p:ph idx="1"/>
+          </p:nvPr>
+        </p:nvSpPr>
+        <p:spPr>
+          <a:xfrm>
+            <a:off x="523081" y="1196752"/>
+            <a:ext cx="7675562" cy="936104"/>
+          </a:xfrm>
+        </p:spPr>
+        <p:txBody>
+          <a:bodyPr/>
+          <a:lstStyle/>
+          <a:p>
+            <a:pPr marL="0" indent="0">
+              <a:buNone/>
+            </a:pPr>
+            <a:r>
+              <a:rPr lang="en-CA" dirty="0" smtClean="0"/>
+              <a:t>To evaluate the performance of a set of selected MPs,</a:t>
+            </a:r>
+          </a:p>
+          <a:p>
+            <a:pPr marL="0" indent="0">
+              <a:buNone/>
+            </a:pPr>
+            <a:r>
+              <a:rPr lang="en-CA" dirty="0"/>
+              <a:t>y</a:t>
+            </a:r>
+            <a:r>
+              <a:rPr lang="en-CA" dirty="0" smtClean="0"/>
+              <a:t>ou can make a list of their names in R and pass this to the</a:t>
+            </a:r>
+          </a:p>
+          <a:p>
+            <a:pPr marL="0" indent="0">
+              <a:buNone/>
+            </a:pPr>
+            <a:r>
+              <a:rPr lang="en-CA" dirty="0" err="1" smtClean="0"/>
+              <a:t>runMSE</a:t>
+            </a:r>
+            <a:r>
+              <a:rPr lang="en-CA" dirty="0" smtClean="0"/>
+              <a:t>() function</a:t>
+            </a:r>
+            <a:r>
+              <a:rPr lang="en-CA" dirty="0" smtClean="0"/>
+              <a:t>:</a:t>
+            </a:r>
+            <a:endParaRPr lang="en-CA" dirty="0"/>
+          </a:p>
+        </p:txBody>
+      </p:sp>
+      <p:sp>
+        <p:nvSpPr>
+          <p:cNvPr id="6" name="Content Placeholder 2"/>
+          <p:cNvSpPr txBox="1">
+            <a:spLocks/>
+          </p:cNvSpPr>
+          <p:nvPr/>
+        </p:nvSpPr>
+        <p:spPr bwMode="auto">
+          <a:xfrm>
+            <a:off x="683568" y="2826524"/>
+            <a:ext cx="7081664" cy="2160240"/>
+          </a:xfrm>
+          <a:prstGeom prst="rect">
+            <a:avLst/>
+          </a:prstGeom>
+          <a:noFill/>
+          <a:ln>
+            <a:noFill/>
+          </a:ln>
+          <a:extLst>
+            <a:ext uri="{909E8E84-426E-40DD-AFC4-6F175D3DCCD1}">
+              <a14:hiddenFill xmlns:a14="http://schemas.microsoft.com/office/drawing/2010/main">
+                <a:solidFill>
+                  <a:srgbClr val="FFFFFF"/>
+                </a:solidFill>
+              </a14:hiddenFill>
+            </a:ext>
+            <a:ext uri="{91240B29-F687-4F45-9708-019B960494DF}">
+              <a14:hiddenLine xmlns:a14="http://schemas.microsoft.com/office/drawing/2010/main" w="9525">
+                <a:solidFill>
+                  <a:srgbClr val="000000"/>
+                </a:solidFill>
+                <a:miter lim="800000"/>
+                <a:headEnd/>
+                <a:tailEnd/>
+              </a14:hiddenLine>
+            </a:ext>
+          </a:extLst>
+        </p:spPr>
+        <p:txBody>
+          <a:bodyPr vert="horz" wrap="square" lIns="91440" tIns="45720" rIns="91440" bIns="45720" numCol="1" anchor="t" anchorCtr="0" compatLnSpc="1">
+            <a:prstTxWarp prst="textNoShape">
+              <a:avLst/>
+            </a:prstTxWarp>
+          </a:bodyPr>
+          <a:lstStyle>
+            <a:lvl1pPr marL="171450" indent="-171450" algn="l" defTabSz="685800" rtl="0" eaLnBrk="0" fontAlgn="base" hangingPunct="0">
+              <a:lnSpc>
+                <a:spcPct val="90000"/>
+              </a:lnSpc>
+              <a:spcBef>
+                <a:spcPts val="1000"/>
+              </a:spcBef>
+              <a:spcAft>
+                <a:spcPct val="0"/>
+              </a:spcAft>
+              <a:buFont typeface="Arial" panose="020B0604020202020204" pitchFamily="34" charset="0"/>
+              <a:buChar char="•"/>
+              <a:defRPr sz="2400" kern="1200">
+                <a:solidFill>
+                  <a:srgbClr val="126D96"/>
+                </a:solidFill>
+                <a:latin typeface="+mn-lt"/>
+                <a:ea typeface="+mn-ea"/>
+                <a:cs typeface="+mn-cs"/>
+              </a:defRPr>
+            </a:lvl1pPr>
+            <a:lvl2pPr marL="514350" indent="-171450" algn="l" defTabSz="685800" rtl="0" eaLnBrk="0" fontAlgn="base" hangingPunct="0">
+              <a:lnSpc>
+                <a:spcPct val="90000"/>
+              </a:lnSpc>
+              <a:spcBef>
+                <a:spcPts val="375"/>
+              </a:spcBef>
+              <a:spcAft>
+                <a:spcPct val="0"/>
+              </a:spcAft>
+              <a:buFont typeface="Arial" panose="020B0604020202020204" pitchFamily="34" charset="0"/>
+              <a:buChar char="•"/>
+              <a:defRPr sz="2000" kern="1200">
+                <a:solidFill>
+                  <a:srgbClr val="126D96"/>
+                </a:solidFill>
+                <a:latin typeface="+mn-lt"/>
+                <a:ea typeface="+mn-ea"/>
+                <a:cs typeface="+mn-cs"/>
+              </a:defRPr>
+            </a:lvl2pPr>
+            <a:lvl3pPr marL="857250" indent="-171450" algn="l" defTabSz="685800" rtl="0" eaLnBrk="0" fontAlgn="base" hangingPunct="0">
+              <a:lnSpc>
+                <a:spcPct val="90000"/>
+              </a:lnSpc>
+              <a:spcBef>
+                <a:spcPts val="375"/>
+              </a:spcBef>
+              <a:spcAft>
+                <a:spcPct val="0"/>
+              </a:spcAft>
+              <a:buFont typeface="Arial" panose="020B0604020202020204" pitchFamily="34" charset="0"/>
+              <a:buChar char="•"/>
+              <a:defRPr sz="1600" kern="1200">
+                <a:solidFill>
+                  <a:srgbClr val="126D96"/>
+                </a:solidFill>
+                <a:latin typeface="+mn-lt"/>
+                <a:ea typeface="+mn-ea"/>
+                <a:cs typeface="+mn-cs"/>
+              </a:defRPr>
+            </a:lvl3pPr>
+            <a:lvl4pPr marL="1200150" indent="-171450" algn="l" defTabSz="685800" rtl="0" eaLnBrk="0" fontAlgn="base" hangingPunct="0">
+              <a:lnSpc>
+                <a:spcPct val="90000"/>
+              </a:lnSpc>
+              <a:spcBef>
+                <a:spcPts val="375"/>
+              </a:spcBef>
+              <a:spcAft>
+                <a:spcPct val="0"/>
+              </a:spcAft>
+              <a:buFont typeface="Arial" panose="020B0604020202020204" pitchFamily="34" charset="0"/>
+              <a:buChar char="•"/>
+              <a:defRPr sz="1400" kern="1200">
+                <a:solidFill>
+                  <a:srgbClr val="126D96"/>
+                </a:solidFill>
+                <a:latin typeface="+mn-lt"/>
+                <a:ea typeface="+mn-ea"/>
+                <a:cs typeface="+mn-cs"/>
+              </a:defRPr>
+            </a:lvl4pPr>
+            <a:lvl5pPr marL="1543050" indent="-171450" algn="l" defTabSz="685800" rtl="0" eaLnBrk="0" fontAlgn="base" hangingPunct="0">
+              <a:lnSpc>
+                <a:spcPct val="90000"/>
+              </a:lnSpc>
+              <a:spcBef>
+                <a:spcPts val="375"/>
+              </a:spcBef>
+              <a:spcAft>
+                <a:spcPct val="0"/>
+              </a:spcAft>
+              <a:buFont typeface="Arial" panose="020B0604020202020204" pitchFamily="34" charset="0"/>
+              <a:buChar char="•"/>
+              <a:defRPr sz="1400" kern="1200">
+                <a:solidFill>
+                  <a:srgbClr val="126D96"/>
+                </a:solidFill>
+                <a:latin typeface="+mn-lt"/>
+                <a:ea typeface="+mn-ea"/>
+                <a:cs typeface="+mn-cs"/>
+              </a:defRPr>
+            </a:lvl5pPr>
+            <a:lvl6pPr marL="1885950" indent="-171450" algn="l" defTabSz="685800" rtl="0" eaLnBrk="1" latinLnBrk="0" hangingPunct="1">
+              <a:lnSpc>
+                <a:spcPct val="90000"/>
+              </a:lnSpc>
+              <a:spcBef>
+                <a:spcPts val="375"/>
+              </a:spcBef>
+              <a:buFont typeface="Arial" panose="020B0604020202020204" pitchFamily="34" charset="0"/>
+              <a:buChar char="•"/>
+              <a:defRPr sz="1350" kern="1200">
+                <a:solidFill>
+                  <a:schemeClr val="tx1"/>
+                </a:solidFill>
+                <a:latin typeface="+mn-lt"/>
+                <a:ea typeface="+mn-ea"/>
+                <a:cs typeface="+mn-cs"/>
+              </a:defRPr>
+            </a:lvl6pPr>
+            <a:lvl7pPr marL="2228850" indent="-171450" algn="l" defTabSz="685800" rtl="0" eaLnBrk="1" latinLnBrk="0" hangingPunct="1">
+              <a:lnSpc>
+                <a:spcPct val="90000"/>
+              </a:lnSpc>
+              <a:spcBef>
+                <a:spcPts val="375"/>
+              </a:spcBef>
+              <a:buFont typeface="Arial" panose="020B0604020202020204" pitchFamily="34" charset="0"/>
+              <a:buChar char="•"/>
+              <a:defRPr sz="1350" kern="1200">
+                <a:solidFill>
+                  <a:schemeClr val="tx1"/>
+                </a:solidFill>
+                <a:latin typeface="+mn-lt"/>
+                <a:ea typeface="+mn-ea"/>
+                <a:cs typeface="+mn-cs"/>
+              </a:defRPr>
+            </a:lvl7pPr>
+            <a:lvl8pPr marL="2571750" indent="-171450" algn="l" defTabSz="685800" rtl="0" eaLnBrk="1" latinLnBrk="0" hangingPunct="1">
+              <a:lnSpc>
+                <a:spcPct val="90000"/>
+              </a:lnSpc>
+              <a:spcBef>
+                <a:spcPts val="375"/>
+              </a:spcBef>
+              <a:buFont typeface="Arial" panose="020B0604020202020204" pitchFamily="34" charset="0"/>
+              <a:buChar char="•"/>
+              <a:defRPr sz="1350" kern="1200">
+                <a:solidFill>
+                  <a:schemeClr val="tx1"/>
+                </a:solidFill>
+                <a:latin typeface="+mn-lt"/>
+                <a:ea typeface="+mn-ea"/>
+                <a:cs typeface="+mn-cs"/>
+              </a:defRPr>
+            </a:lvl8pPr>
+            <a:lvl9pPr marL="2914650" indent="-171450" algn="l" defTabSz="685800" rtl="0" eaLnBrk="1" latinLnBrk="0" hangingPunct="1">
+              <a:lnSpc>
+                <a:spcPct val="90000"/>
+              </a:lnSpc>
+              <a:spcBef>
+                <a:spcPts val="375"/>
+              </a:spcBef>
+              <a:buFont typeface="Arial" panose="020B0604020202020204" pitchFamily="34" charset="0"/>
+              <a:buChar char="•"/>
+              <a:defRPr sz="1350" kern="1200">
+                <a:solidFill>
+                  <a:schemeClr val="tx1"/>
+                </a:solidFill>
+                <a:latin typeface="+mn-lt"/>
+                <a:ea typeface="+mn-ea"/>
+                <a:cs typeface="+mn-cs"/>
+              </a:defRPr>
+            </a:lvl9pPr>
+          </a:lstStyle>
+          <a:p>
+            <a:pPr marL="0" indent="0" eaLnBrk="1" hangingPunct="1">
+              <a:spcBef>
+                <a:spcPts val="1200"/>
+              </a:spcBef>
+              <a:spcAft>
+                <a:spcPts val="600"/>
+              </a:spcAft>
+              <a:buNone/>
+            </a:pPr>
+            <a:r>
+              <a:rPr lang="en-CA" altLang="en-US" sz="2200" dirty="0" err="1" smtClean="0">
+                <a:solidFill>
+                  <a:srgbClr val="00B050"/>
+                </a:solidFill>
+              </a:rPr>
+              <a:t>myMPs</a:t>
+            </a:r>
+            <a:r>
+              <a:rPr lang="en-CA" altLang="en-US" sz="2200" dirty="0" smtClean="0">
+                <a:solidFill>
+                  <a:srgbClr val="00B050"/>
+                </a:solidFill>
+              </a:rPr>
+              <a:t> = c</a:t>
+            </a:r>
+            <a:r>
+              <a:rPr lang="en-CA" altLang="en-US" sz="2200" dirty="0">
+                <a:solidFill>
+                  <a:srgbClr val="00B050"/>
+                </a:solidFill>
+              </a:rPr>
+              <a:t>("</a:t>
+            </a:r>
+            <a:r>
+              <a:rPr lang="en-CA" altLang="en-US" sz="2200" dirty="0" err="1">
+                <a:solidFill>
+                  <a:srgbClr val="00B050"/>
+                </a:solidFill>
+              </a:rPr>
+              <a:t>AvC</a:t>
+            </a:r>
+            <a:r>
+              <a:rPr lang="en-CA" altLang="en-US" sz="2200" dirty="0" smtClean="0">
+                <a:solidFill>
+                  <a:srgbClr val="00B050"/>
+                </a:solidFill>
+              </a:rPr>
+              <a:t>", "</a:t>
+            </a:r>
+            <a:r>
+              <a:rPr lang="en-CA" altLang="en-US" sz="2200" dirty="0" err="1">
+                <a:solidFill>
+                  <a:srgbClr val="00B050"/>
+                </a:solidFill>
+              </a:rPr>
+              <a:t>curE</a:t>
+            </a:r>
+            <a:r>
+              <a:rPr lang="en-CA" altLang="en-US" sz="2200" dirty="0" smtClean="0">
+                <a:solidFill>
+                  <a:srgbClr val="00B050"/>
+                </a:solidFill>
+              </a:rPr>
+              <a:t>", "</a:t>
+            </a:r>
+            <a:r>
+              <a:rPr lang="en-CA" altLang="en-US" sz="2200" dirty="0">
+                <a:solidFill>
+                  <a:srgbClr val="00B050"/>
+                </a:solidFill>
+              </a:rPr>
+              <a:t>DCAC</a:t>
+            </a:r>
+            <a:r>
+              <a:rPr lang="en-CA" altLang="en-US" sz="2200" dirty="0" smtClean="0">
+                <a:solidFill>
+                  <a:srgbClr val="00B050"/>
+                </a:solidFill>
+              </a:rPr>
+              <a:t>", "</a:t>
+            </a:r>
+            <a:r>
+              <a:rPr lang="en-CA" altLang="en-US" sz="2200" dirty="0">
+                <a:solidFill>
+                  <a:srgbClr val="00B050"/>
+                </a:solidFill>
+              </a:rPr>
+              <a:t>DD</a:t>
+            </a:r>
+            <a:r>
+              <a:rPr lang="en-CA" altLang="en-US" sz="2200" dirty="0" smtClean="0">
+                <a:solidFill>
+                  <a:srgbClr val="00B050"/>
+                </a:solidFill>
+              </a:rPr>
+              <a:t>", "</a:t>
+            </a:r>
+            <a:r>
+              <a:rPr lang="en-CA" altLang="en-US" sz="2200" dirty="0">
+                <a:solidFill>
+                  <a:srgbClr val="00B050"/>
+                </a:solidFill>
+              </a:rPr>
+              <a:t>MCD</a:t>
+            </a:r>
+            <a:r>
+              <a:rPr lang="en-CA" altLang="en-US" sz="2200" dirty="0" smtClean="0">
+                <a:solidFill>
+                  <a:srgbClr val="00B050"/>
+                </a:solidFill>
+              </a:rPr>
+              <a:t>", "</a:t>
+            </a:r>
+            <a:r>
+              <a:rPr lang="en-CA" altLang="en-US" sz="2200" dirty="0">
+                <a:solidFill>
+                  <a:srgbClr val="00B050"/>
+                </a:solidFill>
+              </a:rPr>
+              <a:t>SPMSY</a:t>
+            </a:r>
+            <a:r>
+              <a:rPr lang="en-CA" altLang="en-US" sz="2200" dirty="0" smtClean="0">
+                <a:solidFill>
+                  <a:srgbClr val="00B050"/>
+                </a:solidFill>
+              </a:rPr>
+              <a:t>")</a:t>
+            </a:r>
+          </a:p>
+          <a:p>
+            <a:pPr marL="0" indent="0" eaLnBrk="1" hangingPunct="1">
+              <a:spcBef>
+                <a:spcPts val="1200"/>
+              </a:spcBef>
+              <a:spcAft>
+                <a:spcPts val="600"/>
+              </a:spcAft>
+              <a:buNone/>
+            </a:pPr>
+            <a:r>
+              <a:rPr lang="en-CA" altLang="en-US" sz="2200" dirty="0" err="1" smtClean="0">
+                <a:solidFill>
+                  <a:srgbClr val="00B050"/>
+                </a:solidFill>
+              </a:rPr>
+              <a:t>myMSE</a:t>
+            </a:r>
+            <a:r>
+              <a:rPr lang="en-CA" altLang="en-US" sz="2200" dirty="0" smtClean="0">
+                <a:solidFill>
+                  <a:srgbClr val="00B050"/>
+                </a:solidFill>
+              </a:rPr>
+              <a:t> = </a:t>
+            </a:r>
+            <a:r>
+              <a:rPr lang="en-CA" altLang="en-US" sz="2200" dirty="0" err="1" smtClean="0">
+                <a:solidFill>
+                  <a:srgbClr val="00B050"/>
+                </a:solidFill>
+              </a:rPr>
+              <a:t>runMSE</a:t>
+            </a:r>
+            <a:r>
+              <a:rPr lang="en-CA" altLang="en-US" sz="2200" dirty="0" smtClean="0">
+                <a:solidFill>
+                  <a:srgbClr val="00B050"/>
+                </a:solidFill>
+              </a:rPr>
+              <a:t>(</a:t>
+            </a:r>
+            <a:r>
+              <a:rPr lang="en-CA" altLang="en-US" sz="2200" dirty="0" err="1" smtClean="0">
+                <a:solidFill>
+                  <a:srgbClr val="00B050"/>
+                </a:solidFill>
+              </a:rPr>
+              <a:t>myOM</a:t>
+            </a:r>
+            <a:r>
+              <a:rPr lang="en-CA" altLang="en-US" sz="2200" dirty="0" smtClean="0">
+                <a:solidFill>
+                  <a:srgbClr val="00B050"/>
+                </a:solidFill>
+              </a:rPr>
+              <a:t>, </a:t>
+            </a:r>
+            <a:r>
+              <a:rPr lang="en-CA" altLang="en-US" sz="2200" dirty="0" err="1" smtClean="0">
+                <a:solidFill>
+                  <a:srgbClr val="00B050"/>
+                </a:solidFill>
+              </a:rPr>
+              <a:t>myMPs</a:t>
+            </a:r>
+            <a:r>
+              <a:rPr lang="en-CA" altLang="en-US" sz="2200" dirty="0" smtClean="0">
+                <a:solidFill>
+                  <a:srgbClr val="00B050"/>
+                </a:solidFill>
+              </a:rPr>
+              <a:t>)</a:t>
+            </a:r>
+          </a:p>
+          <a:p>
+            <a:pPr marL="0" indent="0" eaLnBrk="1" hangingPunct="1">
+              <a:spcBef>
+                <a:spcPts val="1200"/>
+              </a:spcBef>
+              <a:spcAft>
+                <a:spcPts val="600"/>
+              </a:spcAft>
+              <a:buNone/>
+            </a:pPr>
+            <a:r>
+              <a:rPr lang="en-CA" altLang="en-US" sz="2200" dirty="0" err="1" smtClean="0">
+                <a:solidFill>
+                  <a:srgbClr val="00B050"/>
+                </a:solidFill>
+              </a:rPr>
+              <a:t>NOAA_plot</a:t>
+            </a:r>
+            <a:r>
+              <a:rPr lang="en-CA" altLang="en-US" sz="2200" dirty="0" smtClean="0">
+                <a:solidFill>
+                  <a:srgbClr val="00B050"/>
+                </a:solidFill>
+              </a:rPr>
+              <a:t>(</a:t>
+            </a:r>
+            <a:r>
+              <a:rPr lang="en-CA" altLang="en-US" sz="2200" dirty="0" err="1" smtClean="0">
+                <a:solidFill>
+                  <a:srgbClr val="00B050"/>
+                </a:solidFill>
+              </a:rPr>
+              <a:t>myMSE</a:t>
+            </a:r>
+            <a:r>
+              <a:rPr lang="en-CA" altLang="en-US" sz="2200" dirty="0" smtClean="0">
+                <a:solidFill>
+                  <a:srgbClr val="00B050"/>
+                </a:solidFill>
+              </a:rPr>
+              <a:t>)</a:t>
+            </a:r>
+            <a:endParaRPr lang="en-CA" altLang="en-US" sz="2200" dirty="0">
+              <a:solidFill>
+                <a:srgbClr val="00B050"/>
+              </a:solidFill>
+            </a:endParaRPr>
+          </a:p>
+        </p:txBody>
+      </p:sp>
+      <p:pic>
+        <p:nvPicPr>
+          <p:cNvPr id="7" name="Picture 6"/>
+          <p:cNvPicPr>
+            <a:picLocks noChangeAspect="1"/>
+          </p:cNvPicPr>
+          <p:nvPr/>
+        </p:nvPicPr>
+        <p:blipFill>
+          <a:blip r:embed="rId2"/>
+          <a:stretch>
+            <a:fillRect/>
+          </a:stretch>
+        </p:blipFill>
+        <p:spPr>
+          <a:xfrm>
+            <a:off x="3491880" y="4077072"/>
+            <a:ext cx="5472608" cy="2473077"/>
+          </a:xfrm>
+          <a:prstGeom prst="rect">
+            <a:avLst/>
+          </a:prstGeom>
+        </p:spPr>
+      </p:pic>
+    </p:spTree>
+    <p:extLst>
+      <p:ext uri="{BB962C8B-B14F-4D97-AF65-F5344CB8AC3E}">
+        <p14:creationId xmlns:p14="http://schemas.microsoft.com/office/powerpoint/2010/main" val="1356945920"/>
+      </p:ext>
+    </p:extLst>
+  </p:cSld>
+  <p:clrMapOvr>
+    <a:masterClrMapping/>
+  </p:clrMapOvr>
+  <p:timing>
+    <p:tnLst>
+      <p:par>
+        <p:cTn id="1" dur="indefinite" restart="never" nodeType="tmRoot"/>
+      </p:par>
+    </p:tnLst>
+  </p:timing>
+</p:sld>
+</file>
+
+<file path=ppt/slides/slide7.xml><?xml version="1.0" encoding="utf-8"?>
+<p:sld xmlns:a="http://schemas.openxmlformats.org/drawingml/2006/main" xmlns:r="http://schemas.openxmlformats.org/officeDocument/2006/relationships" xmlns:p="http://schemas.openxmlformats.org/presentationml/2006/main">
+  <p:cSld>
+    <p:spTree>
+      <p:nvGrpSpPr>
+        <p:cNvPr id="1" name=""/>
+        <p:cNvGrpSpPr/>
+        <p:nvPr/>
+      </p:nvGrpSpPr>
+      <p:grpSpPr>
+        <a:xfrm>
+          <a:off x="0" y="0"/>
+          <a:ext cx="0" cy="0"/>
+          <a:chOff x="0" y="0"/>
+          <a:chExt cx="0" cy="0"/>
+        </a:xfrm>
+      </p:grpSpPr>
+      <p:sp>
+        <p:nvSpPr>
+          <p:cNvPr id="2" name="Title 1"/>
+          <p:cNvSpPr>
+            <a:spLocks noGrp="1"/>
+          </p:cNvSpPr>
+          <p:nvPr>
+            <p:ph type="title"/>
+          </p:nvPr>
+        </p:nvSpPr>
+        <p:spPr>
+          <a:xfrm>
+            <a:off x="323528" y="541005"/>
+            <a:ext cx="7886700" cy="1325563"/>
+          </a:xfrm>
+        </p:spPr>
+        <p:txBody>
+          <a:bodyPr/>
+          <a:lstStyle/>
+          <a:p>
+            <a:r>
+              <a:rPr lang="en-CA" dirty="0" smtClean="0"/>
+              <a:t>Checking Convergence</a:t>
+            </a:r>
+            <a:endParaRPr lang="en-CA" dirty="0"/>
+          </a:p>
+        </p:txBody>
+      </p:sp>
+      <p:sp>
+        <p:nvSpPr>
+          <p:cNvPr id="3" name="Content Placeholder 2"/>
+          <p:cNvSpPr>
+            <a:spLocks noGrp="1"/>
+          </p:cNvSpPr>
+          <p:nvPr>
+            <p:ph idx="1"/>
+          </p:nvPr>
+        </p:nvSpPr>
+        <p:spPr>
+          <a:xfrm>
+            <a:off x="429097" y="1844824"/>
+            <a:ext cx="7675562" cy="4351338"/>
+          </a:xfrm>
+        </p:spPr>
+        <p:txBody>
+          <a:bodyPr/>
+          <a:lstStyle/>
+          <a:p>
+            <a:pPr marL="0" indent="0">
+              <a:buNone/>
+            </a:pPr>
+            <a:r>
+              <a:rPr lang="en-CA" dirty="0" smtClean="0"/>
+              <a:t>By default operating models are run for 48 simulations. </a:t>
+            </a:r>
+          </a:p>
+          <a:p>
+            <a:pPr marL="0" indent="0">
+              <a:buNone/>
+            </a:pPr>
+            <a:r>
+              <a:rPr lang="en-CA" dirty="0" smtClean="0"/>
+              <a:t>That doesn’t sound like a lot, but how many is enough?</a:t>
+            </a:r>
+          </a:p>
+          <a:p>
+            <a:pPr marL="0" indent="0">
+              <a:buNone/>
+            </a:pPr>
+            <a:endParaRPr lang="en-CA" dirty="0" smtClean="0"/>
+          </a:p>
+          <a:p>
+            <a:pPr marL="0" indent="0">
+              <a:buNone/>
+            </a:pPr>
+            <a:r>
+              <a:rPr lang="en-CA" dirty="0" smtClean="0"/>
+              <a:t>You can check to see whether MP performance is stable using the function Converge()</a:t>
+            </a:r>
+          </a:p>
+          <a:p>
+            <a:pPr marL="0" indent="0">
+              <a:buNone/>
+            </a:pPr>
+            <a:endParaRPr lang="en-CA" dirty="0"/>
+          </a:p>
+          <a:p>
+            <a:pPr marL="0" indent="0">
+              <a:buNone/>
+            </a:pPr>
+            <a:r>
+              <a:rPr lang="en-CA" dirty="0" smtClean="0">
+                <a:solidFill>
+                  <a:srgbClr val="00B050"/>
+                </a:solidFill>
+              </a:rPr>
+              <a:t>Converge(</a:t>
+            </a:r>
+            <a:r>
+              <a:rPr lang="en-CA" dirty="0" err="1" smtClean="0">
+                <a:solidFill>
+                  <a:srgbClr val="00B050"/>
+                </a:solidFill>
+              </a:rPr>
+              <a:t>myMSE</a:t>
+            </a:r>
+            <a:r>
+              <a:rPr lang="en-CA" dirty="0" smtClean="0">
+                <a:solidFill>
+                  <a:srgbClr val="00B050"/>
+                </a:solidFill>
+              </a:rPr>
+              <a:t>)</a:t>
+            </a:r>
+          </a:p>
+          <a:p>
+            <a:pPr marL="0" indent="0">
+              <a:buNone/>
+            </a:pPr>
+            <a:endParaRPr lang="en-CA" dirty="0" smtClean="0"/>
+          </a:p>
+          <a:p>
+            <a:pPr marL="0" indent="0">
+              <a:buNone/>
+            </a:pPr>
+            <a:r>
+              <a:rPr lang="en-CA" dirty="0" smtClean="0"/>
+              <a:t>This function returns two plots:</a:t>
+            </a:r>
+            <a:endParaRPr lang="en-CA" dirty="0"/>
+          </a:p>
+        </p:txBody>
+      </p:sp>
+    </p:spTree>
+    <p:extLst>
+      <p:ext uri="{BB962C8B-B14F-4D97-AF65-F5344CB8AC3E}">
+        <p14:creationId xmlns:p14="http://schemas.microsoft.com/office/powerpoint/2010/main" val="322504286"/>
+      </p:ext>
+    </p:extLst>
+  </p:cSld>
+  <p:clrMapOvr>
+    <a:masterClrMapping/>
+  </p:clrMapOvr>
+  <p:timing>
+    <p:tnLst>
+      <p:par>
+        <p:cTn id="1" dur="indefinite" restart="never" nodeType="tmRoot"/>
+      </p:par>
+    </p:tnLst>
+  </p:timing>
+</p:sld>
+</file>
+
+<file path=ppt/slides/slide8.xml><?xml version="1.0" encoding="utf-8"?>
+<p:sld xmlns:a="http://schemas.openxmlformats.org/drawingml/2006/main" xmlns:r="http://schemas.openxmlformats.org/officeDocument/2006/relationships" xmlns:p="http://schemas.openxmlformats.org/presentationml/2006/main">
+  <p:cSld>
+    <p:spTree>
+      <p:nvGrpSpPr>
+        <p:cNvPr id="1" name=""/>
+        <p:cNvGrpSpPr/>
+        <p:nvPr/>
+      </p:nvGrpSpPr>
+      <p:grpSpPr>
+        <a:xfrm>
+          <a:off x="0" y="0"/>
+          <a:ext cx="0" cy="0"/>
+          <a:chOff x="0" y="0"/>
+          <a:chExt cx="0" cy="0"/>
+        </a:xfrm>
+      </p:grpSpPr>
+      <p:sp>
+        <p:nvSpPr>
+          <p:cNvPr id="3" name="Content Placeholder 2"/>
+          <p:cNvSpPr>
+            <a:spLocks noGrp="1"/>
+          </p:cNvSpPr>
+          <p:nvPr>
+            <p:ph idx="1"/>
+          </p:nvPr>
+        </p:nvSpPr>
+        <p:spPr>
+          <a:xfrm>
+            <a:off x="323528" y="476672"/>
+            <a:ext cx="7675562" cy="4351338"/>
+          </a:xfrm>
+        </p:spPr>
+        <p:txBody>
+          <a:bodyPr/>
+          <a:lstStyle/>
+          <a:p>
+            <a:pPr marL="0" indent="0">
+              <a:buNone/>
+            </a:pPr>
+            <a:r>
+              <a:rPr lang="en-CA" dirty="0" smtClean="0"/>
+              <a:t>The first plot has 5 panels, each one shows the mean performance of a different metric (y axes) as simulations are added (iterations – the x axis)</a:t>
+            </a:r>
+            <a:endParaRPr lang="en-CA" dirty="0"/>
+          </a:p>
+        </p:txBody>
+      </p:sp>
+      <p:pic>
+        <p:nvPicPr>
+          <p:cNvPr id="4" name="Picture 3"/>
+          <p:cNvPicPr>
+            <a:picLocks noChangeAspect="1"/>
+          </p:cNvPicPr>
+          <p:nvPr/>
+        </p:nvPicPr>
+        <p:blipFill>
+          <a:blip r:embed="rId2"/>
+          <a:stretch>
+            <a:fillRect/>
+          </a:stretch>
+        </p:blipFill>
+        <p:spPr>
+          <a:xfrm>
+            <a:off x="323528" y="1628800"/>
+            <a:ext cx="8375704" cy="5302148"/>
+          </a:xfrm>
+          <a:prstGeom prst="rect">
+            <a:avLst/>
+          </a:prstGeom>
+        </p:spPr>
+      </p:pic>
+    </p:spTree>
+    <p:extLst>
+      <p:ext uri="{BB962C8B-B14F-4D97-AF65-F5344CB8AC3E}">
+        <p14:creationId xmlns:p14="http://schemas.microsoft.com/office/powerpoint/2010/main" val="1826428483"/>
+      </p:ext>
+    </p:extLst>
+  </p:cSld>
+  <p:clrMapOvr>
+    <a:masterClrMapping/>
+  </p:clrMapOvr>
+  <p:timing>
+    <p:tnLst>
+      <p:par>
+        <p:cTn id="1" dur="indefinite" restart="never" nodeType="tmRoot"/>
+      </p:par>
+    </p:tnLst>
+  </p:timing>
+</p:sld>
+</file>
+
+<file path=ppt/slides/slide9.xml><?xml version="1.0" encoding="utf-8"?>
+<p:sld xmlns:a="http://schemas.openxmlformats.org/drawingml/2006/main" xmlns:r="http://schemas.openxmlformats.org/officeDocument/2006/relationships" xmlns:p="http://schemas.openxmlformats.org/presentationml/2006/main">
+  <p:cSld>
+    <p:spTree>
+      <p:nvGrpSpPr>
+        <p:cNvPr id="1" name=""/>
+        <p:cNvGrpSpPr/>
+        <p:nvPr/>
+      </p:nvGrpSpPr>
+      <p:grpSpPr>
+        <a:xfrm>
+          <a:off x="0" y="0"/>
+          <a:ext cx="0" cy="0"/>
+          <a:chOff x="0" y="0"/>
+          <a:chExt cx="0" cy="0"/>
+        </a:xfrm>
+      </p:grpSpPr>
+      <p:sp>
+        <p:nvSpPr>
+          <p:cNvPr id="3" name="Content Placeholder 2"/>
+          <p:cNvSpPr>
+            <a:spLocks noGrp="1"/>
+          </p:cNvSpPr>
+          <p:nvPr>
+            <p:ph idx="1"/>
+          </p:nvPr>
+        </p:nvSpPr>
+        <p:spPr>
+          <a:xfrm>
+            <a:off x="323528" y="476672"/>
+            <a:ext cx="7675562" cy="1080120"/>
+          </a:xfrm>
+        </p:spPr>
+        <p:txBody>
+          <a:bodyPr/>
+          <a:lstStyle/>
+          <a:p>
+            <a:pPr marL="0" indent="0">
+              <a:buNone/>
+            </a:pPr>
+            <a:r>
+              <a:rPr lang="en-CA" dirty="0" smtClean="0"/>
+              <a:t>The first plot has noted that some MPs did not converge with respect to 1 or more performance metrics. The second plot (if applicable) highlights these MPs:</a:t>
+            </a:r>
+            <a:endParaRPr lang="en-CA" dirty="0"/>
+          </a:p>
+        </p:txBody>
+      </p:sp>
+      <p:pic>
+        <p:nvPicPr>
+          <p:cNvPr id="2" name="Picture 1"/>
+          <p:cNvPicPr>
+            <a:picLocks noChangeAspect="1"/>
+          </p:cNvPicPr>
+          <p:nvPr/>
+        </p:nvPicPr>
+        <p:blipFill>
+          <a:blip r:embed="rId2"/>
+          <a:stretch>
+            <a:fillRect/>
+          </a:stretch>
+        </p:blipFill>
+        <p:spPr>
+          <a:xfrm>
+            <a:off x="353794" y="1628800"/>
+            <a:ext cx="8029529" cy="5083005"/>
+          </a:xfrm>
+          <a:prstGeom prst="rect">
+            <a:avLst/>
+          </a:prstGeom>
+        </p:spPr>
+      </p:pic>
+    </p:spTree>
+    <p:extLst>
+      <p:ext uri="{BB962C8B-B14F-4D97-AF65-F5344CB8AC3E}">
+        <p14:creationId xmlns:p14="http://schemas.microsoft.com/office/powerpoint/2010/main" val="1983064867"/>
+      </p:ext>
+    </p:extLst>
+  </p:cSld>
+  <p:clrMapOvr>
+    <a:masterClrMapping/>
+  </p:clrMapOvr>
+  <p:timing>
+    <p:tnLst>
+      <p:par>
+        <p:cTn id="1" dur="indefinite" restart="never" nodeType="tmRoot"/>
+      </p:par>
+    </p:tnLst>
   </p:timing>
 </p:sld>
 </file>

--- a/Disused code/Misc/Lectures/3 Customizing DLMtool/L3b Specifying MPs and other MSE outputs.pptx
+++ b/Disused code/Misc/Lectures/3 Customizing DLMtool/L3b Specifying MPs and other MSE outputs.pptx
@@ -5,7 +5,7 @@
     <p:sldMasterId id="2147483660" r:id="rId1"/>
   </p:sldMasterIdLst>
   <p:notesMasterIdLst>
-    <p:notesMasterId r:id="rId18"/>
+    <p:notesMasterId r:id="rId16"/>
   </p:notesMasterIdLst>
   <p:sldIdLst>
     <p:sldId id="257" r:id="rId2"/>
@@ -18,12 +18,10 @@
     <p:sldId id="307" r:id="rId9"/>
     <p:sldId id="309" r:id="rId10"/>
     <p:sldId id="308" r:id="rId11"/>
-    <p:sldId id="297" r:id="rId12"/>
-    <p:sldId id="298" r:id="rId13"/>
-    <p:sldId id="299" r:id="rId14"/>
-    <p:sldId id="300" r:id="rId15"/>
-    <p:sldId id="301" r:id="rId16"/>
-    <p:sldId id="302" r:id="rId17"/>
+    <p:sldId id="310" r:id="rId12"/>
+    <p:sldId id="311" r:id="rId13"/>
+    <p:sldId id="312" r:id="rId14"/>
+    <p:sldId id="313" r:id="rId15"/>
   </p:sldIdLst>
   <p:sldSz cx="9144000" cy="6858000" type="screen4x3"/>
   <p:notesSz cx="6858000" cy="9144000"/>
@@ -8815,6 +8813,60 @@
           <a:chExt cx="0" cy="0"/>
         </a:xfrm>
       </p:grpSpPr>
+      <p:sp>
+        <p:nvSpPr>
+          <p:cNvPr id="2" name="Title 1"/>
+          <p:cNvSpPr>
+            <a:spLocks noGrp="1"/>
+          </p:cNvSpPr>
+          <p:nvPr>
+            <p:ph type="title"/>
+          </p:nvPr>
+        </p:nvSpPr>
+        <p:spPr>
+          <a:xfrm>
+            <a:off x="323528" y="332656"/>
+            <a:ext cx="7886700" cy="1325563"/>
+          </a:xfrm>
+        </p:spPr>
+        <p:txBody>
+          <a:bodyPr>
+            <a:normAutofit/>
+          </a:bodyPr>
+          <a:lstStyle/>
+          <a:p>
+            <a:r>
+              <a:rPr lang="en-CA" sz="2400" dirty="0" smtClean="0">
+                <a:solidFill>
+                  <a:srgbClr val="00B050"/>
+                </a:solidFill>
+              </a:rPr>
+              <a:t>VOI(</a:t>
+            </a:r>
+            <a:r>
+              <a:rPr lang="en-CA" sz="2400" dirty="0" err="1" smtClean="0">
+                <a:solidFill>
+                  <a:srgbClr val="00B050"/>
+                </a:solidFill>
+              </a:rPr>
+              <a:t>myMSE</a:t>
+            </a:r>
+            <a:r>
+              <a:rPr lang="en-CA" sz="2400" dirty="0" smtClean="0">
+                <a:solidFill>
+                  <a:srgbClr val="00B050"/>
+                </a:solidFill>
+              </a:rPr>
+              <a:t>)</a:t>
+            </a:r>
+            <a:endParaRPr lang="en-CA" sz="2400" dirty="0">
+              <a:solidFill>
+                <a:srgbClr val="00B050"/>
+              </a:solidFill>
+            </a:endParaRPr>
+          </a:p>
+        </p:txBody>
+      </p:sp>
       <p:pic>
         <p:nvPicPr>
           <p:cNvPr id="4" name="Picture 3"/>
@@ -8831,8 +8883,8 @@
         </p:blipFill>
         <p:spPr>
           <a:xfrm>
-            <a:off x="628650" y="1690688"/>
-            <a:ext cx="4872751" cy="2629843"/>
+            <a:off x="0" y="1340768"/>
+            <a:ext cx="9036496" cy="4809088"/>
           </a:xfrm>
           <a:prstGeom prst="rect">
             <a:avLst/>
@@ -8841,683 +8893,88 @@
       </p:pic>
       <p:sp>
         <p:nvSpPr>
-          <p:cNvPr id="5" name="Rectangle 4"/>
-          <p:cNvSpPr/>
+          <p:cNvPr id="5" name="TextBox 4"/>
+          <p:cNvSpPr txBox="1"/>
           <p:nvPr/>
         </p:nvSpPr>
         <p:spPr>
           <a:xfrm>
-            <a:off x="971600" y="2060848"/>
-            <a:ext cx="1296144" cy="720080"/>
+            <a:off x="1259632" y="6149856"/>
+            <a:ext cx="6840760" cy="369332"/>
           </a:xfrm>
           <a:prstGeom prst="rect">
             <a:avLst/>
           </a:prstGeom>
           <a:noFill/>
+        </p:spPr>
+        <p:txBody>
+          <a:bodyPr wrap="square" rtlCol="0">
+            <a:spAutoFit/>
+          </a:bodyPr>
+          <a:lstStyle/>
+          <a:p>
+            <a:r>
+              <a:rPr lang="en-CA" dirty="0" smtClean="0">
+                <a:solidFill>
+                  <a:srgbClr val="FF0000"/>
+                </a:solidFill>
+              </a:rPr>
+              <a:t>More critical</a:t>
+            </a:r>
+            <a:endParaRPr lang="en-CA" dirty="0">
+              <a:solidFill>
+                <a:srgbClr val="FF0000"/>
+              </a:solidFill>
+            </a:endParaRPr>
+          </a:p>
+        </p:txBody>
+      </p:sp>
+      <p:cxnSp>
+        <p:nvCxnSpPr>
+          <p:cNvPr id="7" name="Straight Arrow Connector 6"/>
+          <p:cNvCxnSpPr/>
+          <p:nvPr/>
+        </p:nvCxnSpPr>
+        <p:spPr>
+          <a:xfrm flipH="1">
+            <a:off x="2699792" y="6334522"/>
+            <a:ext cx="1872208" cy="0"/>
+          </a:xfrm>
+          <a:prstGeom prst="straightConnector1">
+            <a:avLst/>
+          </a:prstGeom>
           <a:ln w="44450">
             <a:solidFill>
-              <a:schemeClr val="bg1"/>
+              <a:srgbClr val="FF0000"/>
             </a:solidFill>
-            <a:prstDash val="dash"/>
+            <a:tailEnd type="triangle"/>
           </a:ln>
         </p:spPr>
         <p:style>
-          <a:lnRef idx="2">
-            <a:schemeClr val="accent1">
-              <a:shade val="50000"/>
-            </a:schemeClr>
+          <a:lnRef idx="1">
+            <a:schemeClr val="accent1"/>
           </a:lnRef>
-          <a:fillRef idx="1">
+          <a:fillRef idx="0">
             <a:schemeClr val="accent1"/>
           </a:fillRef>
           <a:effectRef idx="0">
             <a:schemeClr val="accent1"/>
           </a:effectRef>
           <a:fontRef idx="minor">
-            <a:schemeClr val="lt1"/>
+            <a:schemeClr val="tx1"/>
           </a:fontRef>
         </p:style>
-        <p:txBody>
-          <a:bodyPr rtlCol="0" anchor="ctr"/>
-          <a:lstStyle/>
-          <a:p>
-            <a:pPr algn="ctr"/>
-            <a:endParaRPr lang="en-CA"/>
-          </a:p>
-        </p:txBody>
-      </p:sp>
-      <p:sp>
-        <p:nvSpPr>
-          <p:cNvPr id="6" name="Rectangle 5"/>
-          <p:cNvSpPr/>
-          <p:nvPr/>
-        </p:nvSpPr>
-        <p:spPr>
-          <a:xfrm>
-            <a:off x="3779912" y="2132856"/>
-            <a:ext cx="1368152" cy="432048"/>
-          </a:xfrm>
-          <a:prstGeom prst="rect">
-            <a:avLst/>
-          </a:prstGeom>
-          <a:noFill/>
-          <a:ln w="44450">
-            <a:solidFill>
-              <a:schemeClr val="bg1"/>
-            </a:solidFill>
-            <a:prstDash val="dash"/>
-          </a:ln>
-        </p:spPr>
-        <p:style>
-          <a:lnRef idx="2">
-            <a:schemeClr val="accent1">
-              <a:shade val="50000"/>
-            </a:schemeClr>
-          </a:lnRef>
-          <a:fillRef idx="1">
-            <a:schemeClr val="accent1"/>
-          </a:fillRef>
-          <a:effectRef idx="0">
-            <a:schemeClr val="accent1"/>
-          </a:effectRef>
-          <a:fontRef idx="minor">
-            <a:schemeClr val="lt1"/>
-          </a:fontRef>
-        </p:style>
-        <p:txBody>
-          <a:bodyPr rtlCol="0" anchor="ctr"/>
-          <a:lstStyle/>
-          <a:p>
-            <a:pPr algn="ctr"/>
-            <a:endParaRPr lang="en-CA"/>
-          </a:p>
-        </p:txBody>
-      </p:sp>
-      <p:sp>
-        <p:nvSpPr>
-          <p:cNvPr id="7" name="Rectangle 6"/>
-          <p:cNvSpPr/>
-          <p:nvPr/>
-        </p:nvSpPr>
-        <p:spPr>
-          <a:xfrm>
-            <a:off x="935596" y="3645024"/>
-            <a:ext cx="1368152" cy="360040"/>
-          </a:xfrm>
-          <a:prstGeom prst="rect">
-            <a:avLst/>
-          </a:prstGeom>
-          <a:noFill/>
-          <a:ln w="44450">
-            <a:solidFill>
-              <a:schemeClr val="bg1"/>
-            </a:solidFill>
-            <a:prstDash val="dash"/>
-          </a:ln>
-        </p:spPr>
-        <p:style>
-          <a:lnRef idx="2">
-            <a:schemeClr val="accent1">
-              <a:shade val="50000"/>
-            </a:schemeClr>
-          </a:lnRef>
-          <a:fillRef idx="1">
-            <a:schemeClr val="accent1"/>
-          </a:fillRef>
-          <a:effectRef idx="0">
-            <a:schemeClr val="accent1"/>
-          </a:effectRef>
-          <a:fontRef idx="minor">
-            <a:schemeClr val="lt1"/>
-          </a:fontRef>
-        </p:style>
-        <p:txBody>
-          <a:bodyPr rtlCol="0" anchor="ctr"/>
-          <a:lstStyle/>
-          <a:p>
-            <a:pPr algn="ctr"/>
-            <a:endParaRPr lang="en-CA"/>
-          </a:p>
-        </p:txBody>
-      </p:sp>
-      <p:sp>
-        <p:nvSpPr>
-          <p:cNvPr id="8" name="Rectangle 7"/>
-          <p:cNvSpPr/>
-          <p:nvPr/>
-        </p:nvSpPr>
-        <p:spPr>
-          <a:xfrm>
-            <a:off x="628650" y="5047350"/>
-            <a:ext cx="4231382" cy="1200329"/>
-          </a:xfrm>
-          <a:prstGeom prst="rect">
-            <a:avLst/>
-          </a:prstGeom>
-        </p:spPr>
-        <p:txBody>
-          <a:bodyPr wrap="square">
-            <a:spAutoFit/>
-          </a:bodyPr>
-          <a:lstStyle/>
-          <a:p>
-            <a:r>
-              <a:rPr lang="en-CA" sz="2400" dirty="0" smtClean="0">
-                <a:solidFill>
-                  <a:srgbClr val="0070C0"/>
-                </a:solidFill>
-              </a:rPr>
-              <a:t>You can see what these look like by typing the name of one into </a:t>
-            </a:r>
-          </a:p>
-          <a:p>
-            <a:r>
-              <a:rPr lang="en-CA" sz="2400" dirty="0" smtClean="0">
-                <a:solidFill>
-                  <a:srgbClr val="0070C0"/>
-                </a:solidFill>
-              </a:rPr>
-              <a:t>R…</a:t>
-            </a:r>
-            <a:endParaRPr lang="en-CA" sz="2400" dirty="0">
-              <a:solidFill>
-                <a:srgbClr val="0070C0"/>
-              </a:solidFill>
-            </a:endParaRPr>
-          </a:p>
-        </p:txBody>
-      </p:sp>
-      <p:sp>
-        <p:nvSpPr>
-          <p:cNvPr id="10" name="Rectangle 9"/>
-          <p:cNvSpPr/>
-          <p:nvPr/>
-        </p:nvSpPr>
-        <p:spPr>
-          <a:xfrm>
-            <a:off x="628650" y="527477"/>
-            <a:ext cx="7021438" cy="830997"/>
-          </a:xfrm>
-          <a:prstGeom prst="rect">
-            <a:avLst/>
-          </a:prstGeom>
-        </p:spPr>
-        <p:txBody>
-          <a:bodyPr wrap="square">
-            <a:spAutoFit/>
-          </a:bodyPr>
-          <a:lstStyle/>
-          <a:p>
-            <a:pPr marL="0" indent="0" eaLnBrk="1" hangingPunct="1">
-              <a:buFont typeface="Arial" panose="020B0604020202020204" pitchFamily="34" charset="0"/>
-              <a:buNone/>
-            </a:pPr>
-            <a:r>
-              <a:rPr lang="en-CA" altLang="en-US" sz="2400" dirty="0" smtClean="0">
-                <a:solidFill>
-                  <a:schemeClr val="bg1"/>
-                </a:solidFill>
-              </a:rPr>
-              <a:t>Four of these items are the objects we used to build an operating model </a:t>
-            </a:r>
-          </a:p>
-        </p:txBody>
-      </p:sp>
-      <p:sp>
-        <p:nvSpPr>
-          <p:cNvPr id="11" name="Rectangle 10"/>
-          <p:cNvSpPr/>
-          <p:nvPr/>
-        </p:nvSpPr>
-        <p:spPr>
-          <a:xfrm>
-            <a:off x="5789483" y="1325470"/>
-            <a:ext cx="2967541" cy="4893647"/>
-          </a:xfrm>
-          <a:prstGeom prst="rect">
-            <a:avLst/>
-          </a:prstGeom>
-        </p:spPr>
-        <p:txBody>
-          <a:bodyPr wrap="square">
-            <a:spAutoFit/>
-          </a:bodyPr>
-          <a:lstStyle/>
-          <a:p>
-            <a:pPr marL="0" indent="0" eaLnBrk="1" hangingPunct="1">
-              <a:buFont typeface="Arial" panose="020B0604020202020204" pitchFamily="34" charset="0"/>
-              <a:buNone/>
-            </a:pPr>
-            <a:r>
-              <a:rPr lang="en-CA" altLang="en-US" sz="2400" dirty="0" smtClean="0">
-                <a:solidFill>
-                  <a:srgbClr val="FF0000"/>
-                </a:solidFill>
-              </a:rPr>
-              <a:t>Fleet</a:t>
-            </a:r>
-            <a:r>
-              <a:rPr lang="en-CA" altLang="en-US" sz="2400" dirty="0" smtClean="0">
-                <a:solidFill>
-                  <a:srgbClr val="0070C0"/>
-                </a:solidFill>
-              </a:rPr>
-              <a:t>, </a:t>
-            </a:r>
-            <a:r>
-              <a:rPr lang="en-CA" altLang="en-US" sz="2400" dirty="0" smtClean="0">
-                <a:solidFill>
-                  <a:srgbClr val="FF0000"/>
-                </a:solidFill>
-              </a:rPr>
-              <a:t>Stock</a:t>
-            </a:r>
-            <a:r>
-              <a:rPr lang="en-CA" altLang="en-US" sz="2400" dirty="0" smtClean="0">
-                <a:solidFill>
-                  <a:srgbClr val="0070C0"/>
-                </a:solidFill>
-              </a:rPr>
-              <a:t>, </a:t>
-            </a:r>
-            <a:r>
-              <a:rPr lang="en-CA" altLang="en-US" sz="2400" dirty="0" err="1" smtClean="0">
-                <a:solidFill>
-                  <a:srgbClr val="FF0000"/>
-                </a:solidFill>
-              </a:rPr>
-              <a:t>Obs</a:t>
-            </a:r>
-            <a:r>
-              <a:rPr lang="en-CA" altLang="en-US" sz="2400" dirty="0" smtClean="0">
-                <a:solidFill>
-                  <a:srgbClr val="0070C0"/>
-                </a:solidFill>
-              </a:rPr>
-              <a:t> and </a:t>
-            </a:r>
-            <a:r>
-              <a:rPr lang="en-CA" altLang="en-US" sz="2400" dirty="0" smtClean="0">
-                <a:solidFill>
-                  <a:srgbClr val="FF0000"/>
-                </a:solidFill>
-              </a:rPr>
-              <a:t>Imp</a:t>
-            </a:r>
-            <a:r>
-              <a:rPr lang="en-CA" altLang="en-US" sz="2400" dirty="0" smtClean="0">
-                <a:solidFill>
-                  <a:srgbClr val="0070C0"/>
-                </a:solidFill>
-              </a:rPr>
-              <a:t> Objects all contain ‘slots’ that </a:t>
-            </a:r>
-          </a:p>
-          <a:p>
-            <a:pPr marL="0" indent="0" eaLnBrk="1" hangingPunct="1">
-              <a:buFont typeface="Arial" panose="020B0604020202020204" pitchFamily="34" charset="0"/>
-              <a:buNone/>
-            </a:pPr>
-            <a:r>
-              <a:rPr lang="en-CA" altLang="en-US" sz="2400" dirty="0" smtClean="0">
-                <a:solidFill>
-                  <a:srgbClr val="0070C0"/>
-                </a:solidFill>
-              </a:rPr>
-              <a:t>Define the various aspects of the operating model .</a:t>
-            </a:r>
-          </a:p>
-          <a:p>
-            <a:pPr marL="0" indent="0" eaLnBrk="1" hangingPunct="1">
-              <a:buFont typeface="Arial" panose="020B0604020202020204" pitchFamily="34" charset="0"/>
-              <a:buNone/>
-            </a:pPr>
-            <a:endParaRPr lang="en-CA" altLang="en-US" sz="2400" dirty="0">
-              <a:solidFill>
-                <a:srgbClr val="0070C0"/>
-              </a:solidFill>
-            </a:endParaRPr>
-          </a:p>
-          <a:p>
-            <a:pPr marL="0" indent="0" eaLnBrk="1" hangingPunct="1">
-              <a:buFont typeface="Arial" panose="020B0604020202020204" pitchFamily="34" charset="0"/>
-              <a:buNone/>
-            </a:pPr>
-            <a:r>
-              <a:rPr lang="en-CA" altLang="en-US" sz="2400" dirty="0" smtClean="0">
-                <a:solidFill>
-                  <a:srgbClr val="0070C0"/>
-                </a:solidFill>
-              </a:rPr>
-              <a:t>These objects and their slots are all ‘glued’ together in an operating model, allowing for customizability. </a:t>
-            </a:r>
-          </a:p>
-        </p:txBody>
-      </p:sp>
+      </p:cxnSp>
     </p:spTree>
     <p:extLst>
       <p:ext uri="{BB962C8B-B14F-4D97-AF65-F5344CB8AC3E}">
-        <p14:creationId xmlns:p14="http://schemas.microsoft.com/office/powerpoint/2010/main" val="3517358331"/>
+        <p14:creationId xmlns:p14="http://schemas.microsoft.com/office/powerpoint/2010/main" val="989414301"/>
       </p:ext>
     </p:extLst>
   </p:cSld>
   <p:clrMapOvr>
     <a:masterClrMapping/>
   </p:clrMapOvr>
-  <mc:AlternateContent xmlns:mc="http://schemas.openxmlformats.org/markup-compatibility/2006" xmlns:p14="http://schemas.microsoft.com/office/powerpoint/2010/main">
-    <mc:Choice Requires="p14">
-      <p:transition spd="med" p14:dur="700">
-        <p:fade/>
-      </p:transition>
-    </mc:Choice>
-    <mc:Fallback xmlns="">
-      <p:transition spd="med">
-        <p:fade/>
-      </p:transition>
-    </mc:Fallback>
-  </mc:AlternateContent>
-  <p:timing>
-    <p:tnLst>
-      <p:par>
-        <p:cTn id="1" dur="indefinite" restart="never" nodeType="tmRoot">
-          <p:childTnLst>
-            <p:seq concurrent="1" nextAc="seek">
-              <p:cTn id="2" dur="indefinite" nodeType="mainSeq">
-                <p:childTnLst>
-                  <p:par>
-                    <p:cTn id="3" fill="hold">
-                      <p:stCondLst>
-                        <p:cond delay="indefinite"/>
-                      </p:stCondLst>
-                      <p:childTnLst>
-                        <p:par>
-                          <p:cTn id="4" fill="hold">
-                            <p:stCondLst>
-                              <p:cond delay="0"/>
-                            </p:stCondLst>
-                            <p:childTnLst>
-                              <p:par>
-                                <p:cTn id="5" presetID="10" presetClass="entr" presetSubtype="0" fill="hold" grpId="0" nodeType="clickEffect">
-                                  <p:stCondLst>
-                                    <p:cond delay="0"/>
-                                  </p:stCondLst>
-                                  <p:childTnLst>
-                                    <p:set>
-                                      <p:cBhvr>
-                                        <p:cTn id="6" dur="1" fill="hold">
-                                          <p:stCondLst>
-                                            <p:cond delay="0"/>
-                                          </p:stCondLst>
-                                        </p:cTn>
-                                        <p:tgtEl>
-                                          <p:spTgt spid="5"/>
-                                        </p:tgtEl>
-                                        <p:attrNameLst>
-                                          <p:attrName>style.visibility</p:attrName>
-                                        </p:attrNameLst>
-                                      </p:cBhvr>
-                                      <p:to>
-                                        <p:strVal val="visible"/>
-                                      </p:to>
-                                    </p:set>
-                                    <p:animEffect transition="in" filter="fade">
-                                      <p:cBhvr>
-                                        <p:cTn id="7" dur="500"/>
-                                        <p:tgtEl>
-                                          <p:spTgt spid="5"/>
-                                        </p:tgtEl>
-                                      </p:cBhvr>
-                                    </p:animEffect>
-                                  </p:childTnLst>
-                                </p:cTn>
-                              </p:par>
-                              <p:par>
-                                <p:cTn id="8" presetID="10" presetClass="entr" presetSubtype="0" fill="hold" grpId="0" nodeType="withEffect">
-                                  <p:stCondLst>
-                                    <p:cond delay="0"/>
-                                  </p:stCondLst>
-                                  <p:childTnLst>
-                                    <p:set>
-                                      <p:cBhvr>
-                                        <p:cTn id="9" dur="1" fill="hold">
-                                          <p:stCondLst>
-                                            <p:cond delay="0"/>
-                                          </p:stCondLst>
-                                        </p:cTn>
-                                        <p:tgtEl>
-                                          <p:spTgt spid="6"/>
-                                        </p:tgtEl>
-                                        <p:attrNameLst>
-                                          <p:attrName>style.visibility</p:attrName>
-                                        </p:attrNameLst>
-                                      </p:cBhvr>
-                                      <p:to>
-                                        <p:strVal val="visible"/>
-                                      </p:to>
-                                    </p:set>
-                                    <p:animEffect transition="in" filter="fade">
-                                      <p:cBhvr>
-                                        <p:cTn id="10" dur="500"/>
-                                        <p:tgtEl>
-                                          <p:spTgt spid="6"/>
-                                        </p:tgtEl>
-                                      </p:cBhvr>
-                                    </p:animEffect>
-                                  </p:childTnLst>
-                                </p:cTn>
-                              </p:par>
-                              <p:par>
-                                <p:cTn id="11" presetID="10" presetClass="entr" presetSubtype="0" fill="hold" grpId="0" nodeType="withEffect">
-                                  <p:stCondLst>
-                                    <p:cond delay="0"/>
-                                  </p:stCondLst>
-                                  <p:childTnLst>
-                                    <p:set>
-                                      <p:cBhvr>
-                                        <p:cTn id="12" dur="1" fill="hold">
-                                          <p:stCondLst>
-                                            <p:cond delay="0"/>
-                                          </p:stCondLst>
-                                        </p:cTn>
-                                        <p:tgtEl>
-                                          <p:spTgt spid="7"/>
-                                        </p:tgtEl>
-                                        <p:attrNameLst>
-                                          <p:attrName>style.visibility</p:attrName>
-                                        </p:attrNameLst>
-                                      </p:cBhvr>
-                                      <p:to>
-                                        <p:strVal val="visible"/>
-                                      </p:to>
-                                    </p:set>
-                                    <p:animEffect transition="in" filter="fade">
-                                      <p:cBhvr>
-                                        <p:cTn id="13" dur="500"/>
-                                        <p:tgtEl>
-                                          <p:spTgt spid="7"/>
-                                        </p:tgtEl>
-                                      </p:cBhvr>
-                                    </p:animEffect>
-                                  </p:childTnLst>
-                                </p:cTn>
-                              </p:par>
-                              <p:par>
-                                <p:cTn id="14" presetID="10" presetClass="entr" presetSubtype="0" fill="hold" grpId="0" nodeType="withEffect">
-                                  <p:stCondLst>
-                                    <p:cond delay="0"/>
-                                  </p:stCondLst>
-                                  <p:childTnLst>
-                                    <p:set>
-                                      <p:cBhvr>
-                                        <p:cTn id="15" dur="1" fill="hold">
-                                          <p:stCondLst>
-                                            <p:cond delay="0"/>
-                                          </p:stCondLst>
-                                        </p:cTn>
-                                        <p:tgtEl>
-                                          <p:spTgt spid="10"/>
-                                        </p:tgtEl>
-                                        <p:attrNameLst>
-                                          <p:attrName>style.visibility</p:attrName>
-                                        </p:attrNameLst>
-                                      </p:cBhvr>
-                                      <p:to>
-                                        <p:strVal val="visible"/>
-                                      </p:to>
-                                    </p:set>
-                                    <p:animEffect transition="in" filter="fade">
-                                      <p:cBhvr>
-                                        <p:cTn id="16" dur="500"/>
-                                        <p:tgtEl>
-                                          <p:spTgt spid="10"/>
-                                        </p:tgtEl>
-                                      </p:cBhvr>
-                                    </p:animEffect>
-                                  </p:childTnLst>
-                                </p:cTn>
-                              </p:par>
-                            </p:childTnLst>
-                          </p:cTn>
-                        </p:par>
-                      </p:childTnLst>
-                    </p:cTn>
-                  </p:par>
-                  <p:par>
-                    <p:cTn id="17" fill="hold">
-                      <p:stCondLst>
-                        <p:cond delay="indefinite"/>
-                      </p:stCondLst>
-                      <p:childTnLst>
-                        <p:par>
-                          <p:cTn id="18" fill="hold">
-                            <p:stCondLst>
-                              <p:cond delay="0"/>
-                            </p:stCondLst>
-                            <p:childTnLst>
-                              <p:par>
-                                <p:cTn id="19" presetID="10" presetClass="entr" presetSubtype="0" fill="hold" grpId="0" nodeType="clickEffect">
-                                  <p:stCondLst>
-                                    <p:cond delay="0"/>
-                                  </p:stCondLst>
-                                  <p:childTnLst>
-                                    <p:set>
-                                      <p:cBhvr>
-                                        <p:cTn id="20" dur="1" fill="hold">
-                                          <p:stCondLst>
-                                            <p:cond delay="0"/>
-                                          </p:stCondLst>
-                                        </p:cTn>
-                                        <p:tgtEl>
-                                          <p:spTgt spid="11"/>
-                                        </p:tgtEl>
-                                        <p:attrNameLst>
-                                          <p:attrName>style.visibility</p:attrName>
-                                        </p:attrNameLst>
-                                      </p:cBhvr>
-                                      <p:to>
-                                        <p:strVal val="visible"/>
-                                      </p:to>
-                                    </p:set>
-                                    <p:animEffect transition="in" filter="fade">
-                                      <p:cBhvr>
-                                        <p:cTn id="21" dur="500"/>
-                                        <p:tgtEl>
-                                          <p:spTgt spid="11"/>
-                                        </p:tgtEl>
-                                      </p:cBhvr>
-                                    </p:animEffect>
-                                  </p:childTnLst>
-                                </p:cTn>
-                              </p:par>
-                            </p:childTnLst>
-                          </p:cTn>
-                        </p:par>
-                      </p:childTnLst>
-                    </p:cTn>
-                  </p:par>
-                  <p:par>
-                    <p:cTn id="22" fill="hold">
-                      <p:stCondLst>
-                        <p:cond delay="indefinite"/>
-                      </p:stCondLst>
-                      <p:childTnLst>
-                        <p:par>
-                          <p:cTn id="23" fill="hold">
-                            <p:stCondLst>
-                              <p:cond delay="0"/>
-                            </p:stCondLst>
-                            <p:childTnLst>
-                              <p:par>
-                                <p:cTn id="24" presetID="10" presetClass="entr" presetSubtype="0" fill="hold" grpId="0" nodeType="clickEffect">
-                                  <p:stCondLst>
-                                    <p:cond delay="0"/>
-                                  </p:stCondLst>
-                                  <p:childTnLst>
-                                    <p:set>
-                                      <p:cBhvr>
-                                        <p:cTn id="25" dur="1" fill="hold">
-                                          <p:stCondLst>
-                                            <p:cond delay="0"/>
-                                          </p:stCondLst>
-                                        </p:cTn>
-                                        <p:tgtEl>
-                                          <p:spTgt spid="8"/>
-                                        </p:tgtEl>
-                                        <p:attrNameLst>
-                                          <p:attrName>style.visibility</p:attrName>
-                                        </p:attrNameLst>
-                                      </p:cBhvr>
-                                      <p:to>
-                                        <p:strVal val="visible"/>
-                                      </p:to>
-                                    </p:set>
-                                    <p:animEffect transition="in" filter="fade">
-                                      <p:cBhvr>
-                                        <p:cTn id="26" dur="500"/>
-                                        <p:tgtEl>
-                                          <p:spTgt spid="8"/>
-                                        </p:tgtEl>
-                                      </p:cBhvr>
-                                    </p:animEffect>
-                                  </p:childTnLst>
-                                </p:cTn>
-                              </p:par>
-                            </p:childTnLst>
-                          </p:cTn>
-                        </p:par>
-                      </p:childTnLst>
-                    </p:cTn>
-                  </p:par>
-                </p:childTnLst>
-              </p:cTn>
-              <p:prevCondLst>
-                <p:cond evt="onPrev" delay="0">
-                  <p:tgtEl>
-                    <p:sldTgt/>
-                  </p:tgtEl>
-                </p:cond>
-              </p:prevCondLst>
-              <p:nextCondLst>
-                <p:cond evt="onNext" delay="0">
-                  <p:tgtEl>
-                    <p:sldTgt/>
-                  </p:tgtEl>
-                </p:cond>
-              </p:nextCondLst>
-            </p:seq>
-          </p:childTnLst>
-        </p:cTn>
-      </p:par>
-    </p:tnLst>
-    <p:bldLst>
-      <p:bldP spid="5" grpId="0" animBg="1"/>
-      <p:bldP spid="6" grpId="0" animBg="1"/>
-      <p:bldP spid="7" grpId="0" animBg="1"/>
-      <p:bldP spid="8" grpId="0"/>
-      <p:bldP spid="10" grpId="0"/>
-      <p:bldP spid="11" grpId="0"/>
-    </p:bldLst>
-  </p:timing>
 </p:sld>
 </file>
 
@@ -9538,319 +8995,101 @@
           <a:chExt cx="0" cy="0"/>
         </a:xfrm>
       </p:grpSpPr>
-      <p:pic>
-        <p:nvPicPr>
-          <p:cNvPr id="4" name="Picture 3"/>
-          <p:cNvPicPr>
-            <a:picLocks noChangeAspect="1"/>
-          </p:cNvPicPr>
-          <p:nvPr/>
-        </p:nvPicPr>
-        <p:blipFill>
-          <a:blip r:embed="rId2"/>
-          <a:stretch>
-            <a:fillRect/>
-          </a:stretch>
-        </p:blipFill>
+      <p:sp>
+        <p:nvSpPr>
+          <p:cNvPr id="2" name="Title 1"/>
+          <p:cNvSpPr>
+            <a:spLocks noGrp="1"/>
+          </p:cNvSpPr>
+          <p:nvPr>
+            <p:ph type="title"/>
+          </p:nvPr>
+        </p:nvSpPr>
+        <p:spPr/>
+        <p:txBody>
+          <a:bodyPr/>
+          <a:lstStyle/>
+          <a:p>
+            <a:r>
+              <a:rPr lang="en-CA" dirty="0" smtClean="0"/>
+              <a:t>Cost of current uncertainties</a:t>
+            </a:r>
+            <a:endParaRPr lang="en-CA" dirty="0"/>
+          </a:p>
+        </p:txBody>
+      </p:sp>
+      <p:sp>
+        <p:nvSpPr>
+          <p:cNvPr id="3" name="Content Placeholder 2"/>
+          <p:cNvSpPr>
+            <a:spLocks noGrp="1"/>
+          </p:cNvSpPr>
+          <p:nvPr>
+            <p:ph idx="1"/>
+          </p:nvPr>
+        </p:nvSpPr>
         <p:spPr>
           <a:xfrm>
-            <a:off x="208531" y="1149385"/>
-            <a:ext cx="3114675" cy="4295775"/>
+            <a:off x="839788" y="1556792"/>
+            <a:ext cx="7675562" cy="4351338"/>
           </a:xfrm>
-          <a:prstGeom prst="rect">
-            <a:avLst/>
-          </a:prstGeom>
         </p:spPr>
-      </p:pic>
-      <p:pic>
-        <p:nvPicPr>
-          <p:cNvPr id="5" name="Picture 4"/>
-          <p:cNvPicPr>
-            <a:picLocks noChangeAspect="1"/>
-          </p:cNvPicPr>
-          <p:nvPr/>
-        </p:nvPicPr>
-        <p:blipFill>
-          <a:blip r:embed="rId3"/>
-          <a:stretch>
-            <a:fillRect/>
-          </a:stretch>
-        </p:blipFill>
-        <p:spPr>
-          <a:xfrm>
-            <a:off x="2023043" y="2139782"/>
-            <a:ext cx="2600325" cy="3971925"/>
-          </a:xfrm>
-          <a:prstGeom prst="rect">
-            <a:avLst/>
-          </a:prstGeom>
-        </p:spPr>
-      </p:pic>
-      <p:pic>
-        <p:nvPicPr>
-          <p:cNvPr id="6" name="Picture 5"/>
-          <p:cNvPicPr>
-            <a:picLocks noChangeAspect="1"/>
-          </p:cNvPicPr>
-          <p:nvPr/>
-        </p:nvPicPr>
-        <p:blipFill>
-          <a:blip r:embed="rId4"/>
-          <a:stretch>
-            <a:fillRect/>
-          </a:stretch>
-        </p:blipFill>
-        <p:spPr>
-          <a:xfrm>
-            <a:off x="3995936" y="3286522"/>
-            <a:ext cx="2657475" cy="4105275"/>
-          </a:xfrm>
-          <a:prstGeom prst="rect">
-            <a:avLst/>
-          </a:prstGeom>
-        </p:spPr>
-      </p:pic>
-      <p:pic>
-        <p:nvPicPr>
-          <p:cNvPr id="7" name="Picture 6"/>
-          <p:cNvPicPr>
-            <a:picLocks noChangeAspect="1"/>
-          </p:cNvPicPr>
-          <p:nvPr/>
-        </p:nvPicPr>
-        <p:blipFill>
-          <a:blip r:embed="rId5"/>
-          <a:stretch>
-            <a:fillRect/>
-          </a:stretch>
-        </p:blipFill>
-        <p:spPr>
-          <a:xfrm>
-            <a:off x="5949778" y="4567237"/>
-            <a:ext cx="2752725" cy="4581525"/>
-          </a:xfrm>
-          <a:prstGeom prst="rect">
-            <a:avLst/>
-          </a:prstGeom>
-        </p:spPr>
-      </p:pic>
-      <p:sp>
-        <p:nvSpPr>
-          <p:cNvPr id="8" name="Rectangle 7"/>
-          <p:cNvSpPr/>
-          <p:nvPr/>
-        </p:nvSpPr>
-        <p:spPr>
-          <a:xfrm>
-            <a:off x="391986" y="259527"/>
-            <a:ext cx="6484270" cy="461665"/>
-          </a:xfrm>
-          <a:prstGeom prst="rect">
-            <a:avLst/>
-          </a:prstGeom>
-        </p:spPr>
-        <p:txBody>
-          <a:bodyPr wrap="square">
-            <a:spAutoFit/>
-          </a:bodyPr>
+        <p:txBody>
+          <a:bodyPr/>
           <a:lstStyle/>
           <a:p>
-            <a:r>
-              <a:rPr lang="en-CA" sz="2400" dirty="0" smtClean="0">
-                <a:solidFill>
-                  <a:srgbClr val="0070C0"/>
-                </a:solidFill>
-              </a:rPr>
-              <a:t>Here is what these objects look like in R:</a:t>
-            </a:r>
-            <a:endParaRPr lang="en-CA" sz="2400" dirty="0">
-              <a:solidFill>
-                <a:srgbClr val="0070C0"/>
-              </a:solidFill>
-            </a:endParaRPr>
-          </a:p>
-        </p:txBody>
-      </p:sp>
-      <p:sp>
-        <p:nvSpPr>
-          <p:cNvPr id="9" name="TextBox 8"/>
-          <p:cNvSpPr txBox="1"/>
-          <p:nvPr/>
-        </p:nvSpPr>
-        <p:spPr>
-          <a:xfrm>
-            <a:off x="1977937" y="824431"/>
-            <a:ext cx="1656184" cy="369332"/>
-          </a:xfrm>
-          <a:prstGeom prst="rect">
-            <a:avLst/>
-          </a:prstGeom>
-          <a:solidFill>
-            <a:schemeClr val="tx1">
-              <a:alpha val="81000"/>
-            </a:schemeClr>
-          </a:solidFill>
-        </p:spPr>
-        <p:txBody>
-          <a:bodyPr wrap="square" rtlCol="0">
-            <a:spAutoFit/>
-          </a:bodyPr>
-          <a:lstStyle/>
-          <a:p>
-            <a:r>
-              <a:rPr lang="en-CA" dirty="0" smtClean="0">
-                <a:solidFill>
-                  <a:srgbClr val="FF0000"/>
-                </a:solidFill>
-              </a:rPr>
-              <a:t>Stock object</a:t>
-            </a:r>
-            <a:endParaRPr lang="en-CA" dirty="0">
-              <a:solidFill>
-                <a:srgbClr val="FF0000"/>
-              </a:solidFill>
-            </a:endParaRPr>
-          </a:p>
-        </p:txBody>
-      </p:sp>
-      <p:sp>
-        <p:nvSpPr>
-          <p:cNvPr id="10" name="TextBox 9"/>
-          <p:cNvSpPr txBox="1"/>
-          <p:nvPr/>
-        </p:nvSpPr>
-        <p:spPr>
-          <a:xfrm>
-            <a:off x="3323205" y="1851877"/>
-            <a:ext cx="1656184" cy="369332"/>
-          </a:xfrm>
-          <a:prstGeom prst="rect">
-            <a:avLst/>
-          </a:prstGeom>
-          <a:solidFill>
-            <a:schemeClr val="tx1">
-              <a:alpha val="81000"/>
-            </a:schemeClr>
-          </a:solidFill>
-        </p:spPr>
-        <p:txBody>
-          <a:bodyPr wrap="square" rtlCol="0">
-            <a:spAutoFit/>
-          </a:bodyPr>
-          <a:lstStyle/>
-          <a:p>
-            <a:r>
-              <a:rPr lang="en-CA" dirty="0" smtClean="0">
-                <a:solidFill>
-                  <a:srgbClr val="FF0000"/>
-                </a:solidFill>
-              </a:rPr>
-              <a:t>Fleet object</a:t>
-            </a:r>
-            <a:endParaRPr lang="en-CA" dirty="0">
-              <a:solidFill>
-                <a:srgbClr val="FF0000"/>
-              </a:solidFill>
-            </a:endParaRPr>
-          </a:p>
-        </p:txBody>
-      </p:sp>
-      <p:sp>
-        <p:nvSpPr>
-          <p:cNvPr id="11" name="TextBox 10"/>
-          <p:cNvSpPr txBox="1"/>
-          <p:nvPr/>
-        </p:nvSpPr>
-        <p:spPr>
-          <a:xfrm>
-            <a:off x="5414430" y="2996952"/>
-            <a:ext cx="1656184" cy="369332"/>
-          </a:xfrm>
-          <a:prstGeom prst="rect">
-            <a:avLst/>
-          </a:prstGeom>
-          <a:solidFill>
-            <a:schemeClr val="tx1">
-              <a:alpha val="81000"/>
-            </a:schemeClr>
-          </a:solidFill>
-        </p:spPr>
-        <p:txBody>
-          <a:bodyPr wrap="square" rtlCol="0">
-            <a:spAutoFit/>
-          </a:bodyPr>
-          <a:lstStyle/>
-          <a:p>
-            <a:r>
-              <a:rPr lang="en-CA" dirty="0" err="1" smtClean="0">
-                <a:solidFill>
-                  <a:srgbClr val="FF0000"/>
-                </a:solidFill>
-              </a:rPr>
-              <a:t>Obs</a:t>
-            </a:r>
-            <a:r>
-              <a:rPr lang="en-CA" dirty="0" smtClean="0">
-                <a:solidFill>
-                  <a:srgbClr val="FF0000"/>
-                </a:solidFill>
-              </a:rPr>
-              <a:t> object</a:t>
-            </a:r>
-            <a:endParaRPr lang="en-CA" dirty="0">
-              <a:solidFill>
-                <a:srgbClr val="FF0000"/>
-              </a:solidFill>
-            </a:endParaRPr>
-          </a:p>
-        </p:txBody>
-      </p:sp>
-      <p:sp>
-        <p:nvSpPr>
-          <p:cNvPr id="12" name="TextBox 11"/>
-          <p:cNvSpPr txBox="1"/>
-          <p:nvPr/>
-        </p:nvSpPr>
-        <p:spPr>
-          <a:xfrm>
-            <a:off x="7487816" y="4218880"/>
-            <a:ext cx="1656184" cy="369332"/>
-          </a:xfrm>
-          <a:prstGeom prst="rect">
-            <a:avLst/>
-          </a:prstGeom>
-          <a:solidFill>
-            <a:schemeClr val="tx1">
-              <a:alpha val="81000"/>
-            </a:schemeClr>
-          </a:solidFill>
-        </p:spPr>
-        <p:txBody>
-          <a:bodyPr wrap="square" rtlCol="0">
-            <a:spAutoFit/>
-          </a:bodyPr>
-          <a:lstStyle/>
-          <a:p>
-            <a:r>
-              <a:rPr lang="en-CA" dirty="0" smtClean="0">
-                <a:solidFill>
-                  <a:srgbClr val="FF0000"/>
-                </a:solidFill>
-              </a:rPr>
-              <a:t>Imp object</a:t>
-            </a:r>
-            <a:endParaRPr lang="en-CA" dirty="0">
-              <a:solidFill>
-                <a:srgbClr val="FF0000"/>
-              </a:solidFill>
-            </a:endParaRPr>
+            <a:pPr marL="0" indent="0">
+              <a:buNone/>
+            </a:pPr>
+            <a:r>
+              <a:rPr lang="en-CA" dirty="0" smtClean="0"/>
+              <a:t>If we knew more about our current fishery, if our operating model was more certain (e.g. a narrower range of natural mortality rate) then perhaps we could use an MP that will perform better?</a:t>
+            </a:r>
+          </a:p>
+          <a:p>
+            <a:pPr marL="0" indent="0">
+              <a:buNone/>
+            </a:pPr>
+            <a:endParaRPr lang="en-CA" sz="1200" dirty="0"/>
+          </a:p>
+          <a:p>
+            <a:pPr marL="0" indent="0">
+              <a:buNone/>
+            </a:pPr>
+            <a:r>
+              <a:rPr lang="en-CA" dirty="0" smtClean="0"/>
+              <a:t>This is the cost of current uncertainties and it is similar to VOI analysis. Rather than observation model parameters it correlates performance with the conditions of the operating model to identify simulated conditions over which performance varies. </a:t>
+            </a:r>
+            <a:endParaRPr lang="en-CA" dirty="0" smtClean="0"/>
+          </a:p>
+          <a:p>
+            <a:pPr marL="0" indent="0">
+              <a:buNone/>
+            </a:pPr>
+            <a:endParaRPr lang="en-CA" sz="1400" dirty="0" smtClean="0"/>
+          </a:p>
+          <a:p>
+            <a:pPr marL="0" indent="0">
+              <a:buNone/>
+            </a:pPr>
+            <a:r>
+              <a:rPr lang="en-CA" dirty="0" smtClean="0"/>
+              <a:t>When VOI is run  these CCU plots re actually formed first…</a:t>
+            </a:r>
+            <a:endParaRPr lang="en-CA" dirty="0"/>
+          </a:p>
+          <a:p>
+            <a:pPr marL="0" indent="0">
+              <a:buNone/>
+            </a:pPr>
+            <a:endParaRPr lang="en-CA" dirty="0"/>
           </a:p>
         </p:txBody>
       </p:sp>
     </p:spTree>
     <p:extLst>
       <p:ext uri="{BB962C8B-B14F-4D97-AF65-F5344CB8AC3E}">
-        <p14:creationId xmlns:p14="http://schemas.microsoft.com/office/powerpoint/2010/main" val="978332352"/>
+        <p14:creationId xmlns:p14="http://schemas.microsoft.com/office/powerpoint/2010/main" val="2552549900"/>
       </p:ext>
     </p:extLst>
   </p:cSld>
@@ -9860,301 +9099,9 @@
   <p:timing>
     <p:tnLst>
       <p:par>
-        <p:cTn id="1" dur="indefinite" restart="never" nodeType="tmRoot">
-          <p:childTnLst>
-            <p:seq concurrent="1" nextAc="seek">
-              <p:cTn id="2" dur="indefinite" nodeType="mainSeq">
-                <p:childTnLst>
-                  <p:par>
-                    <p:cTn id="3" fill="hold">
-                      <p:stCondLst>
-                        <p:cond delay="indefinite"/>
-                      </p:stCondLst>
-                      <p:childTnLst>
-                        <p:par>
-                          <p:cTn id="4" fill="hold">
-                            <p:stCondLst>
-                              <p:cond delay="0"/>
-                            </p:stCondLst>
-                            <p:childTnLst>
-                              <p:par>
-                                <p:cTn id="5" presetID="10" presetClass="entr" presetSubtype="0" fill="hold" nodeType="clickEffect">
-                                  <p:stCondLst>
-                                    <p:cond delay="0"/>
-                                  </p:stCondLst>
-                                  <p:childTnLst>
-                                    <p:set>
-                                      <p:cBhvr>
-                                        <p:cTn id="6" dur="1" fill="hold">
-                                          <p:stCondLst>
-                                            <p:cond delay="0"/>
-                                          </p:stCondLst>
-                                        </p:cTn>
-                                        <p:tgtEl>
-                                          <p:spTgt spid="5"/>
-                                        </p:tgtEl>
-                                        <p:attrNameLst>
-                                          <p:attrName>style.visibility</p:attrName>
-                                        </p:attrNameLst>
-                                      </p:cBhvr>
-                                      <p:to>
-                                        <p:strVal val="visible"/>
-                                      </p:to>
-                                    </p:set>
-                                    <p:animEffect transition="in" filter="fade">
-                                      <p:cBhvr>
-                                        <p:cTn id="7" dur="500"/>
-                                        <p:tgtEl>
-                                          <p:spTgt spid="5"/>
-                                        </p:tgtEl>
-                                      </p:cBhvr>
-                                    </p:animEffect>
-                                  </p:childTnLst>
-                                </p:cTn>
-                              </p:par>
-                              <p:par>
-                                <p:cTn id="8" presetID="10" presetClass="entr" presetSubtype="0" fill="hold" grpId="0" nodeType="withEffect">
-                                  <p:stCondLst>
-                                    <p:cond delay="0"/>
-                                  </p:stCondLst>
-                                  <p:childTnLst>
-                                    <p:set>
-                                      <p:cBhvr>
-                                        <p:cTn id="9" dur="1" fill="hold">
-                                          <p:stCondLst>
-                                            <p:cond delay="0"/>
-                                          </p:stCondLst>
-                                        </p:cTn>
-                                        <p:tgtEl>
-                                          <p:spTgt spid="10"/>
-                                        </p:tgtEl>
-                                        <p:attrNameLst>
-                                          <p:attrName>style.visibility</p:attrName>
-                                        </p:attrNameLst>
-                                      </p:cBhvr>
-                                      <p:to>
-                                        <p:strVal val="visible"/>
-                                      </p:to>
-                                    </p:set>
-                                    <p:animEffect transition="in" filter="fade">
-                                      <p:cBhvr>
-                                        <p:cTn id="10" dur="500"/>
-                                        <p:tgtEl>
-                                          <p:spTgt spid="10"/>
-                                        </p:tgtEl>
-                                      </p:cBhvr>
-                                    </p:animEffect>
-                                  </p:childTnLst>
-                                </p:cTn>
-                              </p:par>
-                            </p:childTnLst>
-                          </p:cTn>
-                        </p:par>
-                      </p:childTnLst>
-                    </p:cTn>
-                  </p:par>
-                  <p:par>
-                    <p:cTn id="11" fill="hold">
-                      <p:stCondLst>
-                        <p:cond delay="indefinite"/>
-                      </p:stCondLst>
-                      <p:childTnLst>
-                        <p:par>
-                          <p:cTn id="12" fill="hold">
-                            <p:stCondLst>
-                              <p:cond delay="0"/>
-                            </p:stCondLst>
-                            <p:childTnLst>
-                              <p:par>
-                                <p:cTn id="13" presetID="10" presetClass="entr" presetSubtype="0" fill="hold" nodeType="clickEffect">
-                                  <p:stCondLst>
-                                    <p:cond delay="0"/>
-                                  </p:stCondLst>
-                                  <p:childTnLst>
-                                    <p:set>
-                                      <p:cBhvr>
-                                        <p:cTn id="14" dur="1" fill="hold">
-                                          <p:stCondLst>
-                                            <p:cond delay="0"/>
-                                          </p:stCondLst>
-                                        </p:cTn>
-                                        <p:tgtEl>
-                                          <p:spTgt spid="6"/>
-                                        </p:tgtEl>
-                                        <p:attrNameLst>
-                                          <p:attrName>style.visibility</p:attrName>
-                                        </p:attrNameLst>
-                                      </p:cBhvr>
-                                      <p:to>
-                                        <p:strVal val="visible"/>
-                                      </p:to>
-                                    </p:set>
-                                    <p:animEffect transition="in" filter="fade">
-                                      <p:cBhvr>
-                                        <p:cTn id="15" dur="500"/>
-                                        <p:tgtEl>
-                                          <p:spTgt spid="6"/>
-                                        </p:tgtEl>
-                                      </p:cBhvr>
-                                    </p:animEffect>
-                                  </p:childTnLst>
-                                </p:cTn>
-                              </p:par>
-                              <p:par>
-                                <p:cTn id="16" presetID="10" presetClass="entr" presetSubtype="0" fill="hold" grpId="0" nodeType="withEffect">
-                                  <p:stCondLst>
-                                    <p:cond delay="0"/>
-                                  </p:stCondLst>
-                                  <p:childTnLst>
-                                    <p:set>
-                                      <p:cBhvr>
-                                        <p:cTn id="17" dur="1" fill="hold">
-                                          <p:stCondLst>
-                                            <p:cond delay="0"/>
-                                          </p:stCondLst>
-                                        </p:cTn>
-                                        <p:tgtEl>
-                                          <p:spTgt spid="11"/>
-                                        </p:tgtEl>
-                                        <p:attrNameLst>
-                                          <p:attrName>style.visibility</p:attrName>
-                                        </p:attrNameLst>
-                                      </p:cBhvr>
-                                      <p:to>
-                                        <p:strVal val="visible"/>
-                                      </p:to>
-                                    </p:set>
-                                    <p:animEffect transition="in" filter="fade">
-                                      <p:cBhvr>
-                                        <p:cTn id="18" dur="500"/>
-                                        <p:tgtEl>
-                                          <p:spTgt spid="11"/>
-                                        </p:tgtEl>
-                                      </p:cBhvr>
-                                    </p:animEffect>
-                                  </p:childTnLst>
-                                </p:cTn>
-                              </p:par>
-                            </p:childTnLst>
-                          </p:cTn>
-                        </p:par>
-                      </p:childTnLst>
-                    </p:cTn>
-                  </p:par>
-                  <p:par>
-                    <p:cTn id="19" fill="hold">
-                      <p:stCondLst>
-                        <p:cond delay="indefinite"/>
-                      </p:stCondLst>
-                      <p:childTnLst>
-                        <p:par>
-                          <p:cTn id="20" fill="hold">
-                            <p:stCondLst>
-                              <p:cond delay="0"/>
-                            </p:stCondLst>
-                            <p:childTnLst>
-                              <p:par>
-                                <p:cTn id="21" presetID="10" presetClass="entr" presetSubtype="0" fill="hold" nodeType="clickEffect">
-                                  <p:stCondLst>
-                                    <p:cond delay="0"/>
-                                  </p:stCondLst>
-                                  <p:childTnLst>
-                                    <p:set>
-                                      <p:cBhvr>
-                                        <p:cTn id="22" dur="1" fill="hold">
-                                          <p:stCondLst>
-                                            <p:cond delay="0"/>
-                                          </p:stCondLst>
-                                        </p:cTn>
-                                        <p:tgtEl>
-                                          <p:spTgt spid="7"/>
-                                        </p:tgtEl>
-                                        <p:attrNameLst>
-                                          <p:attrName>style.visibility</p:attrName>
-                                        </p:attrNameLst>
-                                      </p:cBhvr>
-                                      <p:to>
-                                        <p:strVal val="visible"/>
-                                      </p:to>
-                                    </p:set>
-                                    <p:animEffect transition="in" filter="fade">
-                                      <p:cBhvr>
-                                        <p:cTn id="23" dur="500"/>
-                                        <p:tgtEl>
-                                          <p:spTgt spid="7"/>
-                                        </p:tgtEl>
-                                      </p:cBhvr>
-                                    </p:animEffect>
-                                  </p:childTnLst>
-                                </p:cTn>
-                              </p:par>
-                              <p:par>
-                                <p:cTn id="24" presetID="10" presetClass="entr" presetSubtype="0" fill="hold" grpId="0" nodeType="withEffect">
-                                  <p:stCondLst>
-                                    <p:cond delay="0"/>
-                                  </p:stCondLst>
-                                  <p:childTnLst>
-                                    <p:set>
-                                      <p:cBhvr>
-                                        <p:cTn id="25" dur="1" fill="hold">
-                                          <p:stCondLst>
-                                            <p:cond delay="0"/>
-                                          </p:stCondLst>
-                                        </p:cTn>
-                                        <p:tgtEl>
-                                          <p:spTgt spid="12"/>
-                                        </p:tgtEl>
-                                        <p:attrNameLst>
-                                          <p:attrName>style.visibility</p:attrName>
-                                        </p:attrNameLst>
-                                      </p:cBhvr>
-                                      <p:to>
-                                        <p:strVal val="visible"/>
-                                      </p:to>
-                                    </p:set>
-                                    <p:animEffect transition="in" filter="fade">
-                                      <p:cBhvr>
-                                        <p:cTn id="26" dur="500"/>
-                                        <p:tgtEl>
-                                          <p:spTgt spid="12"/>
-                                        </p:tgtEl>
-                                      </p:cBhvr>
-                                    </p:animEffect>
-                                  </p:childTnLst>
-                                </p:cTn>
-                              </p:par>
-                            </p:childTnLst>
-                          </p:cTn>
-                        </p:par>
-                      </p:childTnLst>
-                    </p:cTn>
-                  </p:par>
-                </p:childTnLst>
-              </p:cTn>
-              <p:prevCondLst>
-                <p:cond evt="onPrev" delay="0">
-                  <p:tgtEl>
-                    <p:sldTgt/>
-                  </p:tgtEl>
-                </p:cond>
-              </p:prevCondLst>
-              <p:nextCondLst>
-                <p:cond evt="onNext" delay="0">
-                  <p:tgtEl>
-                    <p:sldTgt/>
-                  </p:tgtEl>
-                </p:cond>
-              </p:nextCondLst>
-            </p:seq>
-          </p:childTnLst>
-        </p:cTn>
+        <p:cTn id="1" dur="indefinite" restart="never" nodeType="tmRoot"/>
       </p:par>
     </p:tnLst>
-    <p:bldLst>
-      <p:bldP spid="10" grpId="0" animBg="1"/>
-      <p:bldP spid="11" grpId="0" animBg="1"/>
-      <p:bldP spid="12" grpId="0" animBg="1"/>
-    </p:bldLst>
   </p:timing>
 </p:sld>
 </file>
@@ -10178,44 +9125,135 @@
       </p:grpSpPr>
       <p:sp>
         <p:nvSpPr>
-          <p:cNvPr id="4" name="Rectangle 3"/>
-          <p:cNvSpPr/>
-          <p:nvPr/>
+          <p:cNvPr id="2" name="Title 1"/>
+          <p:cNvSpPr>
+            <a:spLocks noGrp="1"/>
+          </p:cNvSpPr>
+          <p:nvPr>
+            <p:ph type="title"/>
+          </p:nvPr>
         </p:nvSpPr>
         <p:spPr>
           <a:xfrm>
-            <a:off x="391986" y="259527"/>
-            <a:ext cx="6988326" cy="461665"/>
+            <a:off x="323528" y="242221"/>
+            <a:ext cx="7886700" cy="1098547"/>
+          </a:xfrm>
+        </p:spPr>
+        <p:txBody>
+          <a:bodyPr>
+            <a:normAutofit/>
+          </a:bodyPr>
+          <a:lstStyle/>
+          <a:p>
+            <a:r>
+              <a:rPr lang="en-CA" sz="2400" dirty="0" smtClean="0">
+                <a:solidFill>
+                  <a:srgbClr val="00B050"/>
+                </a:solidFill>
+              </a:rPr>
+              <a:t>VOI(</a:t>
+            </a:r>
+            <a:r>
+              <a:rPr lang="en-CA" sz="2400" dirty="0" err="1" smtClean="0">
+                <a:solidFill>
+                  <a:srgbClr val="00B050"/>
+                </a:solidFill>
+              </a:rPr>
+              <a:t>myMSE</a:t>
+            </a:r>
+            <a:r>
+              <a:rPr lang="en-CA" sz="2400" dirty="0" smtClean="0">
+                <a:solidFill>
+                  <a:srgbClr val="00B050"/>
+                </a:solidFill>
+              </a:rPr>
+              <a:t>)</a:t>
+            </a:r>
+            <a:endParaRPr lang="en-CA" sz="2400" dirty="0">
+              <a:solidFill>
+                <a:srgbClr val="00B050"/>
+              </a:solidFill>
+            </a:endParaRPr>
+          </a:p>
+        </p:txBody>
+      </p:sp>
+      <p:sp>
+        <p:nvSpPr>
+          <p:cNvPr id="5" name="TextBox 4"/>
+          <p:cNvSpPr txBox="1"/>
+          <p:nvPr/>
+        </p:nvSpPr>
+        <p:spPr>
+          <a:xfrm>
+            <a:off x="1259632" y="6149856"/>
+            <a:ext cx="6840760" cy="369332"/>
           </a:xfrm>
           <a:prstGeom prst="rect">
             <a:avLst/>
           </a:prstGeom>
+          <a:noFill/>
         </p:spPr>
         <p:txBody>
-          <a:bodyPr wrap="square">
+          <a:bodyPr wrap="square" rtlCol="0">
             <a:spAutoFit/>
           </a:bodyPr>
           <a:lstStyle/>
           <a:p>
             <a:r>
-              <a:rPr lang="en-CA" sz="2400" dirty="0" smtClean="0">
-                <a:solidFill>
-                  <a:srgbClr val="0070C0"/>
+              <a:rPr lang="en-CA" dirty="0" smtClean="0">
+                <a:solidFill>
+                  <a:srgbClr val="FF0000"/>
                 </a:solidFill>
               </a:rPr>
-              <a:t>Alternatively each object can be specified in a CSV file: </a:t>
-            </a:r>
-            <a:endParaRPr lang="en-CA" sz="2400" dirty="0">
+              <a:t>More critical</a:t>
+            </a:r>
+            <a:endParaRPr lang="en-CA" dirty="0">
               <a:solidFill>
-                <a:srgbClr val="0070C0"/>
+                <a:srgbClr val="FF0000"/>
               </a:solidFill>
             </a:endParaRPr>
           </a:p>
         </p:txBody>
       </p:sp>
+      <p:cxnSp>
+        <p:nvCxnSpPr>
+          <p:cNvPr id="7" name="Straight Arrow Connector 6"/>
+          <p:cNvCxnSpPr/>
+          <p:nvPr/>
+        </p:nvCxnSpPr>
+        <p:spPr>
+          <a:xfrm flipH="1">
+            <a:off x="2699792" y="6334522"/>
+            <a:ext cx="1872208" cy="0"/>
+          </a:xfrm>
+          <a:prstGeom prst="straightConnector1">
+            <a:avLst/>
+          </a:prstGeom>
+          <a:ln w="44450">
+            <a:solidFill>
+              <a:srgbClr val="FF0000"/>
+            </a:solidFill>
+            <a:tailEnd type="triangle"/>
+          </a:ln>
+        </p:spPr>
+        <p:style>
+          <a:lnRef idx="1">
+            <a:schemeClr val="accent1"/>
+          </a:lnRef>
+          <a:fillRef idx="0">
+            <a:schemeClr val="accent1"/>
+          </a:fillRef>
+          <a:effectRef idx="0">
+            <a:schemeClr val="accent1"/>
+          </a:effectRef>
+          <a:fontRef idx="minor">
+            <a:schemeClr val="tx1"/>
+          </a:fontRef>
+        </p:style>
+      </p:cxnSp>
       <p:pic>
         <p:nvPicPr>
-          <p:cNvPr id="6" name="Picture 5"/>
+          <p:cNvPr id="3" name="Picture 2"/>
           <p:cNvPicPr>
             <a:picLocks noChangeAspect="1"/>
           </p:cNvPicPr>
@@ -10229,660 +9267,24 @@
         </p:blipFill>
         <p:spPr>
           <a:xfrm>
-            <a:off x="179512" y="1268760"/>
-            <a:ext cx="2219325" cy="5419725"/>
+            <a:off x="-27712" y="1089668"/>
+            <a:ext cx="8976306" cy="4875523"/>
           </a:xfrm>
           <a:prstGeom prst="rect">
             <a:avLst/>
           </a:prstGeom>
         </p:spPr>
       </p:pic>
-      <p:pic>
-        <p:nvPicPr>
-          <p:cNvPr id="7" name="Picture 6"/>
-          <p:cNvPicPr>
-            <a:picLocks noChangeAspect="1"/>
-          </p:cNvPicPr>
-          <p:nvPr/>
-        </p:nvPicPr>
-        <p:blipFill>
-          <a:blip r:embed="rId3"/>
-          <a:stretch>
-            <a:fillRect/>
-          </a:stretch>
-        </p:blipFill>
-        <p:spPr>
-          <a:xfrm>
-            <a:off x="2483768" y="2348880"/>
-            <a:ext cx="2143125" cy="2752725"/>
-          </a:xfrm>
-          <a:prstGeom prst="rect">
-            <a:avLst/>
-          </a:prstGeom>
-        </p:spPr>
-      </p:pic>
-      <p:pic>
-        <p:nvPicPr>
-          <p:cNvPr id="8" name="Picture 7"/>
-          <p:cNvPicPr>
-            <a:picLocks noChangeAspect="1"/>
-          </p:cNvPicPr>
-          <p:nvPr/>
-        </p:nvPicPr>
-        <p:blipFill>
-          <a:blip r:embed="rId4"/>
-          <a:stretch>
-            <a:fillRect/>
-          </a:stretch>
-        </p:blipFill>
-        <p:spPr>
-          <a:xfrm>
-            <a:off x="4711824" y="3364496"/>
-            <a:ext cx="2124075" cy="6067425"/>
-          </a:xfrm>
-          <a:prstGeom prst="rect">
-            <a:avLst/>
-          </a:prstGeom>
-        </p:spPr>
-      </p:pic>
-      <p:pic>
-        <p:nvPicPr>
-          <p:cNvPr id="9" name="Picture 8"/>
-          <p:cNvPicPr>
-            <a:picLocks noChangeAspect="1"/>
-          </p:cNvPicPr>
-          <p:nvPr/>
-        </p:nvPicPr>
-        <p:blipFill>
-          <a:blip r:embed="rId5"/>
-          <a:stretch>
-            <a:fillRect/>
-          </a:stretch>
-        </p:blipFill>
-        <p:spPr>
-          <a:xfrm>
-            <a:off x="6941115" y="4509120"/>
-            <a:ext cx="2162175" cy="2009775"/>
-          </a:xfrm>
-          <a:prstGeom prst="rect">
-            <a:avLst/>
-          </a:prstGeom>
-        </p:spPr>
-      </p:pic>
-      <p:sp>
-        <p:nvSpPr>
-          <p:cNvPr id="10" name="TextBox 9"/>
-          <p:cNvSpPr txBox="1"/>
-          <p:nvPr/>
-        </p:nvSpPr>
-        <p:spPr>
-          <a:xfrm>
-            <a:off x="1043608" y="810310"/>
-            <a:ext cx="1656184" cy="369332"/>
-          </a:xfrm>
-          <a:prstGeom prst="rect">
-            <a:avLst/>
-          </a:prstGeom>
-          <a:solidFill>
-            <a:schemeClr val="tx1">
-              <a:alpha val="81000"/>
-            </a:schemeClr>
-          </a:solidFill>
-        </p:spPr>
-        <p:txBody>
-          <a:bodyPr wrap="square" rtlCol="0">
-            <a:spAutoFit/>
-          </a:bodyPr>
-          <a:lstStyle/>
-          <a:p>
-            <a:r>
-              <a:rPr lang="en-CA" dirty="0" smtClean="0">
-                <a:solidFill>
-                  <a:srgbClr val="FF0000"/>
-                </a:solidFill>
-              </a:rPr>
-              <a:t>Stock object</a:t>
-            </a:r>
-            <a:endParaRPr lang="en-CA" dirty="0">
-              <a:solidFill>
-                <a:srgbClr val="FF0000"/>
-              </a:solidFill>
-            </a:endParaRPr>
-          </a:p>
-        </p:txBody>
-      </p:sp>
-      <p:sp>
-        <p:nvSpPr>
-          <p:cNvPr id="11" name="TextBox 10"/>
-          <p:cNvSpPr txBox="1"/>
-          <p:nvPr/>
-        </p:nvSpPr>
-        <p:spPr>
-          <a:xfrm>
-            <a:off x="3275856" y="1968369"/>
-            <a:ext cx="1656184" cy="369332"/>
-          </a:xfrm>
-          <a:prstGeom prst="rect">
-            <a:avLst/>
-          </a:prstGeom>
-          <a:solidFill>
-            <a:schemeClr val="tx1">
-              <a:alpha val="81000"/>
-            </a:schemeClr>
-          </a:solidFill>
-        </p:spPr>
-        <p:txBody>
-          <a:bodyPr wrap="square" rtlCol="0">
-            <a:spAutoFit/>
-          </a:bodyPr>
-          <a:lstStyle/>
-          <a:p>
-            <a:r>
-              <a:rPr lang="en-CA" dirty="0" smtClean="0">
-                <a:solidFill>
-                  <a:srgbClr val="FF0000"/>
-                </a:solidFill>
-              </a:rPr>
-              <a:t>Fleet object</a:t>
-            </a:r>
-            <a:endParaRPr lang="en-CA" dirty="0">
-              <a:solidFill>
-                <a:srgbClr val="FF0000"/>
-              </a:solidFill>
-            </a:endParaRPr>
-          </a:p>
-        </p:txBody>
-      </p:sp>
-      <p:sp>
-        <p:nvSpPr>
-          <p:cNvPr id="12" name="TextBox 11"/>
-          <p:cNvSpPr txBox="1"/>
-          <p:nvPr/>
-        </p:nvSpPr>
-        <p:spPr>
-          <a:xfrm>
-            <a:off x="5580112" y="2988065"/>
-            <a:ext cx="1656184" cy="369332"/>
-          </a:xfrm>
-          <a:prstGeom prst="rect">
-            <a:avLst/>
-          </a:prstGeom>
-          <a:solidFill>
-            <a:schemeClr val="tx1">
-              <a:alpha val="81000"/>
-            </a:schemeClr>
-          </a:solidFill>
-        </p:spPr>
-        <p:txBody>
-          <a:bodyPr wrap="square" rtlCol="0">
-            <a:spAutoFit/>
-          </a:bodyPr>
-          <a:lstStyle/>
-          <a:p>
-            <a:r>
-              <a:rPr lang="en-CA" dirty="0" err="1" smtClean="0">
-                <a:solidFill>
-                  <a:srgbClr val="FF0000"/>
-                </a:solidFill>
-              </a:rPr>
-              <a:t>Obs</a:t>
-            </a:r>
-            <a:r>
-              <a:rPr lang="en-CA" dirty="0" smtClean="0">
-                <a:solidFill>
-                  <a:srgbClr val="FF0000"/>
-                </a:solidFill>
-              </a:rPr>
-              <a:t> object</a:t>
-            </a:r>
-            <a:endParaRPr lang="en-CA" dirty="0">
-              <a:solidFill>
-                <a:srgbClr val="FF0000"/>
-              </a:solidFill>
-            </a:endParaRPr>
-          </a:p>
-        </p:txBody>
-      </p:sp>
-      <p:sp>
-        <p:nvSpPr>
-          <p:cNvPr id="13" name="TextBox 12"/>
-          <p:cNvSpPr txBox="1"/>
-          <p:nvPr/>
-        </p:nvSpPr>
-        <p:spPr>
-          <a:xfrm>
-            <a:off x="7740352" y="4139788"/>
-            <a:ext cx="1656184" cy="369332"/>
-          </a:xfrm>
-          <a:prstGeom prst="rect">
-            <a:avLst/>
-          </a:prstGeom>
-          <a:solidFill>
-            <a:schemeClr val="tx1">
-              <a:alpha val="81000"/>
-            </a:schemeClr>
-          </a:solidFill>
-        </p:spPr>
-        <p:txBody>
-          <a:bodyPr wrap="square" rtlCol="0">
-            <a:spAutoFit/>
-          </a:bodyPr>
-          <a:lstStyle/>
-          <a:p>
-            <a:r>
-              <a:rPr lang="en-CA" dirty="0" smtClean="0">
-                <a:solidFill>
-                  <a:srgbClr val="FF0000"/>
-                </a:solidFill>
-              </a:rPr>
-              <a:t>Imp object</a:t>
-            </a:r>
-            <a:endParaRPr lang="en-CA" dirty="0">
-              <a:solidFill>
-                <a:srgbClr val="FF0000"/>
-              </a:solidFill>
-            </a:endParaRPr>
-          </a:p>
-        </p:txBody>
-      </p:sp>
     </p:spTree>
     <p:extLst>
       <p:ext uri="{BB962C8B-B14F-4D97-AF65-F5344CB8AC3E}">
-        <p14:creationId xmlns:p14="http://schemas.microsoft.com/office/powerpoint/2010/main" val="2209175626"/>
+        <p14:creationId xmlns:p14="http://schemas.microsoft.com/office/powerpoint/2010/main" val="1314641870"/>
       </p:ext>
     </p:extLst>
   </p:cSld>
   <p:clrMapOvr>
     <a:masterClrMapping/>
   </p:clrMapOvr>
-  <p:timing>
-    <p:tnLst>
-      <p:par>
-        <p:cTn id="1" dur="indefinite" restart="never" nodeType="tmRoot">
-          <p:childTnLst>
-            <p:seq concurrent="1" nextAc="seek">
-              <p:cTn id="2" dur="indefinite" nodeType="mainSeq">
-                <p:childTnLst>
-                  <p:par>
-                    <p:cTn id="3" fill="hold">
-                      <p:stCondLst>
-                        <p:cond delay="indefinite"/>
-                      </p:stCondLst>
-                      <p:childTnLst>
-                        <p:par>
-                          <p:cTn id="4" fill="hold">
-                            <p:stCondLst>
-                              <p:cond delay="0"/>
-                            </p:stCondLst>
-                            <p:childTnLst>
-                              <p:par>
-                                <p:cTn id="5" presetID="10" presetClass="entr" presetSubtype="0" fill="hold" grpId="0" nodeType="clickEffect">
-                                  <p:stCondLst>
-                                    <p:cond delay="0"/>
-                                  </p:stCondLst>
-                                  <p:childTnLst>
-                                    <p:set>
-                                      <p:cBhvr>
-                                        <p:cTn id="6" dur="1" fill="hold">
-                                          <p:stCondLst>
-                                            <p:cond delay="0"/>
-                                          </p:stCondLst>
-                                        </p:cTn>
-                                        <p:tgtEl>
-                                          <p:spTgt spid="10"/>
-                                        </p:tgtEl>
-                                        <p:attrNameLst>
-                                          <p:attrName>style.visibility</p:attrName>
-                                        </p:attrNameLst>
-                                      </p:cBhvr>
-                                      <p:to>
-                                        <p:strVal val="visible"/>
-                                      </p:to>
-                                    </p:set>
-                                    <p:animEffect transition="in" filter="fade">
-                                      <p:cBhvr>
-                                        <p:cTn id="7" dur="500"/>
-                                        <p:tgtEl>
-                                          <p:spTgt spid="10"/>
-                                        </p:tgtEl>
-                                      </p:cBhvr>
-                                    </p:animEffect>
-                                  </p:childTnLst>
-                                </p:cTn>
-                              </p:par>
-                              <p:par>
-                                <p:cTn id="8" presetID="10" presetClass="entr" presetSubtype="0" fill="hold" nodeType="withEffect">
-                                  <p:stCondLst>
-                                    <p:cond delay="0"/>
-                                  </p:stCondLst>
-                                  <p:childTnLst>
-                                    <p:set>
-                                      <p:cBhvr>
-                                        <p:cTn id="9" dur="1" fill="hold">
-                                          <p:stCondLst>
-                                            <p:cond delay="0"/>
-                                          </p:stCondLst>
-                                        </p:cTn>
-                                        <p:tgtEl>
-                                          <p:spTgt spid="6"/>
-                                        </p:tgtEl>
-                                        <p:attrNameLst>
-                                          <p:attrName>style.visibility</p:attrName>
-                                        </p:attrNameLst>
-                                      </p:cBhvr>
-                                      <p:to>
-                                        <p:strVal val="visible"/>
-                                      </p:to>
-                                    </p:set>
-                                    <p:animEffect transition="in" filter="fade">
-                                      <p:cBhvr>
-                                        <p:cTn id="10" dur="500"/>
-                                        <p:tgtEl>
-                                          <p:spTgt spid="6"/>
-                                        </p:tgtEl>
-                                      </p:cBhvr>
-                                    </p:animEffect>
-                                  </p:childTnLst>
-                                </p:cTn>
-                              </p:par>
-                            </p:childTnLst>
-                          </p:cTn>
-                        </p:par>
-                      </p:childTnLst>
-                    </p:cTn>
-                  </p:par>
-                  <p:par>
-                    <p:cTn id="11" fill="hold">
-                      <p:stCondLst>
-                        <p:cond delay="indefinite"/>
-                      </p:stCondLst>
-                      <p:childTnLst>
-                        <p:par>
-                          <p:cTn id="12" fill="hold">
-                            <p:stCondLst>
-                              <p:cond delay="0"/>
-                            </p:stCondLst>
-                            <p:childTnLst>
-                              <p:par>
-                                <p:cTn id="13" presetID="10" presetClass="entr" presetSubtype="0" fill="hold" grpId="0" nodeType="clickEffect">
-                                  <p:stCondLst>
-                                    <p:cond delay="0"/>
-                                  </p:stCondLst>
-                                  <p:childTnLst>
-                                    <p:set>
-                                      <p:cBhvr>
-                                        <p:cTn id="14" dur="1" fill="hold">
-                                          <p:stCondLst>
-                                            <p:cond delay="0"/>
-                                          </p:stCondLst>
-                                        </p:cTn>
-                                        <p:tgtEl>
-                                          <p:spTgt spid="11"/>
-                                        </p:tgtEl>
-                                        <p:attrNameLst>
-                                          <p:attrName>style.visibility</p:attrName>
-                                        </p:attrNameLst>
-                                      </p:cBhvr>
-                                      <p:to>
-                                        <p:strVal val="visible"/>
-                                      </p:to>
-                                    </p:set>
-                                    <p:animEffect transition="in" filter="fade">
-                                      <p:cBhvr>
-                                        <p:cTn id="15" dur="500"/>
-                                        <p:tgtEl>
-                                          <p:spTgt spid="11"/>
-                                        </p:tgtEl>
-                                      </p:cBhvr>
-                                    </p:animEffect>
-                                  </p:childTnLst>
-                                </p:cTn>
-                              </p:par>
-                              <p:par>
-                                <p:cTn id="16" presetID="10" presetClass="entr" presetSubtype="0" fill="hold" nodeType="withEffect">
-                                  <p:stCondLst>
-                                    <p:cond delay="0"/>
-                                  </p:stCondLst>
-                                  <p:childTnLst>
-                                    <p:set>
-                                      <p:cBhvr>
-                                        <p:cTn id="17" dur="1" fill="hold">
-                                          <p:stCondLst>
-                                            <p:cond delay="0"/>
-                                          </p:stCondLst>
-                                        </p:cTn>
-                                        <p:tgtEl>
-                                          <p:spTgt spid="7"/>
-                                        </p:tgtEl>
-                                        <p:attrNameLst>
-                                          <p:attrName>style.visibility</p:attrName>
-                                        </p:attrNameLst>
-                                      </p:cBhvr>
-                                      <p:to>
-                                        <p:strVal val="visible"/>
-                                      </p:to>
-                                    </p:set>
-                                    <p:animEffect transition="in" filter="fade">
-                                      <p:cBhvr>
-                                        <p:cTn id="18" dur="500"/>
-                                        <p:tgtEl>
-                                          <p:spTgt spid="7"/>
-                                        </p:tgtEl>
-                                      </p:cBhvr>
-                                    </p:animEffect>
-                                  </p:childTnLst>
-                                </p:cTn>
-                              </p:par>
-                            </p:childTnLst>
-                          </p:cTn>
-                        </p:par>
-                      </p:childTnLst>
-                    </p:cTn>
-                  </p:par>
-                  <p:par>
-                    <p:cTn id="19" fill="hold">
-                      <p:stCondLst>
-                        <p:cond delay="indefinite"/>
-                      </p:stCondLst>
-                      <p:childTnLst>
-                        <p:par>
-                          <p:cTn id="20" fill="hold">
-                            <p:stCondLst>
-                              <p:cond delay="0"/>
-                            </p:stCondLst>
-                            <p:childTnLst>
-                              <p:par>
-                                <p:cTn id="21" presetID="10" presetClass="entr" presetSubtype="0" fill="hold" grpId="0" nodeType="clickEffect">
-                                  <p:stCondLst>
-                                    <p:cond delay="0"/>
-                                  </p:stCondLst>
-                                  <p:childTnLst>
-                                    <p:set>
-                                      <p:cBhvr>
-                                        <p:cTn id="22" dur="1" fill="hold">
-                                          <p:stCondLst>
-                                            <p:cond delay="0"/>
-                                          </p:stCondLst>
-                                        </p:cTn>
-                                        <p:tgtEl>
-                                          <p:spTgt spid="12"/>
-                                        </p:tgtEl>
-                                        <p:attrNameLst>
-                                          <p:attrName>style.visibility</p:attrName>
-                                        </p:attrNameLst>
-                                      </p:cBhvr>
-                                      <p:to>
-                                        <p:strVal val="visible"/>
-                                      </p:to>
-                                    </p:set>
-                                    <p:animEffect transition="in" filter="fade">
-                                      <p:cBhvr>
-                                        <p:cTn id="23" dur="500"/>
-                                        <p:tgtEl>
-                                          <p:spTgt spid="12"/>
-                                        </p:tgtEl>
-                                      </p:cBhvr>
-                                    </p:animEffect>
-                                  </p:childTnLst>
-                                </p:cTn>
-                              </p:par>
-                              <p:par>
-                                <p:cTn id="24" presetID="10" presetClass="entr" presetSubtype="0" fill="hold" nodeType="withEffect">
-                                  <p:stCondLst>
-                                    <p:cond delay="0"/>
-                                  </p:stCondLst>
-                                  <p:childTnLst>
-                                    <p:set>
-                                      <p:cBhvr>
-                                        <p:cTn id="25" dur="1" fill="hold">
-                                          <p:stCondLst>
-                                            <p:cond delay="0"/>
-                                          </p:stCondLst>
-                                        </p:cTn>
-                                        <p:tgtEl>
-                                          <p:spTgt spid="8"/>
-                                        </p:tgtEl>
-                                        <p:attrNameLst>
-                                          <p:attrName>style.visibility</p:attrName>
-                                        </p:attrNameLst>
-                                      </p:cBhvr>
-                                      <p:to>
-                                        <p:strVal val="visible"/>
-                                      </p:to>
-                                    </p:set>
-                                    <p:animEffect transition="in" filter="fade">
-                                      <p:cBhvr>
-                                        <p:cTn id="26" dur="500"/>
-                                        <p:tgtEl>
-                                          <p:spTgt spid="8"/>
-                                        </p:tgtEl>
-                                      </p:cBhvr>
-                                    </p:animEffect>
-                                  </p:childTnLst>
-                                </p:cTn>
-                              </p:par>
-                            </p:childTnLst>
-                          </p:cTn>
-                        </p:par>
-                      </p:childTnLst>
-                    </p:cTn>
-                  </p:par>
-                  <p:par>
-                    <p:cTn id="27" fill="hold">
-                      <p:stCondLst>
-                        <p:cond delay="indefinite"/>
-                      </p:stCondLst>
-                      <p:childTnLst>
-                        <p:par>
-                          <p:cTn id="28" fill="hold">
-                            <p:stCondLst>
-                              <p:cond delay="0"/>
-                            </p:stCondLst>
-                            <p:childTnLst>
-                              <p:par>
-                                <p:cTn id="29" presetID="10" presetClass="entr" presetSubtype="0" fill="hold" grpId="0" nodeType="clickEffect">
-                                  <p:stCondLst>
-                                    <p:cond delay="0"/>
-                                  </p:stCondLst>
-                                  <p:childTnLst>
-                                    <p:set>
-                                      <p:cBhvr>
-                                        <p:cTn id="30" dur="1" fill="hold">
-                                          <p:stCondLst>
-                                            <p:cond delay="0"/>
-                                          </p:stCondLst>
-                                        </p:cTn>
-                                        <p:tgtEl>
-                                          <p:spTgt spid="13"/>
-                                        </p:tgtEl>
-                                        <p:attrNameLst>
-                                          <p:attrName>style.visibility</p:attrName>
-                                        </p:attrNameLst>
-                                      </p:cBhvr>
-                                      <p:to>
-                                        <p:strVal val="visible"/>
-                                      </p:to>
-                                    </p:set>
-                                    <p:animEffect transition="in" filter="fade">
-                                      <p:cBhvr>
-                                        <p:cTn id="31" dur="500"/>
-                                        <p:tgtEl>
-                                          <p:spTgt spid="13"/>
-                                        </p:tgtEl>
-                                      </p:cBhvr>
-                                    </p:animEffect>
-                                  </p:childTnLst>
-                                </p:cTn>
-                              </p:par>
-                              <p:par>
-                                <p:cTn id="32" presetID="10" presetClass="entr" presetSubtype="0" fill="hold" nodeType="withEffect">
-                                  <p:stCondLst>
-                                    <p:cond delay="0"/>
-                                  </p:stCondLst>
-                                  <p:childTnLst>
-                                    <p:set>
-                                      <p:cBhvr>
-                                        <p:cTn id="33" dur="1" fill="hold">
-                                          <p:stCondLst>
-                                            <p:cond delay="0"/>
-                                          </p:stCondLst>
-                                        </p:cTn>
-                                        <p:tgtEl>
-                                          <p:spTgt spid="9"/>
-                                        </p:tgtEl>
-                                        <p:attrNameLst>
-                                          <p:attrName>style.visibility</p:attrName>
-                                        </p:attrNameLst>
-                                      </p:cBhvr>
-                                      <p:to>
-                                        <p:strVal val="visible"/>
-                                      </p:to>
-                                    </p:set>
-                                    <p:animEffect transition="in" filter="fade">
-                                      <p:cBhvr>
-                                        <p:cTn id="34" dur="500"/>
-                                        <p:tgtEl>
-                                          <p:spTgt spid="9"/>
-                                        </p:tgtEl>
-                                      </p:cBhvr>
-                                    </p:animEffect>
-                                  </p:childTnLst>
-                                </p:cTn>
-                              </p:par>
-                            </p:childTnLst>
-                          </p:cTn>
-                        </p:par>
-                      </p:childTnLst>
-                    </p:cTn>
-                  </p:par>
-                </p:childTnLst>
-              </p:cTn>
-              <p:prevCondLst>
-                <p:cond evt="onPrev" delay="0">
-                  <p:tgtEl>
-                    <p:sldTgt/>
-                  </p:tgtEl>
-                </p:cond>
-              </p:prevCondLst>
-              <p:nextCondLst>
-                <p:cond evt="onNext" delay="0">
-                  <p:tgtEl>
-                    <p:sldTgt/>
-                  </p:tgtEl>
-                </p:cond>
-              </p:nextCondLst>
-            </p:seq>
-          </p:childTnLst>
-        </p:cTn>
-      </p:par>
-    </p:tnLst>
-    <p:bldLst>
-      <p:bldP spid="10" grpId="0" animBg="1"/>
-      <p:bldP spid="11" grpId="0" animBg="1"/>
-      <p:bldP spid="12" grpId="0" animBg="1"/>
-      <p:bldP spid="13" grpId="0" animBg="1"/>
-    </p:bldLst>
-  </p:timing>
 </p:sld>
 </file>
 
@@ -10913,1921 +9315,127 @@
             <p:ph type="title"/>
           </p:nvPr>
         </p:nvSpPr>
-        <p:spPr>
-          <a:xfrm>
-            <a:off x="467544" y="692696"/>
-            <a:ext cx="7886700" cy="831627"/>
-          </a:xfrm>
-        </p:spPr>
-        <p:txBody>
-          <a:bodyPr>
-            <a:normAutofit/>
-          </a:bodyPr>
-          <a:lstStyle/>
-          <a:p>
-            <a:r>
-              <a:rPr lang="en-CA" sz="2400" dirty="0" smtClean="0">
-                <a:solidFill>
-                  <a:srgbClr val="0070C0"/>
-                </a:solidFill>
-              </a:rPr>
-              <a:t>CSV files can be handy and are easy to import into DLMtool:</a:t>
-            </a:r>
-            <a:endParaRPr lang="en-CA" sz="2400" dirty="0">
-              <a:solidFill>
-                <a:srgbClr val="0070C0"/>
-              </a:solidFill>
-            </a:endParaRPr>
-          </a:p>
-        </p:txBody>
-      </p:sp>
-      <p:sp>
-        <p:nvSpPr>
-          <p:cNvPr id="5" name="Content Placeholder 2"/>
-          <p:cNvSpPr>
-            <a:spLocks noGrp="1"/>
-          </p:cNvSpPr>
-          <p:nvPr>
-            <p:ph idx="1"/>
-          </p:nvPr>
-        </p:nvSpPr>
-        <p:spPr>
-          <a:xfrm>
-            <a:off x="755576" y="1412776"/>
-            <a:ext cx="6972300" cy="4752528"/>
-          </a:xfrm>
-        </p:spPr>
+        <p:spPr/>
         <p:txBody>
           <a:bodyPr/>
           <a:lstStyle/>
           <a:p>
-            <a:pPr marL="0" indent="0" eaLnBrk="1" hangingPunct="1">
-              <a:spcBef>
-                <a:spcPts val="1200"/>
-              </a:spcBef>
-              <a:spcAft>
-                <a:spcPts val="600"/>
-              </a:spcAft>
-              <a:buFont typeface="Arial" panose="020B0604020202020204" pitchFamily="34" charset="0"/>
+            <a:r>
+              <a:rPr lang="en-CA" dirty="0" smtClean="0"/>
+              <a:t>Getting help</a:t>
+            </a:r>
+            <a:endParaRPr lang="en-CA" dirty="0"/>
+          </a:p>
+        </p:txBody>
+      </p:sp>
+      <p:sp>
+        <p:nvSpPr>
+          <p:cNvPr id="3" name="Content Placeholder 2"/>
+          <p:cNvSpPr>
+            <a:spLocks noGrp="1"/>
+          </p:cNvSpPr>
+          <p:nvPr>
+            <p:ph idx="1"/>
+          </p:nvPr>
+        </p:nvSpPr>
+        <p:spPr/>
+        <p:txBody>
+          <a:bodyPr/>
+          <a:lstStyle/>
+          <a:p>
+            <a:pPr marL="0" indent="0">
               <a:buNone/>
             </a:pPr>
             <a:r>
-              <a:rPr lang="en-CA" altLang="en-US" sz="2200" dirty="0" smtClean="0">
+              <a:rPr lang="en-CA" dirty="0" smtClean="0"/>
+              <a:t>R help:                                           </a:t>
+            </a:r>
+            <a:r>
+              <a:rPr lang="en-CA" dirty="0" err="1" smtClean="0">
                 <a:solidFill>
                   <a:srgbClr val="00B050"/>
                 </a:solidFill>
               </a:rPr>
-              <a:t>Albacore = new(‘Stock’, ’C:/</a:t>
-            </a:r>
-            <a:r>
-              <a:rPr lang="en-CA" altLang="en-US" sz="2200" dirty="0" err="1" smtClean="0">
+              <a:t>class?Output</a:t>
+            </a:r>
+            <a:r>
+              <a:rPr lang="en-CA" dirty="0" smtClean="0">
                 <a:solidFill>
                   <a:srgbClr val="00B050"/>
                 </a:solidFill>
               </a:rPr>
-              <a:t>mydata</a:t>
-            </a:r>
-            <a:r>
-              <a:rPr lang="en-CA" altLang="en-US" sz="2200" dirty="0" smtClean="0">
+              <a:t> </a:t>
+            </a:r>
+          </a:p>
+          <a:p>
+            <a:pPr marL="0" indent="0">
+              <a:buNone/>
+            </a:pPr>
+            <a:r>
+              <a:rPr lang="en-CA" dirty="0" smtClean="0">
                 <a:solidFill>
                   <a:srgbClr val="00B050"/>
                 </a:solidFill>
               </a:rPr>
-              <a:t>/Albacore.csv’)</a:t>
-            </a:r>
-          </a:p>
-          <a:p>
-            <a:pPr marL="0" indent="0" eaLnBrk="1" hangingPunct="1">
-              <a:spcBef>
-                <a:spcPts val="1200"/>
-              </a:spcBef>
-              <a:spcAft>
-                <a:spcPts val="600"/>
-              </a:spcAft>
-              <a:buFont typeface="Arial" panose="020B0604020202020204" pitchFamily="34" charset="0"/>
-              <a:buNone/>
-            </a:pPr>
-            <a:r>
-              <a:rPr lang="en-CA" altLang="en-US" sz="2200" dirty="0" smtClean="0">
+              <a:t>					</a:t>
+            </a:r>
+            <a:r>
+              <a:rPr lang="en-CA" dirty="0" err="1" smtClean="0">
                 <a:solidFill>
                   <a:srgbClr val="00B050"/>
                 </a:solidFill>
               </a:rPr>
-              <a:t>Longline = new(‘Fleet’, ‘C:/</a:t>
-            </a:r>
-            <a:r>
-              <a:rPr lang="en-CA" altLang="en-US" sz="2200" dirty="0" err="1" smtClean="0">
-                <a:solidFill>
-                  <a:srgbClr val="00B050"/>
-                </a:solidFill>
-              </a:rPr>
-              <a:t>mydata</a:t>
-            </a:r>
-            <a:r>
-              <a:rPr lang="en-CA" altLang="en-US" sz="2200" dirty="0" smtClean="0">
-                <a:solidFill>
-                  <a:srgbClr val="00B050"/>
-                </a:solidFill>
-              </a:rPr>
-              <a:t>/Longline.csv’)</a:t>
-            </a:r>
-          </a:p>
-          <a:p>
-            <a:pPr marL="0" indent="0" eaLnBrk="1" hangingPunct="1">
-              <a:spcBef>
-                <a:spcPts val="1200"/>
-              </a:spcBef>
-              <a:spcAft>
-                <a:spcPts val="600"/>
-              </a:spcAft>
-              <a:buNone/>
-            </a:pPr>
-            <a:r>
-              <a:rPr lang="en-CA" altLang="en-US" sz="2200" dirty="0" err="1" smtClean="0">
-                <a:solidFill>
-                  <a:srgbClr val="00B050"/>
-                </a:solidFill>
-              </a:rPr>
-              <a:t>ICCATobs</a:t>
-            </a:r>
-            <a:r>
-              <a:rPr lang="en-CA" altLang="en-US" sz="2200" dirty="0" smtClean="0">
-                <a:solidFill>
-                  <a:srgbClr val="00B050"/>
-                </a:solidFill>
-              </a:rPr>
-              <a:t> = new(‘</a:t>
-            </a:r>
-            <a:r>
-              <a:rPr lang="en-CA" altLang="en-US" sz="2200" dirty="0" err="1" smtClean="0">
-                <a:solidFill>
-                  <a:srgbClr val="00B050"/>
-                </a:solidFill>
-              </a:rPr>
-              <a:t>Obs</a:t>
-            </a:r>
-            <a:r>
-              <a:rPr lang="en-CA" altLang="en-US" sz="2200" dirty="0" smtClean="0">
-                <a:solidFill>
-                  <a:srgbClr val="00B050"/>
-                </a:solidFill>
-              </a:rPr>
-              <a:t>’, </a:t>
-            </a:r>
-            <a:r>
-              <a:rPr lang="en-CA" altLang="en-US" sz="2200" dirty="0">
-                <a:solidFill>
-                  <a:srgbClr val="00B050"/>
-                </a:solidFill>
-              </a:rPr>
-              <a:t>‘C:/</a:t>
-            </a:r>
-            <a:r>
-              <a:rPr lang="en-CA" altLang="en-US" sz="2200" dirty="0" err="1" smtClean="0">
-                <a:solidFill>
-                  <a:srgbClr val="00B050"/>
-                </a:solidFill>
-              </a:rPr>
-              <a:t>mydata</a:t>
-            </a:r>
-            <a:r>
-              <a:rPr lang="en-CA" altLang="en-US" sz="2200" dirty="0" smtClean="0">
-                <a:solidFill>
-                  <a:srgbClr val="00B050"/>
-                </a:solidFill>
-              </a:rPr>
-              <a:t>/ICCATobs.csv</a:t>
-            </a:r>
-            <a:r>
-              <a:rPr lang="en-CA" altLang="en-US" sz="2200" dirty="0">
-                <a:solidFill>
-                  <a:srgbClr val="00B050"/>
-                </a:solidFill>
-              </a:rPr>
-              <a:t>’)</a:t>
-            </a:r>
-          </a:p>
-          <a:p>
-            <a:pPr marL="0" indent="0" eaLnBrk="1" hangingPunct="1">
-              <a:spcBef>
-                <a:spcPts val="1200"/>
-              </a:spcBef>
-              <a:spcAft>
-                <a:spcPts val="600"/>
-              </a:spcAft>
-              <a:buNone/>
-            </a:pPr>
-            <a:r>
-              <a:rPr lang="en-CA" altLang="en-US" sz="2200" dirty="0" smtClean="0">
-                <a:solidFill>
-                  <a:srgbClr val="00B050"/>
-                </a:solidFill>
-              </a:rPr>
-              <a:t>Overages = </a:t>
-            </a:r>
-            <a:r>
-              <a:rPr lang="en-CA" altLang="en-US" sz="2200" dirty="0">
-                <a:solidFill>
-                  <a:srgbClr val="00B050"/>
-                </a:solidFill>
-              </a:rPr>
-              <a:t>new</a:t>
-            </a:r>
-            <a:r>
-              <a:rPr lang="en-CA" altLang="en-US" sz="2200" dirty="0" smtClean="0">
-                <a:solidFill>
-                  <a:srgbClr val="00B050"/>
-                </a:solidFill>
-              </a:rPr>
-              <a:t>(‘Imp’, </a:t>
-            </a:r>
-            <a:r>
-              <a:rPr lang="en-CA" altLang="en-US" sz="2200" dirty="0">
-                <a:solidFill>
-                  <a:srgbClr val="00B050"/>
-                </a:solidFill>
-              </a:rPr>
-              <a:t>‘C:/</a:t>
-            </a:r>
-            <a:r>
-              <a:rPr lang="en-CA" altLang="en-US" sz="2200" dirty="0" err="1" smtClean="0">
-                <a:solidFill>
-                  <a:srgbClr val="00B050"/>
-                </a:solidFill>
-              </a:rPr>
-              <a:t>mydata</a:t>
-            </a:r>
-            <a:r>
-              <a:rPr lang="en-CA" altLang="en-US" sz="2200" dirty="0" smtClean="0">
-                <a:solidFill>
-                  <a:srgbClr val="00B050"/>
-                </a:solidFill>
-              </a:rPr>
-              <a:t>/Overages.csv</a:t>
-            </a:r>
-            <a:r>
-              <a:rPr lang="en-CA" altLang="en-US" sz="2200" dirty="0">
-                <a:solidFill>
-                  <a:srgbClr val="00B050"/>
-                </a:solidFill>
-              </a:rPr>
-              <a:t>’)</a:t>
-            </a:r>
-          </a:p>
-          <a:p>
-            <a:pPr marL="0" indent="0" eaLnBrk="1" hangingPunct="1">
-              <a:spcBef>
-                <a:spcPts val="1200"/>
-              </a:spcBef>
-              <a:buFont typeface="Arial" panose="020B0604020202020204" pitchFamily="34" charset="0"/>
-              <a:buNone/>
-            </a:pPr>
-            <a:endParaRPr lang="en-CA" altLang="en-US" sz="2200" dirty="0" smtClean="0">
+              <a:t>class?Input</a:t>
+            </a:r>
+            <a:endParaRPr lang="en-CA" dirty="0" smtClean="0">
               <a:solidFill>
                 <a:srgbClr val="00B050"/>
               </a:solidFill>
             </a:endParaRPr>
           </a:p>
           <a:p>
-            <a:pPr marL="0" indent="0" eaLnBrk="1" hangingPunct="1">
-              <a:spcBef>
-                <a:spcPts val="1200"/>
-              </a:spcBef>
-              <a:buFont typeface="Arial" panose="020B0604020202020204" pitchFamily="34" charset="0"/>
+            <a:pPr marL="0" indent="0">
               <a:buNone/>
             </a:pPr>
-            <a:endParaRPr lang="en-CA" altLang="en-US" sz="2200" dirty="0" smtClean="0">
+            <a:r>
+              <a:rPr lang="en-CA" dirty="0" smtClean="0">
+                <a:solidFill>
+                  <a:srgbClr val="00B050"/>
+                </a:solidFill>
+              </a:rPr>
+              <a:t>					?Converge</a:t>
+            </a:r>
+          </a:p>
+          <a:p>
+            <a:pPr marL="0" indent="0">
+              <a:buNone/>
+            </a:pPr>
+            <a:r>
+              <a:rPr lang="en-CA" dirty="0" smtClean="0">
+                <a:solidFill>
+                  <a:srgbClr val="00B050"/>
+                </a:solidFill>
+              </a:rPr>
+              <a:t>					?VOI</a:t>
+            </a:r>
+            <a:endParaRPr lang="en-CA" dirty="0">
               <a:solidFill>
                 <a:srgbClr val="00B050"/>
               </a:solidFill>
             </a:endParaRPr>
           </a:p>
-          <a:p>
-            <a:pPr marL="0" indent="0" eaLnBrk="1" hangingPunct="1">
-              <a:spcBef>
-                <a:spcPts val="1200"/>
-              </a:spcBef>
-              <a:buFont typeface="Arial" panose="020B0604020202020204" pitchFamily="34" charset="0"/>
-              <a:buNone/>
-            </a:pPr>
-            <a:endParaRPr lang="en-CA" altLang="en-US" sz="2200" dirty="0" smtClean="0">
-              <a:solidFill>
-                <a:srgbClr val="00B050"/>
-              </a:solidFill>
-            </a:endParaRPr>
-          </a:p>
-          <a:p>
-            <a:pPr marL="0" indent="0" eaLnBrk="1" hangingPunct="1">
-              <a:spcBef>
-                <a:spcPts val="400"/>
-              </a:spcBef>
-              <a:buFont typeface="Arial" panose="020B0604020202020204" pitchFamily="34" charset="0"/>
-              <a:buNone/>
-            </a:pPr>
-            <a:r>
-              <a:rPr lang="en-CA" altLang="en-US" sz="2200" dirty="0" err="1" smtClean="0">
-                <a:solidFill>
-                  <a:srgbClr val="00B050"/>
-                </a:solidFill>
-              </a:rPr>
-              <a:t>myOM</a:t>
-            </a:r>
-            <a:r>
-              <a:rPr lang="en-CA" altLang="en-US" sz="2200" dirty="0" smtClean="0">
-                <a:solidFill>
-                  <a:srgbClr val="00B050"/>
-                </a:solidFill>
-              </a:rPr>
-              <a:t> = new(‘OM’, Albacore, </a:t>
-            </a:r>
-          </a:p>
-          <a:p>
-            <a:pPr marL="0" indent="0" eaLnBrk="1" hangingPunct="1">
-              <a:spcBef>
-                <a:spcPts val="400"/>
-              </a:spcBef>
-              <a:buFont typeface="Arial" panose="020B0604020202020204" pitchFamily="34" charset="0"/>
-              <a:buNone/>
-            </a:pPr>
-            <a:r>
-              <a:rPr lang="en-CA" altLang="en-US" sz="2200" dirty="0" smtClean="0">
-                <a:solidFill>
-                  <a:srgbClr val="00B050"/>
-                </a:solidFill>
-              </a:rPr>
-              <a:t>			  Longline, </a:t>
-            </a:r>
-          </a:p>
-          <a:p>
-            <a:pPr marL="0" indent="0" eaLnBrk="1" hangingPunct="1">
-              <a:spcBef>
-                <a:spcPts val="400"/>
-              </a:spcBef>
-              <a:buFont typeface="Arial" panose="020B0604020202020204" pitchFamily="34" charset="0"/>
-              <a:buNone/>
-            </a:pPr>
-            <a:r>
-              <a:rPr lang="en-CA" altLang="en-US" sz="2200" dirty="0" smtClean="0">
-                <a:solidFill>
-                  <a:srgbClr val="00B050"/>
-                </a:solidFill>
-              </a:rPr>
-              <a:t>			  </a:t>
-            </a:r>
-            <a:r>
-              <a:rPr lang="en-CA" altLang="en-US" sz="2200" dirty="0" err="1" smtClean="0">
-                <a:solidFill>
-                  <a:srgbClr val="00B050"/>
-                </a:solidFill>
-              </a:rPr>
-              <a:t>ICCATobs</a:t>
-            </a:r>
-            <a:r>
-              <a:rPr lang="en-CA" altLang="en-US" sz="2200" dirty="0" smtClean="0">
-                <a:solidFill>
-                  <a:srgbClr val="00B050"/>
-                </a:solidFill>
-              </a:rPr>
-              <a:t>, </a:t>
-            </a:r>
-          </a:p>
-          <a:p>
-            <a:pPr marL="0" indent="0" eaLnBrk="1" hangingPunct="1">
-              <a:spcBef>
-                <a:spcPts val="400"/>
-              </a:spcBef>
-              <a:buFont typeface="Arial" panose="020B0604020202020204" pitchFamily="34" charset="0"/>
-              <a:buNone/>
-            </a:pPr>
-            <a:r>
-              <a:rPr lang="en-CA" altLang="en-US" sz="2200" dirty="0" smtClean="0">
-                <a:solidFill>
-                  <a:srgbClr val="00B050"/>
-                </a:solidFill>
-              </a:rPr>
-              <a:t>			  Overages)</a:t>
-            </a:r>
-          </a:p>
-        </p:txBody>
-      </p:sp>
-      <p:sp>
-        <p:nvSpPr>
-          <p:cNvPr id="6" name="Title 1"/>
-          <p:cNvSpPr txBox="1">
-            <a:spLocks/>
-          </p:cNvSpPr>
-          <p:nvPr/>
-        </p:nvSpPr>
-        <p:spPr bwMode="auto">
-          <a:xfrm>
-            <a:off x="467544" y="3861048"/>
-            <a:ext cx="7886700" cy="831627"/>
-          </a:xfrm>
-          <a:prstGeom prst="rect">
-            <a:avLst/>
-          </a:prstGeom>
-          <a:noFill/>
-          <a:ln>
-            <a:noFill/>
-          </a:ln>
-          <a:extLst>
-            <a:ext uri="{909E8E84-426E-40DD-AFC4-6F175D3DCCD1}">
-              <a14:hiddenFill xmlns:a14="http://schemas.microsoft.com/office/drawing/2010/main">
-                <a:solidFill>
-                  <a:srgbClr val="FFFFFF"/>
-                </a:solidFill>
-              </a14:hiddenFill>
-            </a:ext>
-            <a:ext uri="{91240B29-F687-4F45-9708-019B960494DF}">
-              <a14:hiddenLine xmlns:a14="http://schemas.microsoft.com/office/drawing/2010/main" w="9525">
-                <a:solidFill>
-                  <a:srgbClr val="000000"/>
-                </a:solidFill>
-                <a:miter lim="800000"/>
-                <a:headEnd/>
-                <a:tailEnd/>
-              </a14:hiddenLine>
-            </a:ext>
-          </a:extLst>
-        </p:spPr>
-        <p:txBody>
-          <a:bodyPr vert="horz" wrap="square" lIns="91440" tIns="45720" rIns="91440" bIns="45720" numCol="1" anchor="ctr" anchorCtr="0" compatLnSpc="1">
-            <a:prstTxWarp prst="textNoShape">
-              <a:avLst/>
-            </a:prstTxWarp>
-            <a:normAutofit/>
-          </a:bodyPr>
-          <a:lstStyle>
-            <a:lvl1pPr algn="l" defTabSz="685800" rtl="0" eaLnBrk="0" fontAlgn="base" hangingPunct="0">
-              <a:lnSpc>
-                <a:spcPct val="90000"/>
-              </a:lnSpc>
-              <a:spcBef>
-                <a:spcPct val="0"/>
-              </a:spcBef>
-              <a:spcAft>
-                <a:spcPct val="0"/>
-              </a:spcAft>
-              <a:defRPr sz="3200" kern="1200">
-                <a:solidFill>
-                  <a:srgbClr val="2EB1E6"/>
-                </a:solidFill>
-                <a:latin typeface="+mj-lt"/>
-                <a:ea typeface="+mj-ea"/>
-                <a:cs typeface="+mj-cs"/>
-              </a:defRPr>
-            </a:lvl1pPr>
-            <a:lvl2pPr algn="l" defTabSz="685800" rtl="0" eaLnBrk="0" fontAlgn="base" hangingPunct="0">
-              <a:lnSpc>
-                <a:spcPct val="90000"/>
-              </a:lnSpc>
-              <a:spcBef>
-                <a:spcPct val="0"/>
-              </a:spcBef>
-              <a:spcAft>
-                <a:spcPct val="0"/>
-              </a:spcAft>
-              <a:defRPr sz="4400">
-                <a:solidFill>
-                  <a:srgbClr val="36B6E7"/>
-                </a:solidFill>
-                <a:latin typeface="Corbel" pitchFamily="34" charset="0"/>
-              </a:defRPr>
-            </a:lvl2pPr>
-            <a:lvl3pPr algn="l" defTabSz="685800" rtl="0" eaLnBrk="0" fontAlgn="base" hangingPunct="0">
-              <a:lnSpc>
-                <a:spcPct val="90000"/>
-              </a:lnSpc>
-              <a:spcBef>
-                <a:spcPct val="0"/>
-              </a:spcBef>
-              <a:spcAft>
-                <a:spcPct val="0"/>
-              </a:spcAft>
-              <a:defRPr sz="4400">
-                <a:solidFill>
-                  <a:srgbClr val="36B6E7"/>
-                </a:solidFill>
-                <a:latin typeface="Corbel" pitchFamily="34" charset="0"/>
-              </a:defRPr>
-            </a:lvl3pPr>
-            <a:lvl4pPr algn="l" defTabSz="685800" rtl="0" eaLnBrk="0" fontAlgn="base" hangingPunct="0">
-              <a:lnSpc>
-                <a:spcPct val="90000"/>
-              </a:lnSpc>
-              <a:spcBef>
-                <a:spcPct val="0"/>
-              </a:spcBef>
-              <a:spcAft>
-                <a:spcPct val="0"/>
-              </a:spcAft>
-              <a:defRPr sz="4400">
-                <a:solidFill>
-                  <a:srgbClr val="36B6E7"/>
-                </a:solidFill>
-                <a:latin typeface="Corbel" pitchFamily="34" charset="0"/>
-              </a:defRPr>
-            </a:lvl4pPr>
-            <a:lvl5pPr algn="l" defTabSz="685800" rtl="0" eaLnBrk="0" fontAlgn="base" hangingPunct="0">
-              <a:lnSpc>
-                <a:spcPct val="90000"/>
-              </a:lnSpc>
-              <a:spcBef>
-                <a:spcPct val="0"/>
-              </a:spcBef>
-              <a:spcAft>
-                <a:spcPct val="0"/>
-              </a:spcAft>
-              <a:defRPr sz="4400">
-                <a:solidFill>
-                  <a:srgbClr val="36B6E7"/>
-                </a:solidFill>
-                <a:latin typeface="Corbel" pitchFamily="34" charset="0"/>
-              </a:defRPr>
-            </a:lvl5pPr>
-            <a:lvl6pPr marL="457200" algn="l" defTabSz="685800" rtl="0" fontAlgn="base">
-              <a:lnSpc>
-                <a:spcPct val="90000"/>
-              </a:lnSpc>
-              <a:spcBef>
-                <a:spcPct val="0"/>
-              </a:spcBef>
-              <a:spcAft>
-                <a:spcPct val="0"/>
-              </a:spcAft>
-              <a:defRPr sz="4400">
-                <a:solidFill>
-                  <a:srgbClr val="36B6E7"/>
-                </a:solidFill>
-                <a:latin typeface="Corbel" pitchFamily="34" charset="0"/>
-              </a:defRPr>
-            </a:lvl6pPr>
-            <a:lvl7pPr marL="914400" algn="l" defTabSz="685800" rtl="0" fontAlgn="base">
-              <a:lnSpc>
-                <a:spcPct val="90000"/>
-              </a:lnSpc>
-              <a:spcBef>
-                <a:spcPct val="0"/>
-              </a:spcBef>
-              <a:spcAft>
-                <a:spcPct val="0"/>
-              </a:spcAft>
-              <a:defRPr sz="4400">
-                <a:solidFill>
-                  <a:srgbClr val="36B6E7"/>
-                </a:solidFill>
-                <a:latin typeface="Corbel" pitchFamily="34" charset="0"/>
-              </a:defRPr>
-            </a:lvl7pPr>
-            <a:lvl8pPr marL="1371600" algn="l" defTabSz="685800" rtl="0" fontAlgn="base">
-              <a:lnSpc>
-                <a:spcPct val="90000"/>
-              </a:lnSpc>
-              <a:spcBef>
-                <a:spcPct val="0"/>
-              </a:spcBef>
-              <a:spcAft>
-                <a:spcPct val="0"/>
-              </a:spcAft>
-              <a:defRPr sz="4400">
-                <a:solidFill>
-                  <a:srgbClr val="36B6E7"/>
-                </a:solidFill>
-                <a:latin typeface="Corbel" pitchFamily="34" charset="0"/>
-              </a:defRPr>
-            </a:lvl8pPr>
-            <a:lvl9pPr marL="1828800" algn="l" defTabSz="685800" rtl="0" fontAlgn="base">
-              <a:lnSpc>
-                <a:spcPct val="90000"/>
-              </a:lnSpc>
-              <a:spcBef>
-                <a:spcPct val="0"/>
-              </a:spcBef>
-              <a:spcAft>
-                <a:spcPct val="0"/>
-              </a:spcAft>
-              <a:defRPr sz="4400">
-                <a:solidFill>
-                  <a:srgbClr val="36B6E7"/>
-                </a:solidFill>
-                <a:latin typeface="Corbel" pitchFamily="34" charset="0"/>
-              </a:defRPr>
-            </a:lvl9pPr>
-          </a:lstStyle>
-          <a:p>
-            <a:r>
-              <a:rPr lang="en-CA" sz="2400" dirty="0" smtClean="0">
-                <a:solidFill>
-                  <a:srgbClr val="0070C0"/>
-                </a:solidFill>
-              </a:rPr>
-              <a:t>Once imported these objects can be combined in an Operating model:</a:t>
-            </a:r>
-            <a:endParaRPr lang="en-CA" sz="2400" dirty="0">
-              <a:solidFill>
-                <a:srgbClr val="0070C0"/>
-              </a:solidFill>
-            </a:endParaRPr>
-          </a:p>
         </p:txBody>
       </p:sp>
     </p:spTree>
     <p:extLst>
       <p:ext uri="{BB962C8B-B14F-4D97-AF65-F5344CB8AC3E}">
-        <p14:creationId xmlns:p14="http://schemas.microsoft.com/office/powerpoint/2010/main" val="2925199594"/>
+        <p14:creationId xmlns:p14="http://schemas.microsoft.com/office/powerpoint/2010/main" val="3891745275"/>
       </p:ext>
     </p:extLst>
   </p:cSld>
   <p:clrMapOvr>
     <a:masterClrMapping/>
   </p:clrMapOvr>
-  <p:timing>
-    <p:tnLst>
-      <p:par>
-        <p:cTn id="1" dur="indefinite" restart="never" nodeType="tmRoot">
-          <p:childTnLst>
-            <p:seq concurrent="1" nextAc="seek">
-              <p:cTn id="2" dur="indefinite" nodeType="mainSeq">
-                <p:childTnLst>
-                  <p:par>
-                    <p:cTn id="3" fill="hold">
-                      <p:stCondLst>
-                        <p:cond delay="indefinite"/>
-                      </p:stCondLst>
-                      <p:childTnLst>
-                        <p:par>
-                          <p:cTn id="4" fill="hold">
-                            <p:stCondLst>
-                              <p:cond delay="0"/>
-                            </p:stCondLst>
-                            <p:childTnLst>
-                              <p:par>
-                                <p:cTn id="5" presetID="10" presetClass="entr" presetSubtype="0" fill="hold" nodeType="clickEffect">
-                                  <p:stCondLst>
-                                    <p:cond delay="0"/>
-                                  </p:stCondLst>
-                                  <p:childTnLst>
-                                    <p:set>
-                                      <p:cBhvr>
-                                        <p:cTn id="6" dur="1" fill="hold">
-                                          <p:stCondLst>
-                                            <p:cond delay="0"/>
-                                          </p:stCondLst>
-                                        </p:cTn>
-                                        <p:tgtEl>
-                                          <p:spTgt spid="5">
-                                            <p:txEl>
-                                              <p:pRg st="1" end="1"/>
-                                            </p:txEl>
-                                          </p:spTgt>
-                                        </p:tgtEl>
-                                        <p:attrNameLst>
-                                          <p:attrName>style.visibility</p:attrName>
-                                        </p:attrNameLst>
-                                      </p:cBhvr>
-                                      <p:to>
-                                        <p:strVal val="visible"/>
-                                      </p:to>
-                                    </p:set>
-                                    <p:animEffect transition="in" filter="fade">
-                                      <p:cBhvr>
-                                        <p:cTn id="7" dur="500"/>
-                                        <p:tgtEl>
-                                          <p:spTgt spid="5">
-                                            <p:txEl>
-                                              <p:pRg st="1" end="1"/>
-                                            </p:txEl>
-                                          </p:spTgt>
-                                        </p:tgtEl>
-                                      </p:cBhvr>
-                                    </p:animEffect>
-                                  </p:childTnLst>
-                                </p:cTn>
-                              </p:par>
-                            </p:childTnLst>
-                          </p:cTn>
-                        </p:par>
-                      </p:childTnLst>
-                    </p:cTn>
-                  </p:par>
-                  <p:par>
-                    <p:cTn id="8" fill="hold">
-                      <p:stCondLst>
-                        <p:cond delay="indefinite"/>
-                      </p:stCondLst>
-                      <p:childTnLst>
-                        <p:par>
-                          <p:cTn id="9" fill="hold">
-                            <p:stCondLst>
-                              <p:cond delay="0"/>
-                            </p:stCondLst>
-                            <p:childTnLst>
-                              <p:par>
-                                <p:cTn id="10" presetID="10" presetClass="entr" presetSubtype="0" fill="hold" nodeType="clickEffect">
-                                  <p:stCondLst>
-                                    <p:cond delay="0"/>
-                                  </p:stCondLst>
-                                  <p:childTnLst>
-                                    <p:set>
-                                      <p:cBhvr>
-                                        <p:cTn id="11" dur="1" fill="hold">
-                                          <p:stCondLst>
-                                            <p:cond delay="0"/>
-                                          </p:stCondLst>
-                                        </p:cTn>
-                                        <p:tgtEl>
-                                          <p:spTgt spid="5">
-                                            <p:txEl>
-                                              <p:pRg st="2" end="2"/>
-                                            </p:txEl>
-                                          </p:spTgt>
-                                        </p:tgtEl>
-                                        <p:attrNameLst>
-                                          <p:attrName>style.visibility</p:attrName>
-                                        </p:attrNameLst>
-                                      </p:cBhvr>
-                                      <p:to>
-                                        <p:strVal val="visible"/>
-                                      </p:to>
-                                    </p:set>
-                                    <p:animEffect transition="in" filter="fade">
-                                      <p:cBhvr>
-                                        <p:cTn id="12" dur="500"/>
-                                        <p:tgtEl>
-                                          <p:spTgt spid="5">
-                                            <p:txEl>
-                                              <p:pRg st="2" end="2"/>
-                                            </p:txEl>
-                                          </p:spTgt>
-                                        </p:tgtEl>
-                                      </p:cBhvr>
-                                    </p:animEffect>
-                                  </p:childTnLst>
-                                </p:cTn>
-                              </p:par>
-                            </p:childTnLst>
-                          </p:cTn>
-                        </p:par>
-                      </p:childTnLst>
-                    </p:cTn>
-                  </p:par>
-                  <p:par>
-                    <p:cTn id="13" fill="hold">
-                      <p:stCondLst>
-                        <p:cond delay="indefinite"/>
-                      </p:stCondLst>
-                      <p:childTnLst>
-                        <p:par>
-                          <p:cTn id="14" fill="hold">
-                            <p:stCondLst>
-                              <p:cond delay="0"/>
-                            </p:stCondLst>
-                            <p:childTnLst>
-                              <p:par>
-                                <p:cTn id="15" presetID="10" presetClass="entr" presetSubtype="0" fill="hold" nodeType="clickEffect">
-                                  <p:stCondLst>
-                                    <p:cond delay="0"/>
-                                  </p:stCondLst>
-                                  <p:childTnLst>
-                                    <p:set>
-                                      <p:cBhvr>
-                                        <p:cTn id="16" dur="1" fill="hold">
-                                          <p:stCondLst>
-                                            <p:cond delay="0"/>
-                                          </p:stCondLst>
-                                        </p:cTn>
-                                        <p:tgtEl>
-                                          <p:spTgt spid="5">
-                                            <p:txEl>
-                                              <p:pRg st="3" end="3"/>
-                                            </p:txEl>
-                                          </p:spTgt>
-                                        </p:tgtEl>
-                                        <p:attrNameLst>
-                                          <p:attrName>style.visibility</p:attrName>
-                                        </p:attrNameLst>
-                                      </p:cBhvr>
-                                      <p:to>
-                                        <p:strVal val="visible"/>
-                                      </p:to>
-                                    </p:set>
-                                    <p:animEffect transition="in" filter="fade">
-                                      <p:cBhvr>
-                                        <p:cTn id="17" dur="500"/>
-                                        <p:tgtEl>
-                                          <p:spTgt spid="5">
-                                            <p:txEl>
-                                              <p:pRg st="3" end="3"/>
-                                            </p:txEl>
-                                          </p:spTgt>
-                                        </p:tgtEl>
-                                      </p:cBhvr>
-                                    </p:animEffect>
-                                  </p:childTnLst>
-                                </p:cTn>
-                              </p:par>
-                            </p:childTnLst>
-                          </p:cTn>
-                        </p:par>
-                      </p:childTnLst>
-                    </p:cTn>
-                  </p:par>
-                  <p:par>
-                    <p:cTn id="18" fill="hold">
-                      <p:stCondLst>
-                        <p:cond delay="indefinite"/>
-                      </p:stCondLst>
-                      <p:childTnLst>
-                        <p:par>
-                          <p:cTn id="19" fill="hold">
-                            <p:stCondLst>
-                              <p:cond delay="0"/>
-                            </p:stCondLst>
-                            <p:childTnLst>
-                              <p:par>
-                                <p:cTn id="20" presetID="10" presetClass="entr" presetSubtype="0" fill="hold" nodeType="clickEffect">
-                                  <p:stCondLst>
-                                    <p:cond delay="0"/>
-                                  </p:stCondLst>
-                                  <p:childTnLst>
-                                    <p:set>
-                                      <p:cBhvr>
-                                        <p:cTn id="21" dur="1" fill="hold">
-                                          <p:stCondLst>
-                                            <p:cond delay="0"/>
-                                          </p:stCondLst>
-                                        </p:cTn>
-                                        <p:tgtEl>
-                                          <p:spTgt spid="6">
-                                            <p:txEl>
-                                              <p:pRg st="0" end="0"/>
-                                            </p:txEl>
-                                          </p:spTgt>
-                                        </p:tgtEl>
-                                        <p:attrNameLst>
-                                          <p:attrName>style.visibility</p:attrName>
-                                        </p:attrNameLst>
-                                      </p:cBhvr>
-                                      <p:to>
-                                        <p:strVal val="visible"/>
-                                      </p:to>
-                                    </p:set>
-                                    <p:animEffect transition="in" filter="fade">
-                                      <p:cBhvr>
-                                        <p:cTn id="22" dur="500"/>
-                                        <p:tgtEl>
-                                          <p:spTgt spid="6">
-                                            <p:txEl>
-                                              <p:pRg st="0" end="0"/>
-                                            </p:txEl>
-                                          </p:spTgt>
-                                        </p:tgtEl>
-                                      </p:cBhvr>
-                                    </p:animEffect>
-                                  </p:childTnLst>
-                                </p:cTn>
-                              </p:par>
-                            </p:childTnLst>
-                          </p:cTn>
-                        </p:par>
-                      </p:childTnLst>
-                    </p:cTn>
-                  </p:par>
-                  <p:par>
-                    <p:cTn id="23" fill="hold">
-                      <p:stCondLst>
-                        <p:cond delay="indefinite"/>
-                      </p:stCondLst>
-                      <p:childTnLst>
-                        <p:par>
-                          <p:cTn id="24" fill="hold">
-                            <p:stCondLst>
-                              <p:cond delay="0"/>
-                            </p:stCondLst>
-                            <p:childTnLst>
-                              <p:par>
-                                <p:cTn id="25" presetID="10" presetClass="entr" presetSubtype="0" fill="hold" nodeType="clickEffect">
-                                  <p:stCondLst>
-                                    <p:cond delay="0"/>
-                                  </p:stCondLst>
-                                  <p:childTnLst>
-                                    <p:set>
-                                      <p:cBhvr>
-                                        <p:cTn id="26" dur="1" fill="hold">
-                                          <p:stCondLst>
-                                            <p:cond delay="0"/>
-                                          </p:stCondLst>
-                                        </p:cTn>
-                                        <p:tgtEl>
-                                          <p:spTgt spid="5">
-                                            <p:txEl>
-                                              <p:pRg st="7" end="7"/>
-                                            </p:txEl>
-                                          </p:spTgt>
-                                        </p:tgtEl>
-                                        <p:attrNameLst>
-                                          <p:attrName>style.visibility</p:attrName>
-                                        </p:attrNameLst>
-                                      </p:cBhvr>
-                                      <p:to>
-                                        <p:strVal val="visible"/>
-                                      </p:to>
-                                    </p:set>
-                                    <p:animEffect transition="in" filter="fade">
-                                      <p:cBhvr>
-                                        <p:cTn id="27" dur="500"/>
-                                        <p:tgtEl>
-                                          <p:spTgt spid="5">
-                                            <p:txEl>
-                                              <p:pRg st="7" end="7"/>
-                                            </p:txEl>
-                                          </p:spTgt>
-                                        </p:tgtEl>
-                                      </p:cBhvr>
-                                    </p:animEffect>
-                                  </p:childTnLst>
-                                </p:cTn>
-                              </p:par>
-                              <p:par>
-                                <p:cTn id="28" presetID="10" presetClass="entr" presetSubtype="0" fill="hold" nodeType="withEffect">
-                                  <p:stCondLst>
-                                    <p:cond delay="0"/>
-                                  </p:stCondLst>
-                                  <p:childTnLst>
-                                    <p:set>
-                                      <p:cBhvr>
-                                        <p:cTn id="29" dur="1" fill="hold">
-                                          <p:stCondLst>
-                                            <p:cond delay="0"/>
-                                          </p:stCondLst>
-                                        </p:cTn>
-                                        <p:tgtEl>
-                                          <p:spTgt spid="5">
-                                            <p:txEl>
-                                              <p:pRg st="8" end="8"/>
-                                            </p:txEl>
-                                          </p:spTgt>
-                                        </p:tgtEl>
-                                        <p:attrNameLst>
-                                          <p:attrName>style.visibility</p:attrName>
-                                        </p:attrNameLst>
-                                      </p:cBhvr>
-                                      <p:to>
-                                        <p:strVal val="visible"/>
-                                      </p:to>
-                                    </p:set>
-                                    <p:animEffect transition="in" filter="fade">
-                                      <p:cBhvr>
-                                        <p:cTn id="30" dur="500"/>
-                                        <p:tgtEl>
-                                          <p:spTgt spid="5">
-                                            <p:txEl>
-                                              <p:pRg st="8" end="8"/>
-                                            </p:txEl>
-                                          </p:spTgt>
-                                        </p:tgtEl>
-                                      </p:cBhvr>
-                                    </p:animEffect>
-                                  </p:childTnLst>
-                                </p:cTn>
-                              </p:par>
-                              <p:par>
-                                <p:cTn id="31" presetID="10" presetClass="entr" presetSubtype="0" fill="hold" nodeType="withEffect">
-                                  <p:stCondLst>
-                                    <p:cond delay="0"/>
-                                  </p:stCondLst>
-                                  <p:childTnLst>
-                                    <p:set>
-                                      <p:cBhvr>
-                                        <p:cTn id="32" dur="1" fill="hold">
-                                          <p:stCondLst>
-                                            <p:cond delay="0"/>
-                                          </p:stCondLst>
-                                        </p:cTn>
-                                        <p:tgtEl>
-                                          <p:spTgt spid="5">
-                                            <p:txEl>
-                                              <p:pRg st="9" end="9"/>
-                                            </p:txEl>
-                                          </p:spTgt>
-                                        </p:tgtEl>
-                                        <p:attrNameLst>
-                                          <p:attrName>style.visibility</p:attrName>
-                                        </p:attrNameLst>
-                                      </p:cBhvr>
-                                      <p:to>
-                                        <p:strVal val="visible"/>
-                                      </p:to>
-                                    </p:set>
-                                    <p:animEffect transition="in" filter="fade">
-                                      <p:cBhvr>
-                                        <p:cTn id="33" dur="500"/>
-                                        <p:tgtEl>
-                                          <p:spTgt spid="5">
-                                            <p:txEl>
-                                              <p:pRg st="9" end="9"/>
-                                            </p:txEl>
-                                          </p:spTgt>
-                                        </p:tgtEl>
-                                      </p:cBhvr>
-                                    </p:animEffect>
-                                  </p:childTnLst>
-                                </p:cTn>
-                              </p:par>
-                              <p:par>
-                                <p:cTn id="34" presetID="10" presetClass="entr" presetSubtype="0" fill="hold" nodeType="withEffect">
-                                  <p:stCondLst>
-                                    <p:cond delay="0"/>
-                                  </p:stCondLst>
-                                  <p:childTnLst>
-                                    <p:set>
-                                      <p:cBhvr>
-                                        <p:cTn id="35" dur="1" fill="hold">
-                                          <p:stCondLst>
-                                            <p:cond delay="0"/>
-                                          </p:stCondLst>
-                                        </p:cTn>
-                                        <p:tgtEl>
-                                          <p:spTgt spid="5">
-                                            <p:txEl>
-                                              <p:pRg st="10" end="10"/>
-                                            </p:txEl>
-                                          </p:spTgt>
-                                        </p:tgtEl>
-                                        <p:attrNameLst>
-                                          <p:attrName>style.visibility</p:attrName>
-                                        </p:attrNameLst>
-                                      </p:cBhvr>
-                                      <p:to>
-                                        <p:strVal val="visible"/>
-                                      </p:to>
-                                    </p:set>
-                                    <p:animEffect transition="in" filter="fade">
-                                      <p:cBhvr>
-                                        <p:cTn id="36" dur="500"/>
-                                        <p:tgtEl>
-                                          <p:spTgt spid="5">
-                                            <p:txEl>
-                                              <p:pRg st="10" end="10"/>
-                                            </p:txEl>
-                                          </p:spTgt>
-                                        </p:tgtEl>
-                                      </p:cBhvr>
-                                    </p:animEffect>
-                                  </p:childTnLst>
-                                </p:cTn>
-                              </p:par>
-                            </p:childTnLst>
-                          </p:cTn>
-                        </p:par>
-                      </p:childTnLst>
-                    </p:cTn>
-                  </p:par>
-                </p:childTnLst>
-              </p:cTn>
-              <p:prevCondLst>
-                <p:cond evt="onPrev" delay="0">
-                  <p:tgtEl>
-                    <p:sldTgt/>
-                  </p:tgtEl>
-                </p:cond>
-              </p:prevCondLst>
-              <p:nextCondLst>
-                <p:cond evt="onNext" delay="0">
-                  <p:tgtEl>
-                    <p:sldTgt/>
-                  </p:tgtEl>
-                </p:cond>
-              </p:nextCondLst>
-            </p:seq>
-          </p:childTnLst>
-        </p:cTn>
-      </p:par>
-    </p:tnLst>
-  </p:timing>
-</p:sld>
-</file>
-
-<file path=ppt/slides/slide15.xml><?xml version="1.0" encoding="utf-8"?>
-<p:sld xmlns:a="http://schemas.openxmlformats.org/drawingml/2006/main" xmlns:r="http://schemas.openxmlformats.org/officeDocument/2006/relationships" xmlns:p="http://schemas.openxmlformats.org/presentationml/2006/main">
-  <p:cSld>
-    <p:spTree>
-      <p:nvGrpSpPr>
-        <p:cNvPr id="1" name=""/>
-        <p:cNvGrpSpPr/>
-        <p:nvPr/>
-      </p:nvGrpSpPr>
-      <p:grpSpPr>
-        <a:xfrm>
-          <a:off x="0" y="0"/>
-          <a:ext cx="0" cy="0"/>
-          <a:chOff x="0" y="0"/>
-          <a:chExt cx="0" cy="0"/>
-        </a:xfrm>
-      </p:grpSpPr>
-      <p:sp>
-        <p:nvSpPr>
-          <p:cNvPr id="2" name="Title 1"/>
-          <p:cNvSpPr>
-            <a:spLocks noGrp="1"/>
-          </p:cNvSpPr>
-          <p:nvPr>
-            <p:ph type="title"/>
-          </p:nvPr>
-        </p:nvSpPr>
-        <p:spPr>
-          <a:xfrm>
-            <a:off x="827584" y="985249"/>
-            <a:ext cx="7886700" cy="995866"/>
-          </a:xfrm>
-        </p:spPr>
-        <p:txBody>
-          <a:bodyPr>
-            <a:normAutofit/>
-          </a:bodyPr>
-          <a:lstStyle/>
-          <a:p>
-            <a:r>
-              <a:rPr lang="en-CA" sz="2400" dirty="0" smtClean="0">
-                <a:solidFill>
-                  <a:srgbClr val="0070C0"/>
-                </a:solidFill>
-              </a:rPr>
-              <a:t>Changing inputs is simple in the CSV:</a:t>
-            </a:r>
-            <a:endParaRPr lang="en-CA" sz="2400" dirty="0">
-              <a:solidFill>
-                <a:srgbClr val="0070C0"/>
-              </a:solidFill>
-            </a:endParaRPr>
-          </a:p>
-        </p:txBody>
-      </p:sp>
-      <p:pic>
-        <p:nvPicPr>
-          <p:cNvPr id="5" name="Picture 4"/>
-          <p:cNvPicPr>
-            <a:picLocks noChangeAspect="1"/>
-          </p:cNvPicPr>
-          <p:nvPr/>
-        </p:nvPicPr>
-        <p:blipFill rotWithShape="1">
-          <a:blip r:embed="rId2"/>
-          <a:srcRect t="5" b="76747"/>
-          <a:stretch/>
-        </p:blipFill>
-        <p:spPr>
-          <a:xfrm>
-            <a:off x="916682" y="1981115"/>
-            <a:ext cx="2952328" cy="1676155"/>
-          </a:xfrm>
-          <a:prstGeom prst="rect">
-            <a:avLst/>
-          </a:prstGeom>
-        </p:spPr>
-      </p:pic>
-      <p:sp>
-        <p:nvSpPr>
-          <p:cNvPr id="7" name="Title 1"/>
-          <p:cNvSpPr txBox="1">
-            <a:spLocks/>
-          </p:cNvSpPr>
-          <p:nvPr/>
-        </p:nvSpPr>
-        <p:spPr bwMode="auto">
-          <a:xfrm>
-            <a:off x="2267744" y="4653136"/>
-            <a:ext cx="7886700" cy="1325563"/>
-          </a:xfrm>
-          <a:prstGeom prst="rect">
-            <a:avLst/>
-          </a:prstGeom>
-          <a:noFill/>
-          <a:ln>
-            <a:noFill/>
-          </a:ln>
-          <a:extLst>
-            <a:ext uri="{909E8E84-426E-40DD-AFC4-6F175D3DCCD1}">
-              <a14:hiddenFill xmlns:a14="http://schemas.microsoft.com/office/drawing/2010/main">
-                <a:solidFill>
-                  <a:srgbClr val="FFFFFF"/>
-                </a:solidFill>
-              </a14:hiddenFill>
-            </a:ext>
-            <a:ext uri="{91240B29-F687-4F45-9708-019B960494DF}">
-              <a14:hiddenLine xmlns:a14="http://schemas.microsoft.com/office/drawing/2010/main" w="9525">
-                <a:solidFill>
-                  <a:srgbClr val="000000"/>
-                </a:solidFill>
-                <a:miter lim="800000"/>
-                <a:headEnd/>
-                <a:tailEnd/>
-              </a14:hiddenLine>
-            </a:ext>
-          </a:extLst>
-        </p:spPr>
-        <p:txBody>
-          <a:bodyPr vert="horz" wrap="square" lIns="91440" tIns="45720" rIns="91440" bIns="45720" numCol="1" anchor="ctr" anchorCtr="0" compatLnSpc="1">
-            <a:prstTxWarp prst="textNoShape">
-              <a:avLst/>
-            </a:prstTxWarp>
-            <a:normAutofit/>
-          </a:bodyPr>
-          <a:lstStyle>
-            <a:lvl1pPr algn="l" defTabSz="685800" rtl="0" eaLnBrk="0" fontAlgn="base" hangingPunct="0">
-              <a:lnSpc>
-                <a:spcPct val="90000"/>
-              </a:lnSpc>
-              <a:spcBef>
-                <a:spcPct val="0"/>
-              </a:spcBef>
-              <a:spcAft>
-                <a:spcPct val="0"/>
-              </a:spcAft>
-              <a:defRPr sz="3200" kern="1200">
-                <a:solidFill>
-                  <a:srgbClr val="2EB1E6"/>
-                </a:solidFill>
-                <a:latin typeface="+mj-lt"/>
-                <a:ea typeface="+mj-ea"/>
-                <a:cs typeface="+mj-cs"/>
-              </a:defRPr>
-            </a:lvl1pPr>
-            <a:lvl2pPr algn="l" defTabSz="685800" rtl="0" eaLnBrk="0" fontAlgn="base" hangingPunct="0">
-              <a:lnSpc>
-                <a:spcPct val="90000"/>
-              </a:lnSpc>
-              <a:spcBef>
-                <a:spcPct val="0"/>
-              </a:spcBef>
-              <a:spcAft>
-                <a:spcPct val="0"/>
-              </a:spcAft>
-              <a:defRPr sz="4400">
-                <a:solidFill>
-                  <a:srgbClr val="36B6E7"/>
-                </a:solidFill>
-                <a:latin typeface="Corbel" pitchFamily="34" charset="0"/>
-              </a:defRPr>
-            </a:lvl2pPr>
-            <a:lvl3pPr algn="l" defTabSz="685800" rtl="0" eaLnBrk="0" fontAlgn="base" hangingPunct="0">
-              <a:lnSpc>
-                <a:spcPct val="90000"/>
-              </a:lnSpc>
-              <a:spcBef>
-                <a:spcPct val="0"/>
-              </a:spcBef>
-              <a:spcAft>
-                <a:spcPct val="0"/>
-              </a:spcAft>
-              <a:defRPr sz="4400">
-                <a:solidFill>
-                  <a:srgbClr val="36B6E7"/>
-                </a:solidFill>
-                <a:latin typeface="Corbel" pitchFamily="34" charset="0"/>
-              </a:defRPr>
-            </a:lvl3pPr>
-            <a:lvl4pPr algn="l" defTabSz="685800" rtl="0" eaLnBrk="0" fontAlgn="base" hangingPunct="0">
-              <a:lnSpc>
-                <a:spcPct val="90000"/>
-              </a:lnSpc>
-              <a:spcBef>
-                <a:spcPct val="0"/>
-              </a:spcBef>
-              <a:spcAft>
-                <a:spcPct val="0"/>
-              </a:spcAft>
-              <a:defRPr sz="4400">
-                <a:solidFill>
-                  <a:srgbClr val="36B6E7"/>
-                </a:solidFill>
-                <a:latin typeface="Corbel" pitchFamily="34" charset="0"/>
-              </a:defRPr>
-            </a:lvl4pPr>
-            <a:lvl5pPr algn="l" defTabSz="685800" rtl="0" eaLnBrk="0" fontAlgn="base" hangingPunct="0">
-              <a:lnSpc>
-                <a:spcPct val="90000"/>
-              </a:lnSpc>
-              <a:spcBef>
-                <a:spcPct val="0"/>
-              </a:spcBef>
-              <a:spcAft>
-                <a:spcPct val="0"/>
-              </a:spcAft>
-              <a:defRPr sz="4400">
-                <a:solidFill>
-                  <a:srgbClr val="36B6E7"/>
-                </a:solidFill>
-                <a:latin typeface="Corbel" pitchFamily="34" charset="0"/>
-              </a:defRPr>
-            </a:lvl5pPr>
-            <a:lvl6pPr marL="457200" algn="l" defTabSz="685800" rtl="0" fontAlgn="base">
-              <a:lnSpc>
-                <a:spcPct val="90000"/>
-              </a:lnSpc>
-              <a:spcBef>
-                <a:spcPct val="0"/>
-              </a:spcBef>
-              <a:spcAft>
-                <a:spcPct val="0"/>
-              </a:spcAft>
-              <a:defRPr sz="4400">
-                <a:solidFill>
-                  <a:srgbClr val="36B6E7"/>
-                </a:solidFill>
-                <a:latin typeface="Corbel" pitchFamily="34" charset="0"/>
-              </a:defRPr>
-            </a:lvl6pPr>
-            <a:lvl7pPr marL="914400" algn="l" defTabSz="685800" rtl="0" fontAlgn="base">
-              <a:lnSpc>
-                <a:spcPct val="90000"/>
-              </a:lnSpc>
-              <a:spcBef>
-                <a:spcPct val="0"/>
-              </a:spcBef>
-              <a:spcAft>
-                <a:spcPct val="0"/>
-              </a:spcAft>
-              <a:defRPr sz="4400">
-                <a:solidFill>
-                  <a:srgbClr val="36B6E7"/>
-                </a:solidFill>
-                <a:latin typeface="Corbel" pitchFamily="34" charset="0"/>
-              </a:defRPr>
-            </a:lvl7pPr>
-            <a:lvl8pPr marL="1371600" algn="l" defTabSz="685800" rtl="0" fontAlgn="base">
-              <a:lnSpc>
-                <a:spcPct val="90000"/>
-              </a:lnSpc>
-              <a:spcBef>
-                <a:spcPct val="0"/>
-              </a:spcBef>
-              <a:spcAft>
-                <a:spcPct val="0"/>
-              </a:spcAft>
-              <a:defRPr sz="4400">
-                <a:solidFill>
-                  <a:srgbClr val="36B6E7"/>
-                </a:solidFill>
-                <a:latin typeface="Corbel" pitchFamily="34" charset="0"/>
-              </a:defRPr>
-            </a:lvl8pPr>
-            <a:lvl9pPr marL="1828800" algn="l" defTabSz="685800" rtl="0" fontAlgn="base">
-              <a:lnSpc>
-                <a:spcPct val="90000"/>
-              </a:lnSpc>
-              <a:spcBef>
-                <a:spcPct val="0"/>
-              </a:spcBef>
-              <a:spcAft>
-                <a:spcPct val="0"/>
-              </a:spcAft>
-              <a:defRPr sz="4400">
-                <a:solidFill>
-                  <a:srgbClr val="36B6E7"/>
-                </a:solidFill>
-                <a:latin typeface="Corbel" pitchFamily="34" charset="0"/>
-              </a:defRPr>
-            </a:lvl9pPr>
-          </a:lstStyle>
-          <a:p>
-            <a:r>
-              <a:rPr lang="en-CA" sz="2400" dirty="0" smtClean="0">
-                <a:solidFill>
-                  <a:srgbClr val="0070C0"/>
-                </a:solidFill>
-              </a:rPr>
-              <a:t>It is also straightforward in R:</a:t>
-            </a:r>
-          </a:p>
-          <a:p>
-            <a:endParaRPr lang="en-CA" sz="2400" dirty="0" smtClean="0">
-              <a:solidFill>
-                <a:srgbClr val="0070C0"/>
-              </a:solidFill>
-            </a:endParaRPr>
-          </a:p>
-          <a:p>
-            <a:r>
-              <a:rPr lang="en-CA" sz="2400" dirty="0" smtClean="0">
-                <a:solidFill>
-                  <a:srgbClr val="00B050"/>
-                </a:solidFill>
-              </a:rPr>
-              <a:t>    </a:t>
-            </a:r>
-            <a:r>
-              <a:rPr lang="en-CA" sz="2400" dirty="0" err="1" smtClean="0">
-                <a:solidFill>
-                  <a:srgbClr val="00B050"/>
-                </a:solidFill>
-              </a:rPr>
-              <a:t>Albacore@M</a:t>
-            </a:r>
-            <a:r>
-              <a:rPr lang="en-CA" sz="2400" dirty="0" smtClean="0">
-                <a:solidFill>
-                  <a:srgbClr val="00B050"/>
-                </a:solidFill>
-              </a:rPr>
-              <a:t> = c(0.3, 0.5)</a:t>
-            </a:r>
-            <a:endParaRPr lang="en-CA" sz="2400" dirty="0">
-              <a:solidFill>
-                <a:srgbClr val="00B050"/>
-              </a:solidFill>
-            </a:endParaRPr>
-          </a:p>
-        </p:txBody>
-      </p:sp>
-      <p:pic>
-        <p:nvPicPr>
-          <p:cNvPr id="9" name="Picture 8"/>
-          <p:cNvPicPr>
-            <a:picLocks noChangeAspect="1"/>
-          </p:cNvPicPr>
-          <p:nvPr/>
-        </p:nvPicPr>
-        <p:blipFill rotWithShape="1">
-          <a:blip r:embed="rId3"/>
-          <a:srcRect b="14562"/>
-          <a:stretch/>
-        </p:blipFill>
-        <p:spPr>
-          <a:xfrm>
-            <a:off x="4499992" y="2261943"/>
-            <a:ext cx="2909831" cy="1676155"/>
-          </a:xfrm>
-          <a:prstGeom prst="rect">
-            <a:avLst/>
-          </a:prstGeom>
-        </p:spPr>
-      </p:pic>
-    </p:spTree>
-    <p:extLst>
-      <p:ext uri="{BB962C8B-B14F-4D97-AF65-F5344CB8AC3E}">
-        <p14:creationId xmlns:p14="http://schemas.microsoft.com/office/powerpoint/2010/main" val="3466514307"/>
-      </p:ext>
-    </p:extLst>
-  </p:cSld>
-  <p:clrMapOvr>
-    <a:masterClrMapping/>
-  </p:clrMapOvr>
-  <p:timing>
-    <p:tnLst>
-      <p:par>
-        <p:cTn id="1" dur="indefinite" restart="never" nodeType="tmRoot">
-          <p:childTnLst>
-            <p:seq concurrent="1" nextAc="seek">
-              <p:cTn id="2" dur="indefinite" nodeType="mainSeq">
-                <p:childTnLst>
-                  <p:par>
-                    <p:cTn id="3" fill="hold">
-                      <p:stCondLst>
-                        <p:cond delay="indefinite"/>
-                        <p:cond evt="onBegin" delay="0">
-                          <p:tn val="2"/>
-                        </p:cond>
-                      </p:stCondLst>
-                      <p:childTnLst>
-                        <p:par>
-                          <p:cTn id="4" fill="hold">
-                            <p:stCondLst>
-                              <p:cond delay="0"/>
-                            </p:stCondLst>
-                            <p:childTnLst>
-                              <p:par>
-                                <p:cTn id="5" presetID="10" presetClass="entr" presetSubtype="0" fill="hold" nodeType="withEffect">
-                                  <p:stCondLst>
-                                    <p:cond delay="0"/>
-                                  </p:stCondLst>
-                                  <p:childTnLst>
-                                    <p:set>
-                                      <p:cBhvr>
-                                        <p:cTn id="6" dur="1" fill="hold">
-                                          <p:stCondLst>
-                                            <p:cond delay="0"/>
-                                          </p:stCondLst>
-                                        </p:cTn>
-                                        <p:tgtEl>
-                                          <p:spTgt spid="5"/>
-                                        </p:tgtEl>
-                                        <p:attrNameLst>
-                                          <p:attrName>style.visibility</p:attrName>
-                                        </p:attrNameLst>
-                                      </p:cBhvr>
-                                      <p:to>
-                                        <p:strVal val="visible"/>
-                                      </p:to>
-                                    </p:set>
-                                    <p:animEffect transition="in" filter="fade">
-                                      <p:cBhvr>
-                                        <p:cTn id="7" dur="500"/>
-                                        <p:tgtEl>
-                                          <p:spTgt spid="5"/>
-                                        </p:tgtEl>
-                                      </p:cBhvr>
-                                    </p:animEffect>
-                                  </p:childTnLst>
-                                </p:cTn>
-                              </p:par>
-                            </p:childTnLst>
-                          </p:cTn>
-                        </p:par>
-                      </p:childTnLst>
-                    </p:cTn>
-                  </p:par>
-                  <p:par>
-                    <p:cTn id="8" fill="hold">
-                      <p:stCondLst>
-                        <p:cond delay="indefinite"/>
-                      </p:stCondLst>
-                      <p:childTnLst>
-                        <p:par>
-                          <p:cTn id="9" fill="hold">
-                            <p:stCondLst>
-                              <p:cond delay="0"/>
-                            </p:stCondLst>
-                            <p:childTnLst>
-                              <p:par>
-                                <p:cTn id="10" presetID="10" presetClass="entr" presetSubtype="0" fill="hold" grpId="0" nodeType="clickEffect">
-                                  <p:stCondLst>
-                                    <p:cond delay="0"/>
-                                  </p:stCondLst>
-                                  <p:childTnLst>
-                                    <p:set>
-                                      <p:cBhvr>
-                                        <p:cTn id="11" dur="1" fill="hold">
-                                          <p:stCondLst>
-                                            <p:cond delay="0"/>
-                                          </p:stCondLst>
-                                        </p:cTn>
-                                        <p:tgtEl>
-                                          <p:spTgt spid="7"/>
-                                        </p:tgtEl>
-                                        <p:attrNameLst>
-                                          <p:attrName>style.visibility</p:attrName>
-                                        </p:attrNameLst>
-                                      </p:cBhvr>
-                                      <p:to>
-                                        <p:strVal val="visible"/>
-                                      </p:to>
-                                    </p:set>
-                                    <p:animEffect transition="in" filter="fade">
-                                      <p:cBhvr>
-                                        <p:cTn id="12" dur="500"/>
-                                        <p:tgtEl>
-                                          <p:spTgt spid="7"/>
-                                        </p:tgtEl>
-                                      </p:cBhvr>
-                                    </p:animEffect>
-                                  </p:childTnLst>
-                                </p:cTn>
-                              </p:par>
-                            </p:childTnLst>
-                          </p:cTn>
-                        </p:par>
-                      </p:childTnLst>
-                    </p:cTn>
-                  </p:par>
-                </p:childTnLst>
-              </p:cTn>
-              <p:prevCondLst>
-                <p:cond evt="onPrev" delay="0">
-                  <p:tgtEl>
-                    <p:sldTgt/>
-                  </p:tgtEl>
-                </p:cond>
-              </p:prevCondLst>
-              <p:nextCondLst>
-                <p:cond evt="onNext" delay="0">
-                  <p:tgtEl>
-                    <p:sldTgt/>
-                  </p:tgtEl>
-                </p:cond>
-              </p:nextCondLst>
-            </p:seq>
-          </p:childTnLst>
-        </p:cTn>
-      </p:par>
-    </p:tnLst>
-    <p:bldLst>
-      <p:bldP spid="7" grpId="0"/>
-    </p:bldLst>
-  </p:timing>
-</p:sld>
-</file>
-
-<file path=ppt/slides/slide16.xml><?xml version="1.0" encoding="utf-8"?>
-<p:sld xmlns:a="http://schemas.openxmlformats.org/drawingml/2006/main" xmlns:r="http://schemas.openxmlformats.org/officeDocument/2006/relationships" xmlns:p="http://schemas.openxmlformats.org/presentationml/2006/main">
-  <p:cSld>
-    <p:spTree>
-      <p:nvGrpSpPr>
-        <p:cNvPr id="1" name=""/>
-        <p:cNvGrpSpPr/>
-        <p:nvPr/>
-      </p:nvGrpSpPr>
-      <p:grpSpPr>
-        <a:xfrm>
-          <a:off x="0" y="0"/>
-          <a:ext cx="0" cy="0"/>
-          <a:chOff x="0" y="0"/>
-          <a:chExt cx="0" cy="0"/>
-        </a:xfrm>
-      </p:grpSpPr>
-      <p:sp>
-        <p:nvSpPr>
-          <p:cNvPr id="2" name="Title 1"/>
-          <p:cNvSpPr>
-            <a:spLocks noGrp="1"/>
-          </p:cNvSpPr>
-          <p:nvPr>
-            <p:ph type="title"/>
-          </p:nvPr>
-        </p:nvSpPr>
-        <p:spPr/>
-        <p:txBody>
-          <a:bodyPr/>
-          <a:lstStyle/>
-          <a:p>
-            <a:r>
-              <a:rPr lang="en-CA" dirty="0" smtClean="0"/>
-              <a:t>Getting help with objects</a:t>
-            </a:r>
-            <a:endParaRPr lang="en-CA" dirty="0"/>
-          </a:p>
-        </p:txBody>
-      </p:sp>
-      <p:sp>
-        <p:nvSpPr>
-          <p:cNvPr id="3" name="Content Placeholder 2"/>
-          <p:cNvSpPr>
-            <a:spLocks noGrp="1"/>
-          </p:cNvSpPr>
-          <p:nvPr>
-            <p:ph idx="1"/>
-          </p:nvPr>
-        </p:nvSpPr>
-        <p:spPr>
-          <a:xfrm>
-            <a:off x="734219" y="2132856"/>
-            <a:ext cx="7675562" cy="3324027"/>
-          </a:xfrm>
-        </p:spPr>
-        <p:txBody>
-          <a:bodyPr/>
-          <a:lstStyle/>
-          <a:p>
-            <a:pPr marL="0" indent="0">
-              <a:spcBef>
-                <a:spcPts val="2400"/>
-              </a:spcBef>
-              <a:spcAft>
-                <a:spcPts val="1800"/>
-              </a:spcAft>
-              <a:buNone/>
-            </a:pPr>
-            <a:r>
-              <a:rPr lang="en-CA" dirty="0" smtClean="0">
-                <a:solidFill>
-                  <a:srgbClr val="0070C0"/>
-                </a:solidFill>
-              </a:rPr>
-              <a:t>Cheat sheets for objects:    </a:t>
-            </a:r>
-            <a:r>
-              <a:rPr lang="en-CA" dirty="0" smtClean="0">
-                <a:solidFill>
-                  <a:srgbClr val="27AFE5"/>
-                </a:solidFill>
-              </a:rPr>
-              <a:t>/Help/Cheat sheets/</a:t>
-            </a:r>
-          </a:p>
-          <a:p>
-            <a:pPr marL="0" indent="0">
-              <a:spcBef>
-                <a:spcPts val="2400"/>
-              </a:spcBef>
-              <a:spcAft>
-                <a:spcPts val="1800"/>
-              </a:spcAft>
-              <a:buNone/>
-            </a:pPr>
-            <a:r>
-              <a:rPr lang="en-CA" dirty="0" smtClean="0">
-                <a:solidFill>
-                  <a:srgbClr val="0070C0"/>
-                </a:solidFill>
-              </a:rPr>
-              <a:t>User manual:                            </a:t>
-            </a:r>
-            <a:r>
-              <a:rPr lang="en-CA" dirty="0" smtClean="0">
-                <a:solidFill>
-                  <a:srgbClr val="27AFE5"/>
-                </a:solidFill>
-              </a:rPr>
-              <a:t>/Help/DLMtool 4 User Guide.pdf</a:t>
-            </a:r>
-          </a:p>
-          <a:p>
-            <a:pPr marL="0" indent="0">
-              <a:spcBef>
-                <a:spcPts val="2400"/>
-              </a:spcBef>
-              <a:buNone/>
-            </a:pPr>
-            <a:r>
-              <a:rPr lang="en-CA" dirty="0" smtClean="0">
-                <a:solidFill>
-                  <a:srgbClr val="0070C0"/>
-                </a:solidFill>
-              </a:rPr>
-              <a:t>R package help: </a:t>
-            </a:r>
-            <a:r>
-              <a:rPr lang="en-CA" dirty="0" smtClean="0">
-                <a:solidFill>
-                  <a:srgbClr val="27AFE5"/>
-                </a:solidFill>
-              </a:rPr>
-              <a:t>			</a:t>
-            </a:r>
-            <a:r>
-              <a:rPr lang="en-CA" dirty="0" err="1" smtClean="0">
-                <a:solidFill>
-                  <a:srgbClr val="00B050"/>
-                </a:solidFill>
-              </a:rPr>
-              <a:t>class?Stock</a:t>
-            </a:r>
-            <a:endParaRPr lang="en-CA" dirty="0" smtClean="0">
-              <a:solidFill>
-                <a:srgbClr val="00B050"/>
-              </a:solidFill>
-            </a:endParaRPr>
-          </a:p>
-          <a:p>
-            <a:pPr marL="0" indent="0">
-              <a:spcBef>
-                <a:spcPts val="0"/>
-              </a:spcBef>
-              <a:buNone/>
-            </a:pPr>
-            <a:r>
-              <a:rPr lang="en-CA" dirty="0" smtClean="0">
-                <a:solidFill>
-                  <a:srgbClr val="00B050"/>
-                </a:solidFill>
-              </a:rPr>
-              <a:t>					</a:t>
-            </a:r>
-            <a:r>
-              <a:rPr lang="en-CA" dirty="0" err="1" smtClean="0">
-                <a:solidFill>
-                  <a:srgbClr val="00B050"/>
-                </a:solidFill>
-              </a:rPr>
-              <a:t>class?Fleet</a:t>
-            </a:r>
-            <a:endParaRPr lang="en-CA" dirty="0" smtClean="0">
-              <a:solidFill>
-                <a:srgbClr val="00B050"/>
-              </a:solidFill>
-            </a:endParaRPr>
-          </a:p>
-          <a:p>
-            <a:pPr marL="0" indent="0">
-              <a:spcBef>
-                <a:spcPts val="0"/>
-              </a:spcBef>
-              <a:buNone/>
-            </a:pPr>
-            <a:r>
-              <a:rPr lang="en-CA" dirty="0" smtClean="0">
-                <a:solidFill>
-                  <a:srgbClr val="00B050"/>
-                </a:solidFill>
-              </a:rPr>
-              <a:t>					</a:t>
-            </a:r>
-            <a:r>
-              <a:rPr lang="en-CA" dirty="0" err="1" smtClean="0">
-                <a:solidFill>
-                  <a:srgbClr val="00B050"/>
-                </a:solidFill>
-              </a:rPr>
-              <a:t>class?Obs</a:t>
-            </a:r>
-            <a:endParaRPr lang="en-CA" dirty="0" smtClean="0">
-              <a:solidFill>
-                <a:srgbClr val="00B050"/>
-              </a:solidFill>
-            </a:endParaRPr>
-          </a:p>
-          <a:p>
-            <a:pPr marL="0" indent="0">
-              <a:spcBef>
-                <a:spcPts val="0"/>
-              </a:spcBef>
-              <a:buNone/>
-            </a:pPr>
-            <a:r>
-              <a:rPr lang="en-CA" dirty="0" smtClean="0">
-                <a:solidFill>
-                  <a:srgbClr val="00B050"/>
-                </a:solidFill>
-              </a:rPr>
-              <a:t>					</a:t>
-            </a:r>
-            <a:r>
-              <a:rPr lang="en-CA" dirty="0" err="1" smtClean="0">
-                <a:solidFill>
-                  <a:srgbClr val="00B050"/>
-                </a:solidFill>
-              </a:rPr>
-              <a:t>class?Imp</a:t>
-            </a:r>
-            <a:endParaRPr lang="en-CA" dirty="0" smtClean="0">
-              <a:solidFill>
-                <a:srgbClr val="00B050"/>
-              </a:solidFill>
-            </a:endParaRPr>
-          </a:p>
-          <a:p>
-            <a:pPr marL="0" indent="0">
-              <a:spcBef>
-                <a:spcPts val="0"/>
-              </a:spcBef>
-              <a:buNone/>
-            </a:pPr>
-            <a:r>
-              <a:rPr lang="en-CA" dirty="0" smtClean="0">
-                <a:solidFill>
-                  <a:srgbClr val="00B050"/>
-                </a:solidFill>
-              </a:rPr>
-              <a:t>					</a:t>
-            </a:r>
-            <a:r>
-              <a:rPr lang="en-CA" dirty="0" err="1" smtClean="0">
-                <a:solidFill>
-                  <a:srgbClr val="00B050"/>
-                </a:solidFill>
-              </a:rPr>
-              <a:t>class?OM</a:t>
-            </a:r>
-            <a:endParaRPr lang="en-CA" dirty="0" smtClean="0">
-              <a:solidFill>
-                <a:srgbClr val="00B050"/>
-              </a:solidFill>
-            </a:endParaRPr>
-          </a:p>
-          <a:p>
-            <a:pPr marL="0" indent="0">
-              <a:spcBef>
-                <a:spcPts val="2400"/>
-              </a:spcBef>
-              <a:buNone/>
-            </a:pPr>
-            <a:endParaRPr lang="en-CA" dirty="0">
-              <a:solidFill>
-                <a:srgbClr val="27AFE5"/>
-              </a:solidFill>
-            </a:endParaRPr>
-          </a:p>
-          <a:p>
-            <a:pPr marL="0" indent="0">
-              <a:spcBef>
-                <a:spcPts val="600"/>
-              </a:spcBef>
-              <a:buNone/>
-            </a:pPr>
-            <a:r>
-              <a:rPr lang="en-CA" dirty="0"/>
-              <a:t>				</a:t>
-            </a:r>
-          </a:p>
-        </p:txBody>
-      </p:sp>
-    </p:spTree>
-    <p:extLst>
-      <p:ext uri="{BB962C8B-B14F-4D97-AF65-F5344CB8AC3E}">
-        <p14:creationId xmlns:p14="http://schemas.microsoft.com/office/powerpoint/2010/main" val="1357881081"/>
-      </p:ext>
-    </p:extLst>
-  </p:cSld>
-  <p:clrMapOvr>
-    <a:masterClrMapping/>
-  </p:clrMapOvr>
-  <p:timing>
-    <p:tnLst>
-      <p:par>
-        <p:cTn id="1" dur="indefinite" restart="never" nodeType="tmRoot"/>
-      </p:par>
-    </p:tnLst>
-  </p:timing>
 </p:sld>
 </file>
 
@@ -13849,11 +10457,7 @@
             </a:r>
             <a:r>
               <a:rPr lang="en-CA" dirty="0" smtClean="0"/>
-              <a:t>() function</a:t>
-            </a:r>
-            <a:r>
-              <a:rPr lang="en-CA" dirty="0" smtClean="0"/>
-              <a:t>:</a:t>
+              <a:t>() function:</a:t>
             </a:r>
             <a:endParaRPr lang="en-CA" dirty="0"/>
           </a:p>
